--- a/results/Sim_3.10.21/CGV_Figs.pptx
+++ b/results/Sim_3.10.21/CGV_Figs.pptx
@@ -9,6 +9,7 @@
     <p:sldId id="257" r:id="rId3"/>
     <p:sldId id="258" r:id="rId4"/>
     <p:sldId id="259" r:id="rId5"/>
+    <p:sldId id="260" r:id="rId6"/>
   </p:sldIdLst>
   <p:sldSz cx="6858000" cy="12192000"/>
   <p:notesSz cx="6858000" cy="9144000"/>
@@ -246,7 +247,7 @@
           <a:p>
             <a:fld id="{42C0433E-0C94-5341-9440-2AD28C3BF58B}" type="datetimeFigureOut">
               <a:rPr lang="en-US" smtClean="0"/>
-              <a:t>3/11/21</a:t>
+              <a:t>3/12/21</a:t>
             </a:fld>
             <a:endParaRPr lang="en-US"/>
           </a:p>
@@ -416,7 +417,7 @@
           <a:p>
             <a:fld id="{42C0433E-0C94-5341-9440-2AD28C3BF58B}" type="datetimeFigureOut">
               <a:rPr lang="en-US" smtClean="0"/>
-              <a:t>3/11/21</a:t>
+              <a:t>3/12/21</a:t>
             </a:fld>
             <a:endParaRPr lang="en-US"/>
           </a:p>
@@ -596,7 +597,7 @@
           <a:p>
             <a:fld id="{42C0433E-0C94-5341-9440-2AD28C3BF58B}" type="datetimeFigureOut">
               <a:rPr lang="en-US" smtClean="0"/>
-              <a:t>3/11/21</a:t>
+              <a:t>3/12/21</a:t>
             </a:fld>
             <a:endParaRPr lang="en-US"/>
           </a:p>
@@ -766,7 +767,7 @@
           <a:p>
             <a:fld id="{42C0433E-0C94-5341-9440-2AD28C3BF58B}" type="datetimeFigureOut">
               <a:rPr lang="en-US" smtClean="0"/>
-              <a:t>3/11/21</a:t>
+              <a:t>3/12/21</a:t>
             </a:fld>
             <a:endParaRPr lang="en-US"/>
           </a:p>
@@ -1010,7 +1011,7 @@
           <a:p>
             <a:fld id="{42C0433E-0C94-5341-9440-2AD28C3BF58B}" type="datetimeFigureOut">
               <a:rPr lang="en-US" smtClean="0"/>
-              <a:t>3/11/21</a:t>
+              <a:t>3/12/21</a:t>
             </a:fld>
             <a:endParaRPr lang="en-US"/>
           </a:p>
@@ -1242,7 +1243,7 @@
           <a:p>
             <a:fld id="{42C0433E-0C94-5341-9440-2AD28C3BF58B}" type="datetimeFigureOut">
               <a:rPr lang="en-US" smtClean="0"/>
-              <a:t>3/11/21</a:t>
+              <a:t>3/12/21</a:t>
             </a:fld>
             <a:endParaRPr lang="en-US"/>
           </a:p>
@@ -1609,7 +1610,7 @@
           <a:p>
             <a:fld id="{42C0433E-0C94-5341-9440-2AD28C3BF58B}" type="datetimeFigureOut">
               <a:rPr lang="en-US" smtClean="0"/>
-              <a:t>3/11/21</a:t>
+              <a:t>3/12/21</a:t>
             </a:fld>
             <a:endParaRPr lang="en-US"/>
           </a:p>
@@ -1727,7 +1728,7 @@
           <a:p>
             <a:fld id="{42C0433E-0C94-5341-9440-2AD28C3BF58B}" type="datetimeFigureOut">
               <a:rPr lang="en-US" smtClean="0"/>
-              <a:t>3/11/21</a:t>
+              <a:t>3/12/21</a:t>
             </a:fld>
             <a:endParaRPr lang="en-US"/>
           </a:p>
@@ -1822,7 +1823,7 @@
           <a:p>
             <a:fld id="{42C0433E-0C94-5341-9440-2AD28C3BF58B}" type="datetimeFigureOut">
               <a:rPr lang="en-US" smtClean="0"/>
-              <a:t>3/11/21</a:t>
+              <a:t>3/12/21</a:t>
             </a:fld>
             <a:endParaRPr lang="en-US"/>
           </a:p>
@@ -2099,7 +2100,7 @@
           <a:p>
             <a:fld id="{42C0433E-0C94-5341-9440-2AD28C3BF58B}" type="datetimeFigureOut">
               <a:rPr lang="en-US" smtClean="0"/>
-              <a:t>3/11/21</a:t>
+              <a:t>3/12/21</a:t>
             </a:fld>
             <a:endParaRPr lang="en-US"/>
           </a:p>
@@ -2356,7 +2357,7 @@
           <a:p>
             <a:fld id="{42C0433E-0C94-5341-9440-2AD28C3BF58B}" type="datetimeFigureOut">
               <a:rPr lang="en-US" smtClean="0"/>
-              <a:t>3/11/21</a:t>
+              <a:t>3/12/21</a:t>
             </a:fld>
             <a:endParaRPr lang="en-US"/>
           </a:p>
@@ -2569,7 +2570,7 @@
           <a:p>
             <a:fld id="{42C0433E-0C94-5341-9440-2AD28C3BF58B}" type="datetimeFigureOut">
               <a:rPr lang="en-US" smtClean="0"/>
-              <a:t>3/11/21</a:t>
+              <a:t>3/12/21</a:t>
             </a:fld>
             <a:endParaRPr lang="en-US"/>
           </a:p>
@@ -5498,6 +5499,330 @@
 </p:sld>
 </file>
 
+<file path=ppt/slides/slide5.xml><?xml version="1.0" encoding="utf-8"?>
+<p:sld xmlns:a="http://schemas.openxmlformats.org/drawingml/2006/main" xmlns:r="http://schemas.openxmlformats.org/officeDocument/2006/relationships" xmlns:p="http://schemas.openxmlformats.org/presentationml/2006/main">
+  <p:cSld>
+    <p:spTree>
+      <p:nvGrpSpPr>
+        <p:cNvPr id="1" name=""/>
+        <p:cNvGrpSpPr/>
+        <p:nvPr/>
+      </p:nvGrpSpPr>
+      <p:grpSpPr>
+        <a:xfrm>
+          <a:off x="0" y="0"/>
+          <a:ext cx="0" cy="0"/>
+          <a:chOff x="0" y="0"/>
+          <a:chExt cx="0" cy="0"/>
+        </a:xfrm>
+      </p:grpSpPr>
+      <p:pic>
+        <p:nvPicPr>
+          <p:cNvPr id="12" name="Picture 11">
+            <a:extLst>
+              <a:ext uri="{FF2B5EF4-FFF2-40B4-BE49-F238E27FC236}">
+                <a16:creationId xmlns:a16="http://schemas.microsoft.com/office/drawing/2014/main" id="{49C0FEBA-069A-9649-926E-89A2AA20819B}"/>
+              </a:ext>
+            </a:extLst>
+          </p:cNvPr>
+          <p:cNvPicPr>
+            <a:picLocks noChangeAspect="1"/>
+          </p:cNvPicPr>
+          <p:nvPr/>
+        </p:nvPicPr>
+        <p:blipFill>
+          <a:blip r:embed="rId2"/>
+          <a:stretch>
+            <a:fillRect/>
+          </a:stretch>
+        </p:blipFill>
+        <p:spPr>
+          <a:xfrm>
+            <a:off x="0" y="2095500"/>
+            <a:ext cx="6858000" cy="8001000"/>
+          </a:xfrm>
+          <a:prstGeom prst="rect">
+            <a:avLst/>
+          </a:prstGeom>
+        </p:spPr>
+      </p:pic>
+      <p:pic>
+        <p:nvPicPr>
+          <p:cNvPr id="6" name="Picture 5">
+            <a:extLst>
+              <a:ext uri="{FF2B5EF4-FFF2-40B4-BE49-F238E27FC236}">
+                <a16:creationId xmlns:a16="http://schemas.microsoft.com/office/drawing/2014/main" id="{08216F72-2EB3-AE46-A7C1-69AFA5D01C19}"/>
+              </a:ext>
+            </a:extLst>
+          </p:cNvPr>
+          <p:cNvPicPr>
+            <a:picLocks noChangeAspect="1"/>
+          </p:cNvPicPr>
+          <p:nvPr/>
+        </p:nvPicPr>
+        <p:blipFill rotWithShape="1">
+          <a:blip r:embed="rId3"/>
+          <a:srcRect l="72441" t="41967" r="5" b="45561"/>
+          <a:stretch/>
+        </p:blipFill>
+        <p:spPr>
+          <a:xfrm>
+            <a:off x="1428690" y="6591300"/>
+            <a:ext cx="1208868" cy="901211"/>
+          </a:xfrm>
+          <a:prstGeom prst="rect">
+            <a:avLst/>
+          </a:prstGeom>
+        </p:spPr>
+      </p:pic>
+      <p:pic>
+        <p:nvPicPr>
+          <p:cNvPr id="7" name="Picture 6">
+            <a:extLst>
+              <a:ext uri="{FF2B5EF4-FFF2-40B4-BE49-F238E27FC236}">
+                <a16:creationId xmlns:a16="http://schemas.microsoft.com/office/drawing/2014/main" id="{4643E6F8-48F5-C347-88CB-D9D54E136AA6}"/>
+              </a:ext>
+            </a:extLst>
+          </p:cNvPr>
+          <p:cNvPicPr>
+            <a:picLocks noChangeAspect="1"/>
+          </p:cNvPicPr>
+          <p:nvPr/>
+        </p:nvPicPr>
+        <p:blipFill rotWithShape="1">
+          <a:blip r:embed="rId3"/>
+          <a:srcRect l="72441" t="41967" r="5" b="45561"/>
+          <a:stretch/>
+        </p:blipFill>
+        <p:spPr>
+          <a:xfrm>
+            <a:off x="5756137" y="6591300"/>
+            <a:ext cx="1208868" cy="901211"/>
+          </a:xfrm>
+          <a:prstGeom prst="rect">
+            <a:avLst/>
+          </a:prstGeom>
+        </p:spPr>
+      </p:pic>
+      <p:pic>
+        <p:nvPicPr>
+          <p:cNvPr id="9" name="Picture 8">
+            <a:extLst>
+              <a:ext uri="{FF2B5EF4-FFF2-40B4-BE49-F238E27FC236}">
+                <a16:creationId xmlns:a16="http://schemas.microsoft.com/office/drawing/2014/main" id="{D15F9EF7-D7CE-DC43-8FFB-E4888A7FE680}"/>
+              </a:ext>
+            </a:extLst>
+          </p:cNvPr>
+          <p:cNvPicPr>
+            <a:picLocks noChangeAspect="1"/>
+          </p:cNvPicPr>
+          <p:nvPr/>
+        </p:nvPicPr>
+        <p:blipFill rotWithShape="1">
+          <a:blip r:embed="rId4"/>
+          <a:srcRect l="63548" t="31609" r="3062" b="34845"/>
+          <a:stretch/>
+        </p:blipFill>
+        <p:spPr>
+          <a:xfrm>
+            <a:off x="1428690" y="2590671"/>
+            <a:ext cx="1118242" cy="901211"/>
+          </a:xfrm>
+          <a:prstGeom prst="rect">
+            <a:avLst/>
+          </a:prstGeom>
+        </p:spPr>
+      </p:pic>
+      <p:pic>
+        <p:nvPicPr>
+          <p:cNvPr id="10" name="Picture 9">
+            <a:extLst>
+              <a:ext uri="{FF2B5EF4-FFF2-40B4-BE49-F238E27FC236}">
+                <a16:creationId xmlns:a16="http://schemas.microsoft.com/office/drawing/2014/main" id="{7FCAFB33-5548-804B-BA51-305C28BE4D74}"/>
+              </a:ext>
+            </a:extLst>
+          </p:cNvPr>
+          <p:cNvPicPr>
+            <a:picLocks noChangeAspect="1"/>
+          </p:cNvPicPr>
+          <p:nvPr/>
+        </p:nvPicPr>
+        <p:blipFill rotWithShape="1">
+          <a:blip r:embed="rId5"/>
+          <a:srcRect l="63548" t="31609" r="3062" b="34845"/>
+          <a:stretch/>
+        </p:blipFill>
+        <p:spPr>
+          <a:xfrm>
+            <a:off x="5756137" y="2590670"/>
+            <a:ext cx="1118242" cy="901211"/>
+          </a:xfrm>
+          <a:prstGeom prst="rect">
+            <a:avLst/>
+          </a:prstGeom>
+        </p:spPr>
+      </p:pic>
+      <p:sp>
+        <p:nvSpPr>
+          <p:cNvPr id="13" name="TextBox 12">
+            <a:extLst>
+              <a:ext uri="{FF2B5EF4-FFF2-40B4-BE49-F238E27FC236}">
+                <a16:creationId xmlns:a16="http://schemas.microsoft.com/office/drawing/2014/main" id="{20A7719E-F7E3-A040-8D51-1B366BA1145A}"/>
+              </a:ext>
+            </a:extLst>
+          </p:cNvPr>
+          <p:cNvSpPr txBox="1"/>
+          <p:nvPr/>
+        </p:nvSpPr>
+        <p:spPr>
+          <a:xfrm>
+            <a:off x="0" y="2048256"/>
+            <a:ext cx="332142" cy="338554"/>
+          </a:xfrm>
+          <a:prstGeom prst="rect">
+            <a:avLst/>
+          </a:prstGeom>
+          <a:noFill/>
+        </p:spPr>
+        <p:txBody>
+          <a:bodyPr wrap="none" rtlCol="0">
+            <a:spAutoFit/>
+          </a:bodyPr>
+          <a:lstStyle/>
+          <a:p>
+            <a:r>
+              <a:rPr lang="en-US" sz="1600" dirty="0">
+                <a:latin typeface="Times" pitchFamily="2" charset="0"/>
+              </a:rPr>
+              <a:t>A</a:t>
+            </a:r>
+          </a:p>
+        </p:txBody>
+      </p:sp>
+      <p:sp>
+        <p:nvSpPr>
+          <p:cNvPr id="14" name="TextBox 13">
+            <a:extLst>
+              <a:ext uri="{FF2B5EF4-FFF2-40B4-BE49-F238E27FC236}">
+                <a16:creationId xmlns:a16="http://schemas.microsoft.com/office/drawing/2014/main" id="{5AD86F97-CB8E-C745-A965-93875354BFF9}"/>
+              </a:ext>
+            </a:extLst>
+          </p:cNvPr>
+          <p:cNvSpPr txBox="1"/>
+          <p:nvPr/>
+        </p:nvSpPr>
+        <p:spPr>
+          <a:xfrm>
+            <a:off x="3465576" y="2048256"/>
+            <a:ext cx="332142" cy="338554"/>
+          </a:xfrm>
+          <a:prstGeom prst="rect">
+            <a:avLst/>
+          </a:prstGeom>
+          <a:noFill/>
+        </p:spPr>
+        <p:txBody>
+          <a:bodyPr wrap="none" rtlCol="0">
+            <a:spAutoFit/>
+          </a:bodyPr>
+          <a:lstStyle/>
+          <a:p>
+            <a:r>
+              <a:rPr lang="en-US" sz="1600" dirty="0">
+                <a:latin typeface="Times" pitchFamily="2" charset="0"/>
+              </a:rPr>
+              <a:t>B</a:t>
+            </a:r>
+          </a:p>
+        </p:txBody>
+      </p:sp>
+      <p:sp>
+        <p:nvSpPr>
+          <p:cNvPr id="15" name="TextBox 14">
+            <a:extLst>
+              <a:ext uri="{FF2B5EF4-FFF2-40B4-BE49-F238E27FC236}">
+                <a16:creationId xmlns:a16="http://schemas.microsoft.com/office/drawing/2014/main" id="{B21B6A4E-3142-AA44-8D75-2C81CB9BEB4E}"/>
+              </a:ext>
+            </a:extLst>
+          </p:cNvPr>
+          <p:cNvSpPr txBox="1"/>
+          <p:nvPr/>
+        </p:nvSpPr>
+        <p:spPr>
+          <a:xfrm>
+            <a:off x="0" y="6042886"/>
+            <a:ext cx="332142" cy="338554"/>
+          </a:xfrm>
+          <a:prstGeom prst="rect">
+            <a:avLst/>
+          </a:prstGeom>
+          <a:noFill/>
+        </p:spPr>
+        <p:txBody>
+          <a:bodyPr wrap="none" rtlCol="0">
+            <a:spAutoFit/>
+          </a:bodyPr>
+          <a:lstStyle/>
+          <a:p>
+            <a:r>
+              <a:rPr lang="en-US" sz="1600" dirty="0">
+                <a:latin typeface="Times" pitchFamily="2" charset="0"/>
+              </a:rPr>
+              <a:t>C</a:t>
+            </a:r>
+          </a:p>
+        </p:txBody>
+      </p:sp>
+      <p:sp>
+        <p:nvSpPr>
+          <p:cNvPr id="16" name="TextBox 15">
+            <a:extLst>
+              <a:ext uri="{FF2B5EF4-FFF2-40B4-BE49-F238E27FC236}">
+                <a16:creationId xmlns:a16="http://schemas.microsoft.com/office/drawing/2014/main" id="{00975196-BC54-5E41-81B5-7589C96E0B4D}"/>
+              </a:ext>
+            </a:extLst>
+          </p:cNvPr>
+          <p:cNvSpPr txBox="1"/>
+          <p:nvPr/>
+        </p:nvSpPr>
+        <p:spPr>
+          <a:xfrm>
+            <a:off x="3474720" y="6041898"/>
+            <a:ext cx="332142" cy="338554"/>
+          </a:xfrm>
+          <a:prstGeom prst="rect">
+            <a:avLst/>
+          </a:prstGeom>
+          <a:noFill/>
+        </p:spPr>
+        <p:txBody>
+          <a:bodyPr wrap="none" rtlCol="0">
+            <a:spAutoFit/>
+          </a:bodyPr>
+          <a:lstStyle/>
+          <a:p>
+            <a:r>
+              <a:rPr lang="en-US" sz="1600" dirty="0">
+                <a:latin typeface="Times" pitchFamily="2" charset="0"/>
+              </a:rPr>
+              <a:t>D</a:t>
+            </a:r>
+          </a:p>
+        </p:txBody>
+      </p:sp>
+    </p:spTree>
+    <p:extLst>
+      <p:ext uri="{BB962C8B-B14F-4D97-AF65-F5344CB8AC3E}">
+        <p14:creationId xmlns:p14="http://schemas.microsoft.com/office/powerpoint/2010/main" val="2578185372"/>
+      </p:ext>
+    </p:extLst>
+  </p:cSld>
+  <p:clrMapOvr>
+    <a:masterClrMapping/>
+  </p:clrMapOvr>
+</p:sld>
+</file>
+
 <file path=ppt/theme/theme1.xml><?xml version="1.0" encoding="utf-8"?>
 <a:theme xmlns:a="http://schemas.openxmlformats.org/drawingml/2006/main" name="Office Theme">
   <a:themeElements>

--- a/results/Sim_3.10.21/CGV_Figs.pptx
+++ b/results/Sim_3.10.21/CGV_Figs.pptx
@@ -10,6 +10,7 @@
     <p:sldId id="258" r:id="rId4"/>
     <p:sldId id="259" r:id="rId5"/>
     <p:sldId id="260" r:id="rId6"/>
+    <p:sldId id="261" r:id="rId7"/>
   </p:sldIdLst>
   <p:sldSz cx="6858000" cy="12192000"/>
   <p:notesSz cx="6858000" cy="9144000"/>
@@ -247,7 +248,7 @@
           <a:p>
             <a:fld id="{42C0433E-0C94-5341-9440-2AD28C3BF58B}" type="datetimeFigureOut">
               <a:rPr lang="en-US" smtClean="0"/>
-              <a:t>3/12/21</a:t>
+              <a:t>3/23/21</a:t>
             </a:fld>
             <a:endParaRPr lang="en-US"/>
           </a:p>
@@ -417,7 +418,7 @@
           <a:p>
             <a:fld id="{42C0433E-0C94-5341-9440-2AD28C3BF58B}" type="datetimeFigureOut">
               <a:rPr lang="en-US" smtClean="0"/>
-              <a:t>3/12/21</a:t>
+              <a:t>3/23/21</a:t>
             </a:fld>
             <a:endParaRPr lang="en-US"/>
           </a:p>
@@ -597,7 +598,7 @@
           <a:p>
             <a:fld id="{42C0433E-0C94-5341-9440-2AD28C3BF58B}" type="datetimeFigureOut">
               <a:rPr lang="en-US" smtClean="0"/>
-              <a:t>3/12/21</a:t>
+              <a:t>3/23/21</a:t>
             </a:fld>
             <a:endParaRPr lang="en-US"/>
           </a:p>
@@ -767,7 +768,7 @@
           <a:p>
             <a:fld id="{42C0433E-0C94-5341-9440-2AD28C3BF58B}" type="datetimeFigureOut">
               <a:rPr lang="en-US" smtClean="0"/>
-              <a:t>3/12/21</a:t>
+              <a:t>3/23/21</a:t>
             </a:fld>
             <a:endParaRPr lang="en-US"/>
           </a:p>
@@ -1011,7 +1012,7 @@
           <a:p>
             <a:fld id="{42C0433E-0C94-5341-9440-2AD28C3BF58B}" type="datetimeFigureOut">
               <a:rPr lang="en-US" smtClean="0"/>
-              <a:t>3/12/21</a:t>
+              <a:t>3/23/21</a:t>
             </a:fld>
             <a:endParaRPr lang="en-US"/>
           </a:p>
@@ -1243,7 +1244,7 @@
           <a:p>
             <a:fld id="{42C0433E-0C94-5341-9440-2AD28C3BF58B}" type="datetimeFigureOut">
               <a:rPr lang="en-US" smtClean="0"/>
-              <a:t>3/12/21</a:t>
+              <a:t>3/23/21</a:t>
             </a:fld>
             <a:endParaRPr lang="en-US"/>
           </a:p>
@@ -1610,7 +1611,7 @@
           <a:p>
             <a:fld id="{42C0433E-0C94-5341-9440-2AD28C3BF58B}" type="datetimeFigureOut">
               <a:rPr lang="en-US" smtClean="0"/>
-              <a:t>3/12/21</a:t>
+              <a:t>3/23/21</a:t>
             </a:fld>
             <a:endParaRPr lang="en-US"/>
           </a:p>
@@ -1728,7 +1729,7 @@
           <a:p>
             <a:fld id="{42C0433E-0C94-5341-9440-2AD28C3BF58B}" type="datetimeFigureOut">
               <a:rPr lang="en-US" smtClean="0"/>
-              <a:t>3/12/21</a:t>
+              <a:t>3/23/21</a:t>
             </a:fld>
             <a:endParaRPr lang="en-US"/>
           </a:p>
@@ -1823,7 +1824,7 @@
           <a:p>
             <a:fld id="{42C0433E-0C94-5341-9440-2AD28C3BF58B}" type="datetimeFigureOut">
               <a:rPr lang="en-US" smtClean="0"/>
-              <a:t>3/12/21</a:t>
+              <a:t>3/23/21</a:t>
             </a:fld>
             <a:endParaRPr lang="en-US"/>
           </a:p>
@@ -2100,7 +2101,7 @@
           <a:p>
             <a:fld id="{42C0433E-0C94-5341-9440-2AD28C3BF58B}" type="datetimeFigureOut">
               <a:rPr lang="en-US" smtClean="0"/>
-              <a:t>3/12/21</a:t>
+              <a:t>3/23/21</a:t>
             </a:fld>
             <a:endParaRPr lang="en-US"/>
           </a:p>
@@ -2357,7 +2358,7 @@
           <a:p>
             <a:fld id="{42C0433E-0C94-5341-9440-2AD28C3BF58B}" type="datetimeFigureOut">
               <a:rPr lang="en-US" smtClean="0"/>
-              <a:t>3/12/21</a:t>
+              <a:t>3/23/21</a:t>
             </a:fld>
             <a:endParaRPr lang="en-US"/>
           </a:p>
@@ -2570,7 +2571,7 @@
           <a:p>
             <a:fld id="{42C0433E-0C94-5341-9440-2AD28C3BF58B}" type="datetimeFigureOut">
               <a:rPr lang="en-US" smtClean="0"/>
-              <a:t>3/12/21</a:t>
+              <a:t>3/23/21</a:t>
             </a:fld>
             <a:endParaRPr lang="en-US"/>
           </a:p>
@@ -5823,6 +5824,182 @@
 </p:sld>
 </file>
 
+<file path=ppt/slides/slide6.xml><?xml version="1.0" encoding="utf-8"?>
+<p:sld xmlns:a="http://schemas.openxmlformats.org/drawingml/2006/main" xmlns:r="http://schemas.openxmlformats.org/officeDocument/2006/relationships" xmlns:p="http://schemas.openxmlformats.org/presentationml/2006/main">
+  <p:cSld>
+    <p:spTree>
+      <p:nvGrpSpPr>
+        <p:cNvPr id="1" name=""/>
+        <p:cNvGrpSpPr/>
+        <p:nvPr/>
+      </p:nvGrpSpPr>
+      <p:grpSpPr>
+        <a:xfrm>
+          <a:off x="0" y="0"/>
+          <a:ext cx="0" cy="0"/>
+          <a:chOff x="0" y="0"/>
+          <a:chExt cx="0" cy="0"/>
+        </a:xfrm>
+      </p:grpSpPr>
+      <p:pic>
+        <p:nvPicPr>
+          <p:cNvPr id="5" name="Picture 4">
+            <a:extLst>
+              <a:ext uri="{FF2B5EF4-FFF2-40B4-BE49-F238E27FC236}">
+                <a16:creationId xmlns:a16="http://schemas.microsoft.com/office/drawing/2014/main" id="{ABD685DE-9B66-D74E-BEA7-F7CD01169468}"/>
+              </a:ext>
+            </a:extLst>
+          </p:cNvPr>
+          <p:cNvPicPr>
+            <a:picLocks noChangeAspect="1"/>
+          </p:cNvPicPr>
+          <p:nvPr/>
+        </p:nvPicPr>
+        <p:blipFill>
+          <a:blip r:embed="rId2"/>
+          <a:stretch>
+            <a:fillRect/>
+          </a:stretch>
+        </p:blipFill>
+        <p:spPr>
+          <a:xfrm>
+            <a:off x="0" y="1884218"/>
+            <a:ext cx="6858000" cy="5299364"/>
+          </a:xfrm>
+          <a:prstGeom prst="rect">
+            <a:avLst/>
+          </a:prstGeom>
+        </p:spPr>
+      </p:pic>
+      <p:pic>
+        <p:nvPicPr>
+          <p:cNvPr id="7" name="Picture 6">
+            <a:extLst>
+              <a:ext uri="{FF2B5EF4-FFF2-40B4-BE49-F238E27FC236}">
+                <a16:creationId xmlns:a16="http://schemas.microsoft.com/office/drawing/2014/main" id="{3D35327C-ECEB-DA43-8A09-A347EAF24FA6}"/>
+              </a:ext>
+            </a:extLst>
+          </p:cNvPr>
+          <p:cNvPicPr>
+            <a:picLocks noChangeAspect="1"/>
+          </p:cNvPicPr>
+          <p:nvPr/>
+        </p:nvPicPr>
+        <p:blipFill rotWithShape="1">
+          <a:blip r:embed="rId3"/>
+          <a:srcRect l="78646" t="39620" r="243" b="40249"/>
+          <a:stretch/>
+        </p:blipFill>
+        <p:spPr>
+          <a:xfrm>
+            <a:off x="1426581" y="4934674"/>
+            <a:ext cx="823894" cy="607080"/>
+          </a:xfrm>
+          <a:prstGeom prst="rect">
+            <a:avLst/>
+          </a:prstGeom>
+        </p:spPr>
+      </p:pic>
+      <p:pic>
+        <p:nvPicPr>
+          <p:cNvPr id="8" name="Picture 7">
+            <a:extLst>
+              <a:ext uri="{FF2B5EF4-FFF2-40B4-BE49-F238E27FC236}">
+                <a16:creationId xmlns:a16="http://schemas.microsoft.com/office/drawing/2014/main" id="{2C896314-B416-2E49-9634-4D0184E216FF}"/>
+              </a:ext>
+            </a:extLst>
+          </p:cNvPr>
+          <p:cNvPicPr>
+            <a:picLocks noChangeAspect="1"/>
+          </p:cNvPicPr>
+          <p:nvPr/>
+        </p:nvPicPr>
+        <p:blipFill rotWithShape="1">
+          <a:blip r:embed="rId4"/>
+          <a:srcRect l="78646" t="39620" r="243" b="40249"/>
+          <a:stretch/>
+        </p:blipFill>
+        <p:spPr>
+          <a:xfrm>
+            <a:off x="5776734" y="4934674"/>
+            <a:ext cx="823894" cy="607080"/>
+          </a:xfrm>
+          <a:prstGeom prst="rect">
+            <a:avLst/>
+          </a:prstGeom>
+        </p:spPr>
+      </p:pic>
+      <p:pic>
+        <p:nvPicPr>
+          <p:cNvPr id="9" name="Picture 8">
+            <a:extLst>
+              <a:ext uri="{FF2B5EF4-FFF2-40B4-BE49-F238E27FC236}">
+                <a16:creationId xmlns:a16="http://schemas.microsoft.com/office/drawing/2014/main" id="{B3E29627-3369-6040-9494-FC6BDF4B3917}"/>
+              </a:ext>
+            </a:extLst>
+          </p:cNvPr>
+          <p:cNvPicPr>
+            <a:picLocks noChangeAspect="1"/>
+          </p:cNvPicPr>
+          <p:nvPr/>
+        </p:nvPicPr>
+        <p:blipFill rotWithShape="1">
+          <a:blip r:embed="rId5"/>
+          <a:srcRect l="78646" t="39620" r="243" b="40249"/>
+          <a:stretch/>
+        </p:blipFill>
+        <p:spPr>
+          <a:xfrm>
+            <a:off x="5776734" y="2267300"/>
+            <a:ext cx="823894" cy="607080"/>
+          </a:xfrm>
+          <a:prstGeom prst="rect">
+            <a:avLst/>
+          </a:prstGeom>
+        </p:spPr>
+      </p:pic>
+      <p:pic>
+        <p:nvPicPr>
+          <p:cNvPr id="10" name="Picture 9">
+            <a:extLst>
+              <a:ext uri="{FF2B5EF4-FFF2-40B4-BE49-F238E27FC236}">
+                <a16:creationId xmlns:a16="http://schemas.microsoft.com/office/drawing/2014/main" id="{A8F17ED8-28BB-6F47-9E2E-8BF5C73B4F80}"/>
+              </a:ext>
+            </a:extLst>
+          </p:cNvPr>
+          <p:cNvPicPr>
+            <a:picLocks noChangeAspect="1"/>
+          </p:cNvPicPr>
+          <p:nvPr/>
+        </p:nvPicPr>
+        <p:blipFill rotWithShape="1">
+          <a:blip r:embed="rId6"/>
+          <a:srcRect l="78646" t="39620" r="243" b="40249"/>
+          <a:stretch/>
+        </p:blipFill>
+        <p:spPr>
+          <a:xfrm>
+            <a:off x="1426581" y="2267300"/>
+            <a:ext cx="823894" cy="607080"/>
+          </a:xfrm>
+          <a:prstGeom prst="rect">
+            <a:avLst/>
+          </a:prstGeom>
+        </p:spPr>
+      </p:pic>
+    </p:spTree>
+    <p:extLst>
+      <p:ext uri="{BB962C8B-B14F-4D97-AF65-F5344CB8AC3E}">
+        <p14:creationId xmlns:p14="http://schemas.microsoft.com/office/powerpoint/2010/main" val="1882606837"/>
+      </p:ext>
+    </p:extLst>
+  </p:cSld>
+  <p:clrMapOvr>
+    <a:masterClrMapping/>
+  </p:clrMapOvr>
+</p:sld>
+</file>
+
 <file path=ppt/theme/theme1.xml><?xml version="1.0" encoding="utf-8"?>
 <a:theme xmlns:a="http://schemas.openxmlformats.org/drawingml/2006/main" name="Office Theme">
   <a:themeElements>

--- a/results/Sim_3.10.21/CGV_Figs.pptx
+++ b/results/Sim_3.10.21/CGV_Figs.pptx
@@ -4,6 +4,9 @@
   <p:sldMasterIdLst>
     <p:sldMasterId id="2147483660" r:id="rId1"/>
   </p:sldMasterIdLst>
+  <p:notesMasterIdLst>
+    <p:notesMasterId r:id="rId9"/>
+  </p:notesMasterIdLst>
   <p:sldIdLst>
     <p:sldId id="256" r:id="rId2"/>
     <p:sldId id="257" r:id="rId3"/>
@@ -11,6 +14,7 @@
     <p:sldId id="259" r:id="rId5"/>
     <p:sldId id="260" r:id="rId6"/>
     <p:sldId id="261" r:id="rId7"/>
+    <p:sldId id="262" r:id="rId8"/>
   </p:sldIdLst>
   <p:sldSz cx="6858000" cy="12192000"/>
   <p:notesSz cx="6858000" cy="9144000"/>
@@ -115,6 +119,439 @@
     </p:ext>
   </p:extLst>
 </p:presentation>
+</file>
+
+<file path=ppt/notesMasters/notesMaster1.xml><?xml version="1.0" encoding="utf-8"?>
+<p:notesMaster xmlns:a="http://schemas.openxmlformats.org/drawingml/2006/main" xmlns:r="http://schemas.openxmlformats.org/officeDocument/2006/relationships" xmlns:p="http://schemas.openxmlformats.org/presentationml/2006/main">
+  <p:cSld>
+    <p:bg>
+      <p:bgRef idx="1001">
+        <a:schemeClr val="bg1"/>
+      </p:bgRef>
+    </p:bg>
+    <p:spTree>
+      <p:nvGrpSpPr>
+        <p:cNvPr id="1" name=""/>
+        <p:cNvGrpSpPr/>
+        <p:nvPr/>
+      </p:nvGrpSpPr>
+      <p:grpSpPr>
+        <a:xfrm>
+          <a:off x="0" y="0"/>
+          <a:ext cx="0" cy="0"/>
+          <a:chOff x="0" y="0"/>
+          <a:chExt cx="0" cy="0"/>
+        </a:xfrm>
+      </p:grpSpPr>
+      <p:sp>
+        <p:nvSpPr>
+          <p:cNvPr id="2" name="Header Placeholder 1"/>
+          <p:cNvSpPr>
+            <a:spLocks noGrp="1"/>
+          </p:cNvSpPr>
+          <p:nvPr>
+            <p:ph type="hdr" sz="quarter"/>
+          </p:nvPr>
+        </p:nvSpPr>
+        <p:spPr>
+          <a:xfrm>
+            <a:off x="0" y="0"/>
+            <a:ext cx="2971800" cy="458788"/>
+          </a:xfrm>
+          <a:prstGeom prst="rect">
+            <a:avLst/>
+          </a:prstGeom>
+        </p:spPr>
+        <p:txBody>
+          <a:bodyPr vert="horz" lIns="91440" tIns="45720" rIns="91440" bIns="45720" rtlCol="0"/>
+          <a:lstStyle>
+            <a:lvl1pPr algn="l">
+              <a:defRPr sz="1200"/>
+            </a:lvl1pPr>
+          </a:lstStyle>
+          <a:p>
+            <a:endParaRPr lang="en-US"/>
+          </a:p>
+        </p:txBody>
+      </p:sp>
+      <p:sp>
+        <p:nvSpPr>
+          <p:cNvPr id="3" name="Date Placeholder 2"/>
+          <p:cNvSpPr>
+            <a:spLocks noGrp="1"/>
+          </p:cNvSpPr>
+          <p:nvPr>
+            <p:ph type="dt" idx="1"/>
+          </p:nvPr>
+        </p:nvSpPr>
+        <p:spPr>
+          <a:xfrm>
+            <a:off x="3884613" y="0"/>
+            <a:ext cx="2971800" cy="458788"/>
+          </a:xfrm>
+          <a:prstGeom prst="rect">
+            <a:avLst/>
+          </a:prstGeom>
+        </p:spPr>
+        <p:txBody>
+          <a:bodyPr vert="horz" lIns="91440" tIns="45720" rIns="91440" bIns="45720" rtlCol="0"/>
+          <a:lstStyle>
+            <a:lvl1pPr algn="r">
+              <a:defRPr sz="1200"/>
+            </a:lvl1pPr>
+          </a:lstStyle>
+          <a:p>
+            <a:fld id="{D03BE7A6-E9E7-094B-A9E9-353D887E4E1E}" type="datetimeFigureOut">
+              <a:rPr lang="en-US" smtClean="0"/>
+              <a:t>3/23/21</a:t>
+            </a:fld>
+            <a:endParaRPr lang="en-US"/>
+          </a:p>
+        </p:txBody>
+      </p:sp>
+      <p:sp>
+        <p:nvSpPr>
+          <p:cNvPr id="4" name="Slide Image Placeholder 3"/>
+          <p:cNvSpPr>
+            <a:spLocks noGrp="1" noRot="1" noChangeAspect="1"/>
+          </p:cNvSpPr>
+          <p:nvPr>
+            <p:ph type="sldImg" idx="2"/>
+          </p:nvPr>
+        </p:nvSpPr>
+        <p:spPr>
+          <a:xfrm>
+            <a:off x="2560638" y="1143000"/>
+            <a:ext cx="1736725" cy="3086100"/>
+          </a:xfrm>
+          <a:prstGeom prst="rect">
+            <a:avLst/>
+          </a:prstGeom>
+          <a:noFill/>
+          <a:ln w="12700">
+            <a:solidFill>
+              <a:prstClr val="black"/>
+            </a:solidFill>
+          </a:ln>
+        </p:spPr>
+        <p:txBody>
+          <a:bodyPr vert="horz" lIns="91440" tIns="45720" rIns="91440" bIns="45720" rtlCol="0" anchor="ctr"/>
+          <a:lstStyle/>
+          <a:p>
+            <a:endParaRPr lang="en-US"/>
+          </a:p>
+        </p:txBody>
+      </p:sp>
+      <p:sp>
+        <p:nvSpPr>
+          <p:cNvPr id="5" name="Notes Placeholder 4"/>
+          <p:cNvSpPr>
+            <a:spLocks noGrp="1"/>
+          </p:cNvSpPr>
+          <p:nvPr>
+            <p:ph type="body" sz="quarter" idx="3"/>
+          </p:nvPr>
+        </p:nvSpPr>
+        <p:spPr>
+          <a:xfrm>
+            <a:off x="685800" y="4400550"/>
+            <a:ext cx="5486400" cy="3600450"/>
+          </a:xfrm>
+          <a:prstGeom prst="rect">
+            <a:avLst/>
+          </a:prstGeom>
+        </p:spPr>
+        <p:txBody>
+          <a:bodyPr vert="horz" lIns="91440" tIns="45720" rIns="91440" bIns="45720" rtlCol="0"/>
+          <a:lstStyle/>
+          <a:p>
+            <a:pPr lvl="0"/>
+            <a:r>
+              <a:rPr lang="en-US"/>
+              <a:t>Click to edit Master text styles</a:t>
+            </a:r>
+          </a:p>
+          <a:p>
+            <a:pPr lvl="1"/>
+            <a:r>
+              <a:rPr lang="en-US"/>
+              <a:t>Second level</a:t>
+            </a:r>
+          </a:p>
+          <a:p>
+            <a:pPr lvl="2"/>
+            <a:r>
+              <a:rPr lang="en-US"/>
+              <a:t>Third level</a:t>
+            </a:r>
+          </a:p>
+          <a:p>
+            <a:pPr lvl="3"/>
+            <a:r>
+              <a:rPr lang="en-US"/>
+              <a:t>Fourth level</a:t>
+            </a:r>
+          </a:p>
+          <a:p>
+            <a:pPr lvl="4"/>
+            <a:r>
+              <a:rPr lang="en-US"/>
+              <a:t>Fifth level</a:t>
+            </a:r>
+          </a:p>
+        </p:txBody>
+      </p:sp>
+      <p:sp>
+        <p:nvSpPr>
+          <p:cNvPr id="6" name="Footer Placeholder 5"/>
+          <p:cNvSpPr>
+            <a:spLocks noGrp="1"/>
+          </p:cNvSpPr>
+          <p:nvPr>
+            <p:ph type="ftr" sz="quarter" idx="4"/>
+          </p:nvPr>
+        </p:nvSpPr>
+        <p:spPr>
+          <a:xfrm>
+            <a:off x="0" y="8685213"/>
+            <a:ext cx="2971800" cy="458787"/>
+          </a:xfrm>
+          <a:prstGeom prst="rect">
+            <a:avLst/>
+          </a:prstGeom>
+        </p:spPr>
+        <p:txBody>
+          <a:bodyPr vert="horz" lIns="91440" tIns="45720" rIns="91440" bIns="45720" rtlCol="0" anchor="b"/>
+          <a:lstStyle>
+            <a:lvl1pPr algn="l">
+              <a:defRPr sz="1200"/>
+            </a:lvl1pPr>
+          </a:lstStyle>
+          <a:p>
+            <a:endParaRPr lang="en-US"/>
+          </a:p>
+        </p:txBody>
+      </p:sp>
+      <p:sp>
+        <p:nvSpPr>
+          <p:cNvPr id="7" name="Slide Number Placeholder 6"/>
+          <p:cNvSpPr>
+            <a:spLocks noGrp="1"/>
+          </p:cNvSpPr>
+          <p:nvPr>
+            <p:ph type="sldNum" sz="quarter" idx="5"/>
+          </p:nvPr>
+        </p:nvSpPr>
+        <p:spPr>
+          <a:xfrm>
+            <a:off x="3884613" y="8685213"/>
+            <a:ext cx="2971800" cy="458787"/>
+          </a:xfrm>
+          <a:prstGeom prst="rect">
+            <a:avLst/>
+          </a:prstGeom>
+        </p:spPr>
+        <p:txBody>
+          <a:bodyPr vert="horz" lIns="91440" tIns="45720" rIns="91440" bIns="45720" rtlCol="0" anchor="b"/>
+          <a:lstStyle>
+            <a:lvl1pPr algn="r">
+              <a:defRPr sz="1200"/>
+            </a:lvl1pPr>
+          </a:lstStyle>
+          <a:p>
+            <a:fld id="{445400A3-00E1-8C42-8617-FF412EB8D46E}" type="slidenum">
+              <a:rPr lang="en-US" smtClean="0"/>
+              <a:t>‹#›</a:t>
+            </a:fld>
+            <a:endParaRPr lang="en-US"/>
+          </a:p>
+        </p:txBody>
+      </p:sp>
+    </p:spTree>
+    <p:extLst>
+      <p:ext uri="{BB962C8B-B14F-4D97-AF65-F5344CB8AC3E}">
+        <p14:creationId xmlns:p14="http://schemas.microsoft.com/office/powerpoint/2010/main" val="712694536"/>
+      </p:ext>
+    </p:extLst>
+  </p:cSld>
+  <p:clrMap bg1="lt1" tx1="dk1" bg2="lt2" tx2="dk2" accent1="accent1" accent2="accent2" accent3="accent3" accent4="accent4" accent5="accent5" accent6="accent6" hlink="hlink" folHlink="folHlink"/>
+  <p:notesStyle>
+    <a:lvl1pPr marL="0" algn="l" defTabSz="914400" rtl="0" eaLnBrk="1" latinLnBrk="0" hangingPunct="1">
+      <a:defRPr sz="1200" kern="1200">
+        <a:solidFill>
+          <a:schemeClr val="tx1"/>
+        </a:solidFill>
+        <a:latin typeface="+mn-lt"/>
+        <a:ea typeface="+mn-ea"/>
+        <a:cs typeface="+mn-cs"/>
+      </a:defRPr>
+    </a:lvl1pPr>
+    <a:lvl2pPr marL="457200" algn="l" defTabSz="914400" rtl="0" eaLnBrk="1" latinLnBrk="0" hangingPunct="1">
+      <a:defRPr sz="1200" kern="1200">
+        <a:solidFill>
+          <a:schemeClr val="tx1"/>
+        </a:solidFill>
+        <a:latin typeface="+mn-lt"/>
+        <a:ea typeface="+mn-ea"/>
+        <a:cs typeface="+mn-cs"/>
+      </a:defRPr>
+    </a:lvl2pPr>
+    <a:lvl3pPr marL="914400" algn="l" defTabSz="914400" rtl="0" eaLnBrk="1" latinLnBrk="0" hangingPunct="1">
+      <a:defRPr sz="1200" kern="1200">
+        <a:solidFill>
+          <a:schemeClr val="tx1"/>
+        </a:solidFill>
+        <a:latin typeface="+mn-lt"/>
+        <a:ea typeface="+mn-ea"/>
+        <a:cs typeface="+mn-cs"/>
+      </a:defRPr>
+    </a:lvl3pPr>
+    <a:lvl4pPr marL="1371600" algn="l" defTabSz="914400" rtl="0" eaLnBrk="1" latinLnBrk="0" hangingPunct="1">
+      <a:defRPr sz="1200" kern="1200">
+        <a:solidFill>
+          <a:schemeClr val="tx1"/>
+        </a:solidFill>
+        <a:latin typeface="+mn-lt"/>
+        <a:ea typeface="+mn-ea"/>
+        <a:cs typeface="+mn-cs"/>
+      </a:defRPr>
+    </a:lvl4pPr>
+    <a:lvl5pPr marL="1828800" algn="l" defTabSz="914400" rtl="0" eaLnBrk="1" latinLnBrk="0" hangingPunct="1">
+      <a:defRPr sz="1200" kern="1200">
+        <a:solidFill>
+          <a:schemeClr val="tx1"/>
+        </a:solidFill>
+        <a:latin typeface="+mn-lt"/>
+        <a:ea typeface="+mn-ea"/>
+        <a:cs typeface="+mn-cs"/>
+      </a:defRPr>
+    </a:lvl5pPr>
+    <a:lvl6pPr marL="2286000" algn="l" defTabSz="914400" rtl="0" eaLnBrk="1" latinLnBrk="0" hangingPunct="1">
+      <a:defRPr sz="1200" kern="1200">
+        <a:solidFill>
+          <a:schemeClr val="tx1"/>
+        </a:solidFill>
+        <a:latin typeface="+mn-lt"/>
+        <a:ea typeface="+mn-ea"/>
+        <a:cs typeface="+mn-cs"/>
+      </a:defRPr>
+    </a:lvl6pPr>
+    <a:lvl7pPr marL="2743200" algn="l" defTabSz="914400" rtl="0" eaLnBrk="1" latinLnBrk="0" hangingPunct="1">
+      <a:defRPr sz="1200" kern="1200">
+        <a:solidFill>
+          <a:schemeClr val="tx1"/>
+        </a:solidFill>
+        <a:latin typeface="+mn-lt"/>
+        <a:ea typeface="+mn-ea"/>
+        <a:cs typeface="+mn-cs"/>
+      </a:defRPr>
+    </a:lvl7pPr>
+    <a:lvl8pPr marL="3200400" algn="l" defTabSz="914400" rtl="0" eaLnBrk="1" latinLnBrk="0" hangingPunct="1">
+      <a:defRPr sz="1200" kern="1200">
+        <a:solidFill>
+          <a:schemeClr val="tx1"/>
+        </a:solidFill>
+        <a:latin typeface="+mn-lt"/>
+        <a:ea typeface="+mn-ea"/>
+        <a:cs typeface="+mn-cs"/>
+      </a:defRPr>
+    </a:lvl8pPr>
+    <a:lvl9pPr marL="3657600" algn="l" defTabSz="914400" rtl="0" eaLnBrk="1" latinLnBrk="0" hangingPunct="1">
+      <a:defRPr sz="1200" kern="1200">
+        <a:solidFill>
+          <a:schemeClr val="tx1"/>
+        </a:solidFill>
+        <a:latin typeface="+mn-lt"/>
+        <a:ea typeface="+mn-ea"/>
+        <a:cs typeface="+mn-cs"/>
+      </a:defRPr>
+    </a:lvl9pPr>
+  </p:notesStyle>
+</p:notesMaster>
+</file>
+
+<file path=ppt/notesSlides/notesSlide1.xml><?xml version="1.0" encoding="utf-8"?>
+<p:notes xmlns:a="http://schemas.openxmlformats.org/drawingml/2006/main" xmlns:r="http://schemas.openxmlformats.org/officeDocument/2006/relationships" xmlns:p="http://schemas.openxmlformats.org/presentationml/2006/main">
+  <p:cSld>
+    <p:spTree>
+      <p:nvGrpSpPr>
+        <p:cNvPr id="1" name=""/>
+        <p:cNvGrpSpPr/>
+        <p:nvPr/>
+      </p:nvGrpSpPr>
+      <p:grpSpPr>
+        <a:xfrm>
+          <a:off x="0" y="0"/>
+          <a:ext cx="0" cy="0"/>
+          <a:chOff x="0" y="0"/>
+          <a:chExt cx="0" cy="0"/>
+        </a:xfrm>
+      </p:grpSpPr>
+      <p:sp>
+        <p:nvSpPr>
+          <p:cNvPr id="2" name="Slide Image Placeholder 1"/>
+          <p:cNvSpPr>
+            <a:spLocks noGrp="1" noRot="1" noChangeAspect="1"/>
+          </p:cNvSpPr>
+          <p:nvPr>
+            <p:ph type="sldImg"/>
+          </p:nvPr>
+        </p:nvSpPr>
+        <p:spPr/>
+      </p:sp>
+      <p:sp>
+        <p:nvSpPr>
+          <p:cNvPr id="3" name="Notes Placeholder 2"/>
+          <p:cNvSpPr>
+            <a:spLocks noGrp="1"/>
+          </p:cNvSpPr>
+          <p:nvPr>
+            <p:ph type="body" idx="1"/>
+          </p:nvPr>
+        </p:nvSpPr>
+        <p:spPr/>
+        <p:txBody>
+          <a:bodyPr/>
+          <a:lstStyle/>
+          <a:p>
+            <a:endParaRPr lang="en-US" dirty="0"/>
+          </a:p>
+        </p:txBody>
+      </p:sp>
+      <p:sp>
+        <p:nvSpPr>
+          <p:cNvPr id="4" name="Slide Number Placeholder 3"/>
+          <p:cNvSpPr>
+            <a:spLocks noGrp="1"/>
+          </p:cNvSpPr>
+          <p:nvPr>
+            <p:ph type="sldNum" sz="quarter" idx="5"/>
+          </p:nvPr>
+        </p:nvSpPr>
+        <p:spPr/>
+        <p:txBody>
+          <a:bodyPr/>
+          <a:lstStyle/>
+          <a:p>
+            <a:fld id="{445400A3-00E1-8C42-8617-FF412EB8D46E}" type="slidenum">
+              <a:rPr lang="en-US" smtClean="0"/>
+              <a:t>7</a:t>
+            </a:fld>
+            <a:endParaRPr lang="en-US"/>
+          </a:p>
+        </p:txBody>
+      </p:sp>
+    </p:spTree>
+    <p:extLst>
+      <p:ext uri="{BB962C8B-B14F-4D97-AF65-F5344CB8AC3E}">
+        <p14:creationId xmlns:p14="http://schemas.microsoft.com/office/powerpoint/2010/main" val="3761983295"/>
+      </p:ext>
+    </p:extLst>
+  </p:cSld>
+  <p:clrMapOvr>
+    <a:masterClrMapping/>
+  </p:clrMapOvr>
+</p:notes>
 </file>
 
 <file path=ppt/slideLayouts/slideLayout1.xml><?xml version="1.0" encoding="utf-8"?>
@@ -6000,6 +6437,4149 @@
 </p:sld>
 </file>
 
+<file path=ppt/slides/slide7.xml><?xml version="1.0" encoding="utf-8"?>
+<p:sld xmlns:a="http://schemas.openxmlformats.org/drawingml/2006/main" xmlns:r="http://schemas.openxmlformats.org/officeDocument/2006/relationships" xmlns:p="http://schemas.openxmlformats.org/presentationml/2006/main">
+  <p:cSld>
+    <p:spTree>
+      <p:nvGrpSpPr>
+        <p:cNvPr id="1" name=""/>
+        <p:cNvGrpSpPr/>
+        <p:nvPr/>
+      </p:nvGrpSpPr>
+      <p:grpSpPr>
+        <a:xfrm>
+          <a:off x="0" y="0"/>
+          <a:ext cx="0" cy="0"/>
+          <a:chOff x="0" y="0"/>
+          <a:chExt cx="0" cy="0"/>
+        </a:xfrm>
+      </p:grpSpPr>
+      <p:pic>
+        <p:nvPicPr>
+          <p:cNvPr id="4" name="Picture 3">
+            <a:extLst>
+              <a:ext uri="{FF2B5EF4-FFF2-40B4-BE49-F238E27FC236}">
+                <a16:creationId xmlns:a16="http://schemas.microsoft.com/office/drawing/2014/main" id="{B70C7580-7A9E-A047-8414-9836EB7AF541}"/>
+              </a:ext>
+            </a:extLst>
+          </p:cNvPr>
+          <p:cNvPicPr>
+            <a:picLocks noChangeAspect="1"/>
+          </p:cNvPicPr>
+          <p:nvPr/>
+        </p:nvPicPr>
+        <p:blipFill>
+          <a:blip r:embed="rId3"/>
+          <a:stretch>
+            <a:fillRect/>
+          </a:stretch>
+        </p:blipFill>
+        <p:spPr>
+          <a:xfrm>
+            <a:off x="3668380" y="8696879"/>
+            <a:ext cx="2958353" cy="2286000"/>
+          </a:xfrm>
+          <a:prstGeom prst="rect">
+            <a:avLst/>
+          </a:prstGeom>
+        </p:spPr>
+      </p:pic>
+      <p:pic>
+        <p:nvPicPr>
+          <p:cNvPr id="5" name="Picture 4">
+            <a:extLst>
+              <a:ext uri="{FF2B5EF4-FFF2-40B4-BE49-F238E27FC236}">
+                <a16:creationId xmlns:a16="http://schemas.microsoft.com/office/drawing/2014/main" id="{523DEC5F-D2AB-F445-B601-60A474F10660}"/>
+              </a:ext>
+            </a:extLst>
+          </p:cNvPr>
+          <p:cNvPicPr>
+            <a:picLocks noChangeAspect="1"/>
+          </p:cNvPicPr>
+          <p:nvPr/>
+        </p:nvPicPr>
+        <p:blipFill>
+          <a:blip r:embed="rId4"/>
+          <a:stretch>
+            <a:fillRect/>
+          </a:stretch>
+        </p:blipFill>
+        <p:spPr>
+          <a:xfrm>
+            <a:off x="411028" y="5018068"/>
+            <a:ext cx="2958353" cy="2286000"/>
+          </a:xfrm>
+          <a:prstGeom prst="rect">
+            <a:avLst/>
+          </a:prstGeom>
+        </p:spPr>
+      </p:pic>
+      <p:pic>
+        <p:nvPicPr>
+          <p:cNvPr id="6" name="Picture 5">
+            <a:extLst>
+              <a:ext uri="{FF2B5EF4-FFF2-40B4-BE49-F238E27FC236}">
+                <a16:creationId xmlns:a16="http://schemas.microsoft.com/office/drawing/2014/main" id="{496D5C84-EC0D-1E46-9D22-3ABE10B10824}"/>
+              </a:ext>
+            </a:extLst>
+          </p:cNvPr>
+          <p:cNvPicPr>
+            <a:picLocks noChangeAspect="1"/>
+          </p:cNvPicPr>
+          <p:nvPr/>
+        </p:nvPicPr>
+        <p:blipFill rotWithShape="1">
+          <a:blip r:embed="rId5"/>
+          <a:srcRect b="22804"/>
+          <a:stretch/>
+        </p:blipFill>
+        <p:spPr>
+          <a:xfrm>
+            <a:off x="411028" y="6553636"/>
+            <a:ext cx="2958353" cy="1764713"/>
+          </a:xfrm>
+          <a:prstGeom prst="rect">
+            <a:avLst/>
+          </a:prstGeom>
+        </p:spPr>
+      </p:pic>
+      <p:pic>
+        <p:nvPicPr>
+          <p:cNvPr id="7" name="Picture 6">
+            <a:extLst>
+              <a:ext uri="{FF2B5EF4-FFF2-40B4-BE49-F238E27FC236}">
+                <a16:creationId xmlns:a16="http://schemas.microsoft.com/office/drawing/2014/main" id="{2CCADB67-F004-E146-AF42-3C2C6E95E5C4}"/>
+              </a:ext>
+            </a:extLst>
+          </p:cNvPr>
+          <p:cNvPicPr>
+            <a:picLocks noChangeAspect="1"/>
+          </p:cNvPicPr>
+          <p:nvPr/>
+        </p:nvPicPr>
+        <p:blipFill>
+          <a:blip r:embed="rId6"/>
+          <a:stretch>
+            <a:fillRect/>
+          </a:stretch>
+        </p:blipFill>
+        <p:spPr>
+          <a:xfrm>
+            <a:off x="3667629" y="5018826"/>
+            <a:ext cx="2958353" cy="2286000"/>
+          </a:xfrm>
+          <a:prstGeom prst="rect">
+            <a:avLst/>
+          </a:prstGeom>
+        </p:spPr>
+      </p:pic>
+      <p:pic>
+        <p:nvPicPr>
+          <p:cNvPr id="8" name="Picture 7">
+            <a:extLst>
+              <a:ext uri="{FF2B5EF4-FFF2-40B4-BE49-F238E27FC236}">
+                <a16:creationId xmlns:a16="http://schemas.microsoft.com/office/drawing/2014/main" id="{ABFB25D1-A3B3-494F-948E-423662EB5021}"/>
+              </a:ext>
+            </a:extLst>
+          </p:cNvPr>
+          <p:cNvPicPr>
+            <a:picLocks noChangeAspect="1"/>
+          </p:cNvPicPr>
+          <p:nvPr/>
+        </p:nvPicPr>
+        <p:blipFill rotWithShape="1">
+          <a:blip r:embed="rId7"/>
+          <a:srcRect b="24700"/>
+          <a:stretch/>
+        </p:blipFill>
+        <p:spPr>
+          <a:xfrm>
+            <a:off x="3670542" y="6550537"/>
+            <a:ext cx="2958353" cy="1721352"/>
+          </a:xfrm>
+          <a:prstGeom prst="rect">
+            <a:avLst/>
+          </a:prstGeom>
+        </p:spPr>
+      </p:pic>
+      <p:pic>
+        <p:nvPicPr>
+          <p:cNvPr id="9" name="Picture 8">
+            <a:extLst>
+              <a:ext uri="{FF2B5EF4-FFF2-40B4-BE49-F238E27FC236}">
+                <a16:creationId xmlns:a16="http://schemas.microsoft.com/office/drawing/2014/main" id="{F12CBE87-F7B8-034E-BEDF-DA8FA3BFFD1A}"/>
+              </a:ext>
+            </a:extLst>
+          </p:cNvPr>
+          <p:cNvPicPr>
+            <a:picLocks noChangeAspect="1"/>
+          </p:cNvPicPr>
+          <p:nvPr/>
+        </p:nvPicPr>
+        <p:blipFill>
+          <a:blip r:embed="rId8"/>
+          <a:stretch>
+            <a:fillRect/>
+          </a:stretch>
+        </p:blipFill>
+        <p:spPr>
+          <a:xfrm>
+            <a:off x="3668273" y="987128"/>
+            <a:ext cx="2958353" cy="2286000"/>
+          </a:xfrm>
+          <a:prstGeom prst="rect">
+            <a:avLst/>
+          </a:prstGeom>
+        </p:spPr>
+      </p:pic>
+      <p:sp>
+        <p:nvSpPr>
+          <p:cNvPr id="10" name="TextBox 9">
+            <a:extLst>
+              <a:ext uri="{FF2B5EF4-FFF2-40B4-BE49-F238E27FC236}">
+                <a16:creationId xmlns:a16="http://schemas.microsoft.com/office/drawing/2014/main" id="{8906A5D0-9BBF-A04E-8314-E09D2F826E06}"/>
+              </a:ext>
+            </a:extLst>
+          </p:cNvPr>
+          <p:cNvSpPr txBox="1"/>
+          <p:nvPr/>
+        </p:nvSpPr>
+        <p:spPr>
+          <a:xfrm rot="16200000">
+            <a:off x="-198225" y="1357862"/>
+            <a:ext cx="787395" cy="369332"/>
+          </a:xfrm>
+          <a:prstGeom prst="rect">
+            <a:avLst/>
+          </a:prstGeom>
+          <a:noFill/>
+          <a:ln>
+            <a:noFill/>
+          </a:ln>
+        </p:spPr>
+        <p:txBody>
+          <a:bodyPr wrap="none" rtlCol="0">
+            <a:spAutoFit/>
+          </a:bodyPr>
+          <a:lstStyle/>
+          <a:p>
+            <a:r>
+              <a:rPr lang="en-US" dirty="0" err="1">
+                <a:latin typeface="Times" pitchFamily="2" charset="0"/>
+              </a:rPr>
+              <a:t>CoGV</a:t>
+            </a:r>
+            <a:endParaRPr lang="en-US" dirty="0">
+              <a:latin typeface="Times" pitchFamily="2" charset="0"/>
+            </a:endParaRPr>
+          </a:p>
+        </p:txBody>
+      </p:sp>
+      <p:pic>
+        <p:nvPicPr>
+          <p:cNvPr id="11" name="Picture 10">
+            <a:extLst>
+              <a:ext uri="{FF2B5EF4-FFF2-40B4-BE49-F238E27FC236}">
+                <a16:creationId xmlns:a16="http://schemas.microsoft.com/office/drawing/2014/main" id="{222FA56C-5FC5-334C-B02D-6C39F6EE4684}"/>
+              </a:ext>
+            </a:extLst>
+          </p:cNvPr>
+          <p:cNvPicPr>
+            <a:picLocks noChangeAspect="1"/>
+          </p:cNvPicPr>
+          <p:nvPr/>
+        </p:nvPicPr>
+        <p:blipFill rotWithShape="1">
+          <a:blip r:embed="rId9"/>
+          <a:srcRect b="19426"/>
+          <a:stretch/>
+        </p:blipFill>
+        <p:spPr>
+          <a:xfrm>
+            <a:off x="3668522" y="2588093"/>
+            <a:ext cx="2958353" cy="1841924"/>
+          </a:xfrm>
+          <a:prstGeom prst="rect">
+            <a:avLst/>
+          </a:prstGeom>
+        </p:spPr>
+      </p:pic>
+      <p:sp>
+        <p:nvSpPr>
+          <p:cNvPr id="12" name="TextBox 11">
+            <a:extLst>
+              <a:ext uri="{FF2B5EF4-FFF2-40B4-BE49-F238E27FC236}">
+                <a16:creationId xmlns:a16="http://schemas.microsoft.com/office/drawing/2014/main" id="{6716BEFE-7909-C14D-BD20-0ECCC4B7C5E7}"/>
+              </a:ext>
+            </a:extLst>
+          </p:cNvPr>
+          <p:cNvSpPr txBox="1"/>
+          <p:nvPr/>
+        </p:nvSpPr>
+        <p:spPr>
+          <a:xfrm rot="16200000">
+            <a:off x="-170909" y="3162923"/>
+            <a:ext cx="787395" cy="369332"/>
+          </a:xfrm>
+          <a:prstGeom prst="rect">
+            <a:avLst/>
+          </a:prstGeom>
+          <a:noFill/>
+          <a:ln>
+            <a:noFill/>
+          </a:ln>
+        </p:spPr>
+        <p:txBody>
+          <a:bodyPr wrap="none" rtlCol="0">
+            <a:spAutoFit/>
+          </a:bodyPr>
+          <a:lstStyle/>
+          <a:p>
+            <a:r>
+              <a:rPr lang="en-US" dirty="0" err="1">
+                <a:latin typeface="Times" pitchFamily="2" charset="0"/>
+              </a:rPr>
+              <a:t>CnGV</a:t>
+            </a:r>
+            <a:endParaRPr lang="en-US" dirty="0">
+              <a:latin typeface="Times" pitchFamily="2" charset="0"/>
+            </a:endParaRPr>
+          </a:p>
+        </p:txBody>
+      </p:sp>
+      <p:sp>
+        <p:nvSpPr>
+          <p:cNvPr id="13" name="TextBox 12">
+            <a:extLst>
+              <a:ext uri="{FF2B5EF4-FFF2-40B4-BE49-F238E27FC236}">
+                <a16:creationId xmlns:a16="http://schemas.microsoft.com/office/drawing/2014/main" id="{83366144-1D6C-044D-BB84-7B428788FAAC}"/>
+              </a:ext>
+            </a:extLst>
+          </p:cNvPr>
+          <p:cNvSpPr txBox="1"/>
+          <p:nvPr/>
+        </p:nvSpPr>
+        <p:spPr>
+          <a:xfrm>
+            <a:off x="410019" y="8358161"/>
+            <a:ext cx="1781257" cy="369332"/>
+          </a:xfrm>
+          <a:prstGeom prst="rect">
+            <a:avLst/>
+          </a:prstGeom>
+          <a:noFill/>
+          <a:ln>
+            <a:noFill/>
+          </a:ln>
+        </p:spPr>
+        <p:txBody>
+          <a:bodyPr wrap="none" rtlCol="0">
+            <a:spAutoFit/>
+          </a:bodyPr>
+          <a:lstStyle/>
+          <a:p>
+            <a:r>
+              <a:rPr lang="en-US" dirty="0">
+                <a:latin typeface="Times" pitchFamily="2" charset="0"/>
+              </a:rPr>
+              <a:t>Common Garden</a:t>
+            </a:r>
+          </a:p>
+        </p:txBody>
+      </p:sp>
+      <p:sp>
+        <p:nvSpPr>
+          <p:cNvPr id="14" name="TextBox 13">
+            <a:extLst>
+              <a:ext uri="{FF2B5EF4-FFF2-40B4-BE49-F238E27FC236}">
+                <a16:creationId xmlns:a16="http://schemas.microsoft.com/office/drawing/2014/main" id="{18CD124D-9CE0-224C-896D-D7C1109969E3}"/>
+              </a:ext>
+            </a:extLst>
+          </p:cNvPr>
+          <p:cNvSpPr txBox="1"/>
+          <p:nvPr/>
+        </p:nvSpPr>
+        <p:spPr>
+          <a:xfrm>
+            <a:off x="4119556" y="318607"/>
+            <a:ext cx="2205867" cy="369332"/>
+          </a:xfrm>
+          <a:prstGeom prst="rect">
+            <a:avLst/>
+          </a:prstGeom>
+          <a:noFill/>
+          <a:ln>
+            <a:noFill/>
+          </a:ln>
+        </p:spPr>
+        <p:txBody>
+          <a:bodyPr wrap="square" rtlCol="0">
+            <a:spAutoFit/>
+          </a:bodyPr>
+          <a:lstStyle/>
+          <a:p>
+            <a:pPr algn="ctr"/>
+            <a:r>
+              <a:rPr lang="en-US" dirty="0">
+                <a:latin typeface="Times" pitchFamily="2" charset="0"/>
+              </a:rPr>
+              <a:t>Significant </a:t>
+            </a:r>
+            <a:r>
+              <a:rPr lang="en-US" dirty="0" err="1">
+                <a:latin typeface="Times" pitchFamily="2" charset="0"/>
+              </a:rPr>
+              <a:t>GxE</a:t>
+            </a:r>
+            <a:endParaRPr lang="en-US" dirty="0">
+              <a:latin typeface="Times" pitchFamily="2" charset="0"/>
+            </a:endParaRPr>
+          </a:p>
+        </p:txBody>
+      </p:sp>
+      <p:sp>
+        <p:nvSpPr>
+          <p:cNvPr id="15" name="TextBox 14">
+            <a:extLst>
+              <a:ext uri="{FF2B5EF4-FFF2-40B4-BE49-F238E27FC236}">
+                <a16:creationId xmlns:a16="http://schemas.microsoft.com/office/drawing/2014/main" id="{C6E71345-767D-314F-AE7D-743425F74CBE}"/>
+              </a:ext>
+            </a:extLst>
+          </p:cNvPr>
+          <p:cNvSpPr txBox="1"/>
+          <p:nvPr/>
+        </p:nvSpPr>
+        <p:spPr>
+          <a:xfrm>
+            <a:off x="1103313" y="323131"/>
+            <a:ext cx="2205867" cy="369332"/>
+          </a:xfrm>
+          <a:prstGeom prst="rect">
+            <a:avLst/>
+          </a:prstGeom>
+          <a:noFill/>
+          <a:ln>
+            <a:noFill/>
+          </a:ln>
+        </p:spPr>
+        <p:txBody>
+          <a:bodyPr wrap="square" rtlCol="0">
+            <a:spAutoFit/>
+          </a:bodyPr>
+          <a:lstStyle/>
+          <a:p>
+            <a:pPr algn="ctr"/>
+            <a:r>
+              <a:rPr lang="en-US" dirty="0">
+                <a:latin typeface="Times" pitchFamily="2" charset="0"/>
+              </a:rPr>
+              <a:t>Non-Significant </a:t>
+            </a:r>
+            <a:r>
+              <a:rPr lang="en-US" dirty="0" err="1">
+                <a:latin typeface="Times" pitchFamily="2" charset="0"/>
+              </a:rPr>
+              <a:t>GxE</a:t>
+            </a:r>
+            <a:endParaRPr lang="en-US" dirty="0">
+              <a:latin typeface="Times" pitchFamily="2" charset="0"/>
+            </a:endParaRPr>
+          </a:p>
+        </p:txBody>
+      </p:sp>
+      <p:sp>
+        <p:nvSpPr>
+          <p:cNvPr id="16" name="TextBox 15">
+            <a:extLst>
+              <a:ext uri="{FF2B5EF4-FFF2-40B4-BE49-F238E27FC236}">
+                <a16:creationId xmlns:a16="http://schemas.microsoft.com/office/drawing/2014/main" id="{77DC524E-4A48-CF41-87C8-25CE4F823E93}"/>
+              </a:ext>
+            </a:extLst>
+          </p:cNvPr>
+          <p:cNvSpPr txBox="1"/>
+          <p:nvPr/>
+        </p:nvSpPr>
+        <p:spPr>
+          <a:xfrm rot="16200000">
+            <a:off x="-172170" y="5571727"/>
+            <a:ext cx="787395" cy="369332"/>
+          </a:xfrm>
+          <a:prstGeom prst="rect">
+            <a:avLst/>
+          </a:prstGeom>
+          <a:noFill/>
+          <a:ln>
+            <a:noFill/>
+          </a:ln>
+        </p:spPr>
+        <p:txBody>
+          <a:bodyPr wrap="none" rtlCol="0">
+            <a:spAutoFit/>
+          </a:bodyPr>
+          <a:lstStyle/>
+          <a:p>
+            <a:r>
+              <a:rPr lang="en-US" dirty="0" err="1">
+                <a:latin typeface="Times" pitchFamily="2" charset="0"/>
+              </a:rPr>
+              <a:t>CoGV</a:t>
+            </a:r>
+            <a:endParaRPr lang="en-US" dirty="0">
+              <a:latin typeface="Times" pitchFamily="2" charset="0"/>
+            </a:endParaRPr>
+          </a:p>
+        </p:txBody>
+      </p:sp>
+      <p:sp>
+        <p:nvSpPr>
+          <p:cNvPr id="17" name="TextBox 16">
+            <a:extLst>
+              <a:ext uri="{FF2B5EF4-FFF2-40B4-BE49-F238E27FC236}">
+                <a16:creationId xmlns:a16="http://schemas.microsoft.com/office/drawing/2014/main" id="{B875FEBC-2954-984B-9D37-3C4D097A559B}"/>
+              </a:ext>
+            </a:extLst>
+          </p:cNvPr>
+          <p:cNvSpPr txBox="1"/>
+          <p:nvPr/>
+        </p:nvSpPr>
+        <p:spPr>
+          <a:xfrm rot="16200000">
+            <a:off x="-171544" y="7187968"/>
+            <a:ext cx="787395" cy="369332"/>
+          </a:xfrm>
+          <a:prstGeom prst="rect">
+            <a:avLst/>
+          </a:prstGeom>
+          <a:noFill/>
+          <a:ln>
+            <a:noFill/>
+          </a:ln>
+        </p:spPr>
+        <p:txBody>
+          <a:bodyPr wrap="none" rtlCol="0">
+            <a:spAutoFit/>
+          </a:bodyPr>
+          <a:lstStyle/>
+          <a:p>
+            <a:r>
+              <a:rPr lang="en-US" dirty="0" err="1">
+                <a:latin typeface="Times" pitchFamily="2" charset="0"/>
+              </a:rPr>
+              <a:t>CnGV</a:t>
+            </a:r>
+            <a:endParaRPr lang="en-US" dirty="0">
+              <a:latin typeface="Times" pitchFamily="2" charset="0"/>
+            </a:endParaRPr>
+          </a:p>
+        </p:txBody>
+      </p:sp>
+      <p:sp>
+        <p:nvSpPr>
+          <p:cNvPr id="18" name="TextBox 17">
+            <a:extLst>
+              <a:ext uri="{FF2B5EF4-FFF2-40B4-BE49-F238E27FC236}">
+                <a16:creationId xmlns:a16="http://schemas.microsoft.com/office/drawing/2014/main" id="{CDDEAEDF-3DF8-E54B-8789-A7C6A3C2C982}"/>
+              </a:ext>
+            </a:extLst>
+          </p:cNvPr>
+          <p:cNvSpPr txBox="1"/>
+          <p:nvPr/>
+        </p:nvSpPr>
+        <p:spPr>
+          <a:xfrm rot="16200000">
+            <a:off x="-171925" y="9316516"/>
+            <a:ext cx="787395" cy="369332"/>
+          </a:xfrm>
+          <a:prstGeom prst="rect">
+            <a:avLst/>
+          </a:prstGeom>
+          <a:noFill/>
+          <a:ln>
+            <a:noFill/>
+          </a:ln>
+        </p:spPr>
+        <p:txBody>
+          <a:bodyPr wrap="none" rtlCol="0">
+            <a:spAutoFit/>
+          </a:bodyPr>
+          <a:lstStyle/>
+          <a:p>
+            <a:r>
+              <a:rPr lang="en-US" dirty="0" err="1">
+                <a:latin typeface="Times" pitchFamily="2" charset="0"/>
+              </a:rPr>
+              <a:t>CoGV</a:t>
+            </a:r>
+            <a:endParaRPr lang="en-US" dirty="0">
+              <a:latin typeface="Times" pitchFamily="2" charset="0"/>
+            </a:endParaRPr>
+          </a:p>
+        </p:txBody>
+      </p:sp>
+      <p:sp>
+        <p:nvSpPr>
+          <p:cNvPr id="19" name="TextBox 18">
+            <a:extLst>
+              <a:ext uri="{FF2B5EF4-FFF2-40B4-BE49-F238E27FC236}">
+                <a16:creationId xmlns:a16="http://schemas.microsoft.com/office/drawing/2014/main" id="{E2FFB8C4-77B5-2E44-8D77-6D15FAD25C69}"/>
+              </a:ext>
+            </a:extLst>
+          </p:cNvPr>
+          <p:cNvSpPr txBox="1"/>
+          <p:nvPr/>
+        </p:nvSpPr>
+        <p:spPr>
+          <a:xfrm rot="16200000">
+            <a:off x="-197901" y="10966765"/>
+            <a:ext cx="787395" cy="369332"/>
+          </a:xfrm>
+          <a:prstGeom prst="rect">
+            <a:avLst/>
+          </a:prstGeom>
+          <a:noFill/>
+          <a:ln>
+            <a:noFill/>
+          </a:ln>
+        </p:spPr>
+        <p:txBody>
+          <a:bodyPr wrap="none" rtlCol="0">
+            <a:spAutoFit/>
+          </a:bodyPr>
+          <a:lstStyle/>
+          <a:p>
+            <a:r>
+              <a:rPr lang="en-US" dirty="0" err="1">
+                <a:latin typeface="Times" pitchFamily="2" charset="0"/>
+              </a:rPr>
+              <a:t>CnGV</a:t>
+            </a:r>
+            <a:endParaRPr lang="en-US" dirty="0">
+              <a:latin typeface="Times" pitchFamily="2" charset="0"/>
+            </a:endParaRPr>
+          </a:p>
+        </p:txBody>
+      </p:sp>
+      <p:grpSp>
+        <p:nvGrpSpPr>
+          <p:cNvPr id="20" name="Group 19">
+            <a:extLst>
+              <a:ext uri="{FF2B5EF4-FFF2-40B4-BE49-F238E27FC236}">
+                <a16:creationId xmlns:a16="http://schemas.microsoft.com/office/drawing/2014/main" id="{E1AAB01B-4B52-9E45-A040-77F2BDB3EF56}"/>
+              </a:ext>
+            </a:extLst>
+          </p:cNvPr>
+          <p:cNvGrpSpPr/>
+          <p:nvPr/>
+        </p:nvGrpSpPr>
+        <p:grpSpPr>
+          <a:xfrm>
+            <a:off x="4060322" y="968193"/>
+            <a:ext cx="2506584" cy="686082"/>
+            <a:chOff x="3939700" y="413510"/>
+            <a:chExt cx="2506584" cy="686082"/>
+          </a:xfrm>
+        </p:grpSpPr>
+        <p:sp>
+          <p:nvSpPr>
+            <p:cNvPr id="21" name="TextBox 20">
+              <a:extLst>
+                <a:ext uri="{FF2B5EF4-FFF2-40B4-BE49-F238E27FC236}">
+                  <a16:creationId xmlns:a16="http://schemas.microsoft.com/office/drawing/2014/main" id="{DFEE32D3-F38E-6148-BB00-6E8D45ED4BBC}"/>
+                </a:ext>
+              </a:extLst>
+            </p:cNvPr>
+            <p:cNvSpPr txBox="1"/>
+            <p:nvPr/>
+          </p:nvSpPr>
+          <p:spPr>
+            <a:xfrm>
+              <a:off x="3939700" y="413510"/>
+              <a:ext cx="2506584" cy="461665"/>
+            </a:xfrm>
+            <a:prstGeom prst="rect">
+              <a:avLst/>
+            </a:prstGeom>
+            <a:noFill/>
+          </p:spPr>
+          <p:txBody>
+            <a:bodyPr wrap="none" rtlCol="0">
+              <a:spAutoFit/>
+            </a:bodyPr>
+            <a:lstStyle/>
+            <a:p>
+              <a:r>
+                <a:rPr lang="en-US" sz="1200" dirty="0" err="1">
+                  <a:latin typeface="Times" pitchFamily="2" charset="0"/>
+                </a:rPr>
+                <a:t>Cov</a:t>
+              </a:r>
+              <a:r>
+                <a:rPr lang="en-US" sz="1200" baseline="-25000" dirty="0" err="1">
+                  <a:latin typeface="Times" pitchFamily="2" charset="0"/>
+                </a:rPr>
+                <a:t>GE</a:t>
+              </a:r>
+              <a:r>
+                <a:rPr lang="en-US" sz="1200" dirty="0">
+                  <a:latin typeface="Times" pitchFamily="2" charset="0"/>
+                </a:rPr>
+                <a:t> = 0.98 (0.42 – 0.99); P = 0.01</a:t>
+              </a:r>
+            </a:p>
+            <a:p>
+              <a:endParaRPr lang="en-US" sz="1200" dirty="0">
+                <a:latin typeface="Times" pitchFamily="2" charset="0"/>
+              </a:endParaRPr>
+            </a:p>
+          </p:txBody>
+        </p:sp>
+        <mc:AlternateContent xmlns:mc="http://schemas.openxmlformats.org/markup-compatibility/2006" xmlns:a14="http://schemas.microsoft.com/office/drawing/2010/main">
+          <mc:Choice Requires="a14">
+            <p:sp>
+              <p:nvSpPr>
+                <p:cNvPr id="22" name="TextBox 21">
+                  <a:extLst>
+                    <a:ext uri="{FF2B5EF4-FFF2-40B4-BE49-F238E27FC236}">
+                      <a16:creationId xmlns:a16="http://schemas.microsoft.com/office/drawing/2014/main" id="{89EE085E-E91B-0945-AD18-AFD86D91FD44}"/>
+                    </a:ext>
+                  </a:extLst>
+                </p:cNvPr>
+                <p:cNvSpPr txBox="1"/>
+                <p:nvPr/>
+              </p:nvSpPr>
+              <p:spPr>
+                <a:xfrm>
+                  <a:off x="3942923" y="619419"/>
+                  <a:ext cx="642034" cy="339132"/>
+                </a:xfrm>
+                <a:prstGeom prst="rect">
+                  <a:avLst/>
+                </a:prstGeom>
+                <a:noFill/>
+              </p:spPr>
+              <p:txBody>
+                <a:bodyPr wrap="none" rtlCol="0">
+                  <a:spAutoFit/>
+                </a:bodyPr>
+                <a:lstStyle/>
+                <a:p>
+                  <a:pPr/>
+                  <a14:m>
+                    <m:oMathPara xmlns:m="http://schemas.openxmlformats.org/officeDocument/2006/math">
+                      <m:oMathParaPr>
+                        <m:jc m:val="centerGroup"/>
+                      </m:oMathParaPr>
+                      <m:oMath xmlns:m="http://schemas.openxmlformats.org/officeDocument/2006/math">
+                        <m:sSub>
+                          <m:sSubPr>
+                            <m:ctrlPr>
+                              <a:rPr lang="en-US" sz="1600" i="1" smtClean="0">
+                                <a:latin typeface="Cambria Math" panose="02040503050406030204" pitchFamily="18" charset="0"/>
+                                <a:ea typeface="Cambria Math" panose="02040503050406030204" pitchFamily="18" charset="0"/>
+                              </a:rPr>
+                            </m:ctrlPr>
+                          </m:sSubPr>
+                          <m:e>
+                            <m:acc>
+                              <m:accPr>
+                                <m:chr m:val="̅"/>
+                                <m:ctrlPr>
+                                  <a:rPr lang="en-US" sz="1600" i="1" smtClean="0">
+                                    <a:latin typeface="Cambria Math" panose="02040503050406030204" pitchFamily="18" charset="0"/>
+                                    <a:ea typeface="Cambria Math" panose="02040503050406030204" pitchFamily="18" charset="0"/>
+                                  </a:rPr>
+                                </m:ctrlPr>
+                              </m:accPr>
+                              <m:e>
+                                <m:r>
+                                  <a:rPr lang="en-US" sz="1600" i="1">
+                                    <a:latin typeface="Cambria Math" panose="02040503050406030204" pitchFamily="18" charset="0"/>
+                                    <a:ea typeface="Cambria Math" panose="02040503050406030204" pitchFamily="18" charset="0"/>
+                                  </a:rPr>
+                                  <m:t>∆</m:t>
+                                </m:r>
+                              </m:e>
+                            </m:acc>
+                          </m:e>
+                          <m:sub>
+                            <m:r>
+                              <m:rPr>
+                                <m:sty m:val="p"/>
+                              </m:rPr>
+                              <a:rPr lang="en-US" sz="1600" b="0" i="0" smtClean="0">
+                                <a:latin typeface="Cambria Math" panose="02040503050406030204" pitchFamily="18" charset="0"/>
+                                <a:ea typeface="Cambria Math" panose="02040503050406030204" pitchFamily="18" charset="0"/>
+                              </a:rPr>
+                              <m:t>GxE</m:t>
+                            </m:r>
+                          </m:sub>
+                        </m:sSub>
+                      </m:oMath>
+                    </m:oMathPara>
+                  </a14:m>
+                  <a:endParaRPr lang="en-US" sz="1600" dirty="0"/>
+                </a:p>
+              </p:txBody>
+            </p:sp>
+          </mc:Choice>
+          <mc:Fallback xmlns="">
+            <p:sp>
+              <p:nvSpPr>
+                <p:cNvPr id="48" name="TextBox 47">
+                  <a:extLst>
+                    <a:ext uri="{FF2B5EF4-FFF2-40B4-BE49-F238E27FC236}">
+                      <a16:creationId xmlns:a16="http://schemas.microsoft.com/office/drawing/2014/main" id="{AB37DB67-8D0C-814D-8728-5B108B0CAAD3}"/>
+                    </a:ext>
+                  </a:extLst>
+                </p:cNvPr>
+                <p:cNvSpPr txBox="1">
+                  <a:spLocks noRot="1" noChangeAspect="1" noMove="1" noResize="1" noEditPoints="1" noAdjustHandles="1" noChangeArrowheads="1" noChangeShapeType="1" noTextEdit="1"/>
+                </p:cNvSpPr>
+                <p:nvPr/>
+              </p:nvSpPr>
+              <p:spPr>
+                <a:xfrm>
+                  <a:off x="3942923" y="619419"/>
+                  <a:ext cx="642034" cy="339132"/>
+                </a:xfrm>
+                <a:prstGeom prst="rect">
+                  <a:avLst/>
+                </a:prstGeom>
+                <a:blipFill>
+                  <a:blip r:embed="rId10"/>
+                  <a:stretch>
+                    <a:fillRect/>
+                  </a:stretch>
+                </a:blipFill>
+              </p:spPr>
+              <p:txBody>
+                <a:bodyPr/>
+                <a:lstStyle/>
+                <a:p>
+                  <a:r>
+                    <a:rPr lang="en-US">
+                      <a:noFill/>
+                    </a:rPr>
+                    <a:t> </a:t>
+                  </a:r>
+                </a:p>
+              </p:txBody>
+            </p:sp>
+          </mc:Fallback>
+        </mc:AlternateContent>
+        <p:sp>
+          <p:nvSpPr>
+            <p:cNvPr id="23" name="TextBox 22">
+              <a:extLst>
+                <a:ext uri="{FF2B5EF4-FFF2-40B4-BE49-F238E27FC236}">
+                  <a16:creationId xmlns:a16="http://schemas.microsoft.com/office/drawing/2014/main" id="{BC700B2A-E875-9B48-B2A2-90BB2DE8FCDD}"/>
+                </a:ext>
+              </a:extLst>
+            </p:cNvPr>
+            <p:cNvSpPr txBox="1"/>
+            <p:nvPr/>
+          </p:nvSpPr>
+          <p:spPr>
+            <a:xfrm>
+              <a:off x="4431101" y="637927"/>
+              <a:ext cx="1220975" cy="461665"/>
+            </a:xfrm>
+            <a:prstGeom prst="rect">
+              <a:avLst/>
+            </a:prstGeom>
+            <a:noFill/>
+          </p:spPr>
+          <p:txBody>
+            <a:bodyPr wrap="none" rtlCol="0">
+              <a:spAutoFit/>
+            </a:bodyPr>
+            <a:lstStyle/>
+            <a:p>
+              <a:r>
+                <a:rPr lang="en-US" sz="1200" dirty="0">
+                  <a:latin typeface="Times" pitchFamily="2" charset="0"/>
+                </a:rPr>
+                <a:t>= 0.95; P = </a:t>
+              </a:r>
+              <a:r>
+                <a:rPr lang="en-US" sz="1100" dirty="0">
+                  <a:latin typeface="Times" pitchFamily="2" charset="0"/>
+                </a:rPr>
+                <a:t>0.004</a:t>
+              </a:r>
+              <a:endParaRPr lang="en-US" sz="1200" dirty="0">
+                <a:latin typeface="Times" pitchFamily="2" charset="0"/>
+              </a:endParaRPr>
+            </a:p>
+            <a:p>
+              <a:endParaRPr lang="en-US" sz="1200" dirty="0">
+                <a:latin typeface="Times" pitchFamily="2" charset="0"/>
+              </a:endParaRPr>
+            </a:p>
+          </p:txBody>
+        </p:sp>
+      </p:grpSp>
+      <p:pic>
+        <p:nvPicPr>
+          <p:cNvPr id="24" name="Picture 23">
+            <a:extLst>
+              <a:ext uri="{FF2B5EF4-FFF2-40B4-BE49-F238E27FC236}">
+                <a16:creationId xmlns:a16="http://schemas.microsoft.com/office/drawing/2014/main" id="{7D71B14B-450F-0F49-9C99-C72D4D4C8E1C}"/>
+              </a:ext>
+            </a:extLst>
+          </p:cNvPr>
+          <p:cNvPicPr>
+            <a:picLocks noChangeAspect="1"/>
+          </p:cNvPicPr>
+          <p:nvPr/>
+        </p:nvPicPr>
+        <p:blipFill>
+          <a:blip r:embed="rId11"/>
+          <a:stretch>
+            <a:fillRect/>
+          </a:stretch>
+        </p:blipFill>
+        <p:spPr>
+          <a:xfrm>
+            <a:off x="416477" y="987128"/>
+            <a:ext cx="2958353" cy="2286000"/>
+          </a:xfrm>
+          <a:prstGeom prst="rect">
+            <a:avLst/>
+          </a:prstGeom>
+        </p:spPr>
+      </p:pic>
+      <p:grpSp>
+        <p:nvGrpSpPr>
+          <p:cNvPr id="25" name="Group 24">
+            <a:extLst>
+              <a:ext uri="{FF2B5EF4-FFF2-40B4-BE49-F238E27FC236}">
+                <a16:creationId xmlns:a16="http://schemas.microsoft.com/office/drawing/2014/main" id="{CE87EB25-5C8A-0545-B977-4CF6DBA7D9A4}"/>
+              </a:ext>
+            </a:extLst>
+          </p:cNvPr>
+          <p:cNvGrpSpPr/>
+          <p:nvPr/>
+        </p:nvGrpSpPr>
+        <p:grpSpPr>
+          <a:xfrm>
+            <a:off x="802596" y="984720"/>
+            <a:ext cx="2506584" cy="695108"/>
+            <a:chOff x="695274" y="404420"/>
+            <a:chExt cx="2506584" cy="695108"/>
+          </a:xfrm>
+        </p:grpSpPr>
+        <p:sp>
+          <p:nvSpPr>
+            <p:cNvPr id="26" name="TextBox 25">
+              <a:extLst>
+                <a:ext uri="{FF2B5EF4-FFF2-40B4-BE49-F238E27FC236}">
+                  <a16:creationId xmlns:a16="http://schemas.microsoft.com/office/drawing/2014/main" id="{EF008265-EA65-FA45-BD77-A04C66BD85D2}"/>
+                </a:ext>
+              </a:extLst>
+            </p:cNvPr>
+            <p:cNvSpPr txBox="1"/>
+            <p:nvPr/>
+          </p:nvSpPr>
+          <p:spPr>
+            <a:xfrm>
+              <a:off x="695274" y="404420"/>
+              <a:ext cx="2506584" cy="461665"/>
+            </a:xfrm>
+            <a:prstGeom prst="rect">
+              <a:avLst/>
+            </a:prstGeom>
+            <a:noFill/>
+          </p:spPr>
+          <p:txBody>
+            <a:bodyPr wrap="none" rtlCol="0">
+              <a:spAutoFit/>
+            </a:bodyPr>
+            <a:lstStyle/>
+            <a:p>
+              <a:r>
+                <a:rPr lang="en-US" sz="1200" dirty="0" err="1">
+                  <a:latin typeface="Times" pitchFamily="2" charset="0"/>
+                </a:rPr>
+                <a:t>Cov</a:t>
+              </a:r>
+              <a:r>
+                <a:rPr lang="en-US" sz="1200" baseline="-25000" dirty="0" err="1">
+                  <a:latin typeface="Times" pitchFamily="2" charset="0"/>
+                </a:rPr>
+                <a:t>GE</a:t>
+              </a:r>
+              <a:r>
+                <a:rPr lang="en-US" sz="1200" dirty="0">
+                  <a:latin typeface="Times" pitchFamily="2" charset="0"/>
+                </a:rPr>
+                <a:t> = 0.98 (0.42 – 0.99); P = 0.01</a:t>
+              </a:r>
+            </a:p>
+            <a:p>
+              <a:endParaRPr lang="en-US" sz="1200" dirty="0">
+                <a:latin typeface="Times" pitchFamily="2" charset="0"/>
+              </a:endParaRPr>
+            </a:p>
+          </p:txBody>
+        </p:sp>
+        <mc:AlternateContent xmlns:mc="http://schemas.openxmlformats.org/markup-compatibility/2006" xmlns:a14="http://schemas.microsoft.com/office/drawing/2010/main">
+          <mc:Choice Requires="a14">
+            <p:sp>
+              <p:nvSpPr>
+                <p:cNvPr id="27" name="TextBox 26">
+                  <a:extLst>
+                    <a:ext uri="{FF2B5EF4-FFF2-40B4-BE49-F238E27FC236}">
+                      <a16:creationId xmlns:a16="http://schemas.microsoft.com/office/drawing/2014/main" id="{D5F6618F-354B-DC4D-A6CE-5C753C294D51}"/>
+                    </a:ext>
+                  </a:extLst>
+                </p:cNvPr>
+                <p:cNvSpPr txBox="1"/>
+                <p:nvPr/>
+              </p:nvSpPr>
+              <p:spPr>
+                <a:xfrm>
+                  <a:off x="698497" y="610329"/>
+                  <a:ext cx="642034" cy="339132"/>
+                </a:xfrm>
+                <a:prstGeom prst="rect">
+                  <a:avLst/>
+                </a:prstGeom>
+                <a:noFill/>
+              </p:spPr>
+              <p:txBody>
+                <a:bodyPr wrap="none" rtlCol="0">
+                  <a:spAutoFit/>
+                </a:bodyPr>
+                <a:lstStyle/>
+                <a:p>
+                  <a:pPr/>
+                  <a14:m>
+                    <m:oMathPara xmlns:m="http://schemas.openxmlformats.org/officeDocument/2006/math">
+                      <m:oMathParaPr>
+                        <m:jc m:val="centerGroup"/>
+                      </m:oMathParaPr>
+                      <m:oMath xmlns:m="http://schemas.openxmlformats.org/officeDocument/2006/math">
+                        <m:sSub>
+                          <m:sSubPr>
+                            <m:ctrlPr>
+                              <a:rPr lang="en-US" sz="1600" i="1" smtClean="0">
+                                <a:latin typeface="Cambria Math" panose="02040503050406030204" pitchFamily="18" charset="0"/>
+                                <a:ea typeface="Cambria Math" panose="02040503050406030204" pitchFamily="18" charset="0"/>
+                              </a:rPr>
+                            </m:ctrlPr>
+                          </m:sSubPr>
+                          <m:e>
+                            <m:acc>
+                              <m:accPr>
+                                <m:chr m:val="̅"/>
+                                <m:ctrlPr>
+                                  <a:rPr lang="en-US" sz="1600" i="1" smtClean="0">
+                                    <a:latin typeface="Cambria Math" panose="02040503050406030204" pitchFamily="18" charset="0"/>
+                                    <a:ea typeface="Cambria Math" panose="02040503050406030204" pitchFamily="18" charset="0"/>
+                                  </a:rPr>
+                                </m:ctrlPr>
+                              </m:accPr>
+                              <m:e>
+                                <m:r>
+                                  <a:rPr lang="en-US" sz="1600" i="1">
+                                    <a:latin typeface="Cambria Math" panose="02040503050406030204" pitchFamily="18" charset="0"/>
+                                    <a:ea typeface="Cambria Math" panose="02040503050406030204" pitchFamily="18" charset="0"/>
+                                  </a:rPr>
+                                  <m:t>∆</m:t>
+                                </m:r>
+                              </m:e>
+                            </m:acc>
+                          </m:e>
+                          <m:sub>
+                            <m:r>
+                              <m:rPr>
+                                <m:sty m:val="p"/>
+                              </m:rPr>
+                              <a:rPr lang="en-US" sz="1600" b="0" i="0" smtClean="0">
+                                <a:latin typeface="Cambria Math" panose="02040503050406030204" pitchFamily="18" charset="0"/>
+                                <a:ea typeface="Cambria Math" panose="02040503050406030204" pitchFamily="18" charset="0"/>
+                              </a:rPr>
+                              <m:t>GxE</m:t>
+                            </m:r>
+                          </m:sub>
+                        </m:sSub>
+                      </m:oMath>
+                    </m:oMathPara>
+                  </a14:m>
+                  <a:endParaRPr lang="en-US" sz="1600" dirty="0"/>
+                </a:p>
+              </p:txBody>
+            </p:sp>
+          </mc:Choice>
+          <mc:Fallback xmlns="">
+            <p:sp>
+              <p:nvSpPr>
+                <p:cNvPr id="90" name="TextBox 89">
+                  <a:extLst>
+                    <a:ext uri="{FF2B5EF4-FFF2-40B4-BE49-F238E27FC236}">
+                      <a16:creationId xmlns:a16="http://schemas.microsoft.com/office/drawing/2014/main" id="{2688E68A-3199-D343-BC69-8CF0C55C6F9C}"/>
+                    </a:ext>
+                  </a:extLst>
+                </p:cNvPr>
+                <p:cNvSpPr txBox="1">
+                  <a:spLocks noRot="1" noChangeAspect="1" noMove="1" noResize="1" noEditPoints="1" noAdjustHandles="1" noChangeArrowheads="1" noChangeShapeType="1" noTextEdit="1"/>
+                </p:cNvSpPr>
+                <p:nvPr/>
+              </p:nvSpPr>
+              <p:spPr>
+                <a:xfrm>
+                  <a:off x="698497" y="610329"/>
+                  <a:ext cx="642034" cy="339132"/>
+                </a:xfrm>
+                <a:prstGeom prst="rect">
+                  <a:avLst/>
+                </a:prstGeom>
+                <a:blipFill>
+                  <a:blip r:embed="rId12"/>
+                  <a:stretch>
+                    <a:fillRect/>
+                  </a:stretch>
+                </a:blipFill>
+              </p:spPr>
+              <p:txBody>
+                <a:bodyPr/>
+                <a:lstStyle/>
+                <a:p>
+                  <a:r>
+                    <a:rPr lang="en-US">
+                      <a:noFill/>
+                    </a:rPr>
+                    <a:t> </a:t>
+                  </a:r>
+                </a:p>
+              </p:txBody>
+            </p:sp>
+          </mc:Fallback>
+        </mc:AlternateContent>
+        <p:sp>
+          <p:nvSpPr>
+            <p:cNvPr id="28" name="TextBox 27">
+              <a:extLst>
+                <a:ext uri="{FF2B5EF4-FFF2-40B4-BE49-F238E27FC236}">
+                  <a16:creationId xmlns:a16="http://schemas.microsoft.com/office/drawing/2014/main" id="{3ACFD301-13E5-A34E-88AB-A80EC6BFE646}"/>
+                </a:ext>
+              </a:extLst>
+            </p:cNvPr>
+            <p:cNvSpPr txBox="1"/>
+            <p:nvPr/>
+          </p:nvSpPr>
+          <p:spPr>
+            <a:xfrm>
+              <a:off x="1189616" y="637863"/>
+              <a:ext cx="1172885" cy="461665"/>
+            </a:xfrm>
+            <a:prstGeom prst="rect">
+              <a:avLst/>
+            </a:prstGeom>
+            <a:noFill/>
+          </p:spPr>
+          <p:txBody>
+            <a:bodyPr wrap="none" rtlCol="0">
+              <a:spAutoFit/>
+            </a:bodyPr>
+            <a:lstStyle/>
+            <a:p>
+              <a:r>
+                <a:rPr lang="en-US" sz="1200" dirty="0">
+                  <a:latin typeface="Times" pitchFamily="2" charset="0"/>
+                </a:rPr>
+                <a:t>= 0.05; P = 0.96</a:t>
+              </a:r>
+            </a:p>
+            <a:p>
+              <a:endParaRPr lang="en-US" sz="1200" dirty="0">
+                <a:latin typeface="Times" pitchFamily="2" charset="0"/>
+              </a:endParaRPr>
+            </a:p>
+          </p:txBody>
+        </p:sp>
+      </p:grpSp>
+      <p:pic>
+        <p:nvPicPr>
+          <p:cNvPr id="29" name="Picture 28">
+            <a:extLst>
+              <a:ext uri="{FF2B5EF4-FFF2-40B4-BE49-F238E27FC236}">
+                <a16:creationId xmlns:a16="http://schemas.microsoft.com/office/drawing/2014/main" id="{6DCA64CF-ABDD-D747-B607-91748D38DDA3}"/>
+              </a:ext>
+            </a:extLst>
+          </p:cNvPr>
+          <p:cNvPicPr>
+            <a:picLocks noChangeAspect="1"/>
+          </p:cNvPicPr>
+          <p:nvPr/>
+        </p:nvPicPr>
+        <p:blipFill rotWithShape="1">
+          <a:blip r:embed="rId13"/>
+          <a:srcRect l="23754" t="87494" r="9276" b="6269"/>
+          <a:stretch/>
+        </p:blipFill>
+        <p:spPr>
+          <a:xfrm>
+            <a:off x="4526714" y="780847"/>
+            <a:ext cx="1981200" cy="142578"/>
+          </a:xfrm>
+          <a:prstGeom prst="rect">
+            <a:avLst/>
+          </a:prstGeom>
+          <a:ln>
+            <a:solidFill>
+              <a:schemeClr val="tx1"/>
+            </a:solidFill>
+          </a:ln>
+        </p:spPr>
+      </p:pic>
+      <p:pic>
+        <p:nvPicPr>
+          <p:cNvPr id="30" name="Picture 29">
+            <a:extLst>
+              <a:ext uri="{FF2B5EF4-FFF2-40B4-BE49-F238E27FC236}">
+                <a16:creationId xmlns:a16="http://schemas.microsoft.com/office/drawing/2014/main" id="{F61144F3-CC6B-194D-B88C-03661B216454}"/>
+              </a:ext>
+            </a:extLst>
+          </p:cNvPr>
+          <p:cNvPicPr>
+            <a:picLocks noChangeAspect="1"/>
+          </p:cNvPicPr>
+          <p:nvPr/>
+        </p:nvPicPr>
+        <p:blipFill rotWithShape="1">
+          <a:blip r:embed="rId14"/>
+          <a:srcRect b="20737"/>
+          <a:stretch/>
+        </p:blipFill>
+        <p:spPr>
+          <a:xfrm>
+            <a:off x="408064" y="2586613"/>
+            <a:ext cx="2958353" cy="1811943"/>
+          </a:xfrm>
+          <a:prstGeom prst="rect">
+            <a:avLst/>
+          </a:prstGeom>
+        </p:spPr>
+      </p:pic>
+      <p:grpSp>
+        <p:nvGrpSpPr>
+          <p:cNvPr id="31" name="Group 30">
+            <a:extLst>
+              <a:ext uri="{FF2B5EF4-FFF2-40B4-BE49-F238E27FC236}">
+                <a16:creationId xmlns:a16="http://schemas.microsoft.com/office/drawing/2014/main" id="{A5BB1B83-7083-DF47-A1CC-FC65E451EA90}"/>
+              </a:ext>
+            </a:extLst>
+          </p:cNvPr>
+          <p:cNvGrpSpPr/>
+          <p:nvPr/>
+        </p:nvGrpSpPr>
+        <p:grpSpPr>
+          <a:xfrm>
+            <a:off x="801402" y="2601152"/>
+            <a:ext cx="2711768" cy="704073"/>
+            <a:chOff x="695274" y="2011440"/>
+            <a:chExt cx="2711768" cy="704073"/>
+          </a:xfrm>
+        </p:grpSpPr>
+        <p:sp>
+          <p:nvSpPr>
+            <p:cNvPr id="32" name="TextBox 31">
+              <a:extLst>
+                <a:ext uri="{FF2B5EF4-FFF2-40B4-BE49-F238E27FC236}">
+                  <a16:creationId xmlns:a16="http://schemas.microsoft.com/office/drawing/2014/main" id="{F364B4C4-069D-9E4E-8912-EA7045178182}"/>
+                </a:ext>
+              </a:extLst>
+            </p:cNvPr>
+            <p:cNvSpPr txBox="1"/>
+            <p:nvPr/>
+          </p:nvSpPr>
+          <p:spPr>
+            <a:xfrm>
+              <a:off x="695274" y="2011440"/>
+              <a:ext cx="2711768" cy="461665"/>
+            </a:xfrm>
+            <a:prstGeom prst="rect">
+              <a:avLst/>
+            </a:prstGeom>
+            <a:noFill/>
+          </p:spPr>
+          <p:txBody>
+            <a:bodyPr wrap="none" rtlCol="0">
+              <a:spAutoFit/>
+            </a:bodyPr>
+            <a:lstStyle/>
+            <a:p>
+              <a:r>
+                <a:rPr lang="en-US" sz="1200" dirty="0" err="1">
+                  <a:latin typeface="Times" pitchFamily="2" charset="0"/>
+                </a:rPr>
+                <a:t>Cov</a:t>
+              </a:r>
+              <a:r>
+                <a:rPr lang="en-US" sz="1200" baseline="-25000" dirty="0" err="1">
+                  <a:latin typeface="Times" pitchFamily="2" charset="0"/>
+                </a:rPr>
+                <a:t>GE</a:t>
+              </a:r>
+              <a:r>
+                <a:rPr lang="en-US" sz="1200" dirty="0">
+                  <a:latin typeface="Times" pitchFamily="2" charset="0"/>
+                </a:rPr>
+                <a:t> = -0.98 (-0.98 - -0.15); P = 0.009</a:t>
+              </a:r>
+            </a:p>
+            <a:p>
+              <a:endParaRPr lang="en-US" sz="1200" dirty="0">
+                <a:latin typeface="Times" pitchFamily="2" charset="0"/>
+              </a:endParaRPr>
+            </a:p>
+          </p:txBody>
+        </p:sp>
+        <mc:AlternateContent xmlns:mc="http://schemas.openxmlformats.org/markup-compatibility/2006" xmlns:a14="http://schemas.microsoft.com/office/drawing/2010/main">
+          <mc:Choice Requires="a14">
+            <p:sp>
+              <p:nvSpPr>
+                <p:cNvPr id="33" name="TextBox 32">
+                  <a:extLst>
+                    <a:ext uri="{FF2B5EF4-FFF2-40B4-BE49-F238E27FC236}">
+                      <a16:creationId xmlns:a16="http://schemas.microsoft.com/office/drawing/2014/main" id="{E09BA178-891B-B84C-88CA-3F06083DF622}"/>
+                    </a:ext>
+                  </a:extLst>
+                </p:cNvPr>
+                <p:cNvSpPr txBox="1"/>
+                <p:nvPr/>
+              </p:nvSpPr>
+              <p:spPr>
+                <a:xfrm>
+                  <a:off x="698497" y="2217349"/>
+                  <a:ext cx="642034" cy="339132"/>
+                </a:xfrm>
+                <a:prstGeom prst="rect">
+                  <a:avLst/>
+                </a:prstGeom>
+                <a:noFill/>
+              </p:spPr>
+              <p:txBody>
+                <a:bodyPr wrap="none" rtlCol="0">
+                  <a:spAutoFit/>
+                </a:bodyPr>
+                <a:lstStyle/>
+                <a:p>
+                  <a:pPr/>
+                  <a14:m>
+                    <m:oMathPara xmlns:m="http://schemas.openxmlformats.org/officeDocument/2006/math">
+                      <m:oMathParaPr>
+                        <m:jc m:val="centerGroup"/>
+                      </m:oMathParaPr>
+                      <m:oMath xmlns:m="http://schemas.openxmlformats.org/officeDocument/2006/math">
+                        <m:sSub>
+                          <m:sSubPr>
+                            <m:ctrlPr>
+                              <a:rPr lang="en-US" sz="1600" i="1" smtClean="0">
+                                <a:latin typeface="Cambria Math" panose="02040503050406030204" pitchFamily="18" charset="0"/>
+                                <a:ea typeface="Cambria Math" panose="02040503050406030204" pitchFamily="18" charset="0"/>
+                              </a:rPr>
+                            </m:ctrlPr>
+                          </m:sSubPr>
+                          <m:e>
+                            <m:acc>
+                              <m:accPr>
+                                <m:chr m:val="̅"/>
+                                <m:ctrlPr>
+                                  <a:rPr lang="en-US" sz="1600" i="1" smtClean="0">
+                                    <a:latin typeface="Cambria Math" panose="02040503050406030204" pitchFamily="18" charset="0"/>
+                                    <a:ea typeface="Cambria Math" panose="02040503050406030204" pitchFamily="18" charset="0"/>
+                                  </a:rPr>
+                                </m:ctrlPr>
+                              </m:accPr>
+                              <m:e>
+                                <m:r>
+                                  <a:rPr lang="en-US" sz="1600" i="1">
+                                    <a:latin typeface="Cambria Math" panose="02040503050406030204" pitchFamily="18" charset="0"/>
+                                    <a:ea typeface="Cambria Math" panose="02040503050406030204" pitchFamily="18" charset="0"/>
+                                  </a:rPr>
+                                  <m:t>∆</m:t>
+                                </m:r>
+                              </m:e>
+                            </m:acc>
+                          </m:e>
+                          <m:sub>
+                            <m:r>
+                              <m:rPr>
+                                <m:sty m:val="p"/>
+                              </m:rPr>
+                              <a:rPr lang="en-US" sz="1600" b="0" i="0" smtClean="0">
+                                <a:latin typeface="Cambria Math" panose="02040503050406030204" pitchFamily="18" charset="0"/>
+                                <a:ea typeface="Cambria Math" panose="02040503050406030204" pitchFamily="18" charset="0"/>
+                              </a:rPr>
+                              <m:t>GxE</m:t>
+                            </m:r>
+                          </m:sub>
+                        </m:sSub>
+                      </m:oMath>
+                    </m:oMathPara>
+                  </a14:m>
+                  <a:endParaRPr lang="en-US" sz="1600" dirty="0"/>
+                </a:p>
+              </p:txBody>
+            </p:sp>
+          </mc:Choice>
+          <mc:Fallback xmlns="">
+            <p:sp>
+              <p:nvSpPr>
+                <p:cNvPr id="96" name="TextBox 95">
+                  <a:extLst>
+                    <a:ext uri="{FF2B5EF4-FFF2-40B4-BE49-F238E27FC236}">
+                      <a16:creationId xmlns:a16="http://schemas.microsoft.com/office/drawing/2014/main" id="{4BDD192F-E294-5D4F-B882-99765F8DA135}"/>
+                    </a:ext>
+                  </a:extLst>
+                </p:cNvPr>
+                <p:cNvSpPr txBox="1">
+                  <a:spLocks noRot="1" noChangeAspect="1" noMove="1" noResize="1" noEditPoints="1" noAdjustHandles="1" noChangeArrowheads="1" noChangeShapeType="1" noTextEdit="1"/>
+                </p:cNvSpPr>
+                <p:nvPr/>
+              </p:nvSpPr>
+              <p:spPr>
+                <a:xfrm>
+                  <a:off x="698497" y="2217349"/>
+                  <a:ext cx="642034" cy="339132"/>
+                </a:xfrm>
+                <a:prstGeom prst="rect">
+                  <a:avLst/>
+                </a:prstGeom>
+                <a:blipFill>
+                  <a:blip r:embed="rId15"/>
+                  <a:stretch>
+                    <a:fillRect/>
+                  </a:stretch>
+                </a:blipFill>
+              </p:spPr>
+              <p:txBody>
+                <a:bodyPr/>
+                <a:lstStyle/>
+                <a:p>
+                  <a:r>
+                    <a:rPr lang="en-US">
+                      <a:noFill/>
+                    </a:rPr>
+                    <a:t> </a:t>
+                  </a:r>
+                </a:p>
+              </p:txBody>
+            </p:sp>
+          </mc:Fallback>
+        </mc:AlternateContent>
+        <p:sp>
+          <p:nvSpPr>
+            <p:cNvPr id="34" name="TextBox 33">
+              <a:extLst>
+                <a:ext uri="{FF2B5EF4-FFF2-40B4-BE49-F238E27FC236}">
+                  <a16:creationId xmlns:a16="http://schemas.microsoft.com/office/drawing/2014/main" id="{87D38B86-C25E-CD42-B6DD-0CB84C57E9CD}"/>
+                </a:ext>
+              </a:extLst>
+            </p:cNvPr>
+            <p:cNvSpPr txBox="1"/>
+            <p:nvPr/>
+          </p:nvSpPr>
+          <p:spPr>
+            <a:xfrm>
+              <a:off x="1198581" y="2253848"/>
+              <a:ext cx="1172885" cy="461665"/>
+            </a:xfrm>
+            <a:prstGeom prst="rect">
+              <a:avLst/>
+            </a:prstGeom>
+            <a:noFill/>
+          </p:spPr>
+          <p:txBody>
+            <a:bodyPr wrap="none" rtlCol="0">
+              <a:spAutoFit/>
+            </a:bodyPr>
+            <a:lstStyle/>
+            <a:p>
+              <a:r>
+                <a:rPr lang="en-US" sz="1200" dirty="0">
+                  <a:latin typeface="Times" pitchFamily="2" charset="0"/>
+                </a:rPr>
+                <a:t>= 0.09; P = 0.98</a:t>
+              </a:r>
+            </a:p>
+            <a:p>
+              <a:endParaRPr lang="en-US" sz="1200" dirty="0">
+                <a:latin typeface="Times" pitchFamily="2" charset="0"/>
+              </a:endParaRPr>
+            </a:p>
+          </p:txBody>
+        </p:sp>
+      </p:grpSp>
+      <p:grpSp>
+        <p:nvGrpSpPr>
+          <p:cNvPr id="35" name="Group 34">
+            <a:extLst>
+              <a:ext uri="{FF2B5EF4-FFF2-40B4-BE49-F238E27FC236}">
+                <a16:creationId xmlns:a16="http://schemas.microsoft.com/office/drawing/2014/main" id="{35266C17-8531-BC4B-A720-9017500335DF}"/>
+              </a:ext>
+            </a:extLst>
+          </p:cNvPr>
+          <p:cNvGrpSpPr/>
+          <p:nvPr/>
+        </p:nvGrpSpPr>
+        <p:grpSpPr>
+          <a:xfrm>
+            <a:off x="4056220" y="2602310"/>
+            <a:ext cx="2711768" cy="704073"/>
+            <a:chOff x="3948167" y="2029450"/>
+            <a:chExt cx="2711768" cy="704073"/>
+          </a:xfrm>
+        </p:grpSpPr>
+        <p:sp>
+          <p:nvSpPr>
+            <p:cNvPr id="36" name="TextBox 35">
+              <a:extLst>
+                <a:ext uri="{FF2B5EF4-FFF2-40B4-BE49-F238E27FC236}">
+                  <a16:creationId xmlns:a16="http://schemas.microsoft.com/office/drawing/2014/main" id="{B7895119-D0A8-5E4A-8934-55BADB831C03}"/>
+                </a:ext>
+              </a:extLst>
+            </p:cNvPr>
+            <p:cNvSpPr txBox="1"/>
+            <p:nvPr/>
+          </p:nvSpPr>
+          <p:spPr>
+            <a:xfrm>
+              <a:off x="3948167" y="2029450"/>
+              <a:ext cx="2711768" cy="461665"/>
+            </a:xfrm>
+            <a:prstGeom prst="rect">
+              <a:avLst/>
+            </a:prstGeom>
+            <a:noFill/>
+          </p:spPr>
+          <p:txBody>
+            <a:bodyPr wrap="none" rtlCol="0">
+              <a:spAutoFit/>
+            </a:bodyPr>
+            <a:lstStyle/>
+            <a:p>
+              <a:r>
+                <a:rPr lang="en-US" sz="1200" dirty="0" err="1">
+                  <a:latin typeface="Times" pitchFamily="2" charset="0"/>
+                </a:rPr>
+                <a:t>Cov</a:t>
+              </a:r>
+              <a:r>
+                <a:rPr lang="en-US" sz="1200" baseline="-25000" dirty="0" err="1">
+                  <a:latin typeface="Times" pitchFamily="2" charset="0"/>
+                </a:rPr>
+                <a:t>GE</a:t>
+              </a:r>
+              <a:r>
+                <a:rPr lang="en-US" sz="1200" dirty="0">
+                  <a:latin typeface="Times" pitchFamily="2" charset="0"/>
+                </a:rPr>
+                <a:t> = -0.98 (-0.98 - -0.46); P = 0.008</a:t>
+              </a:r>
+            </a:p>
+            <a:p>
+              <a:endParaRPr lang="en-US" sz="1200" dirty="0">
+                <a:latin typeface="Times" pitchFamily="2" charset="0"/>
+              </a:endParaRPr>
+            </a:p>
+          </p:txBody>
+        </p:sp>
+        <mc:AlternateContent xmlns:mc="http://schemas.openxmlformats.org/markup-compatibility/2006" xmlns:a14="http://schemas.microsoft.com/office/drawing/2010/main">
+          <mc:Choice Requires="a14">
+            <p:sp>
+              <p:nvSpPr>
+                <p:cNvPr id="37" name="TextBox 36">
+                  <a:extLst>
+                    <a:ext uri="{FF2B5EF4-FFF2-40B4-BE49-F238E27FC236}">
+                      <a16:creationId xmlns:a16="http://schemas.microsoft.com/office/drawing/2014/main" id="{5ADA9A52-6F61-B247-8F43-8AD05324CDE7}"/>
+                    </a:ext>
+                  </a:extLst>
+                </p:cNvPr>
+                <p:cNvSpPr txBox="1"/>
+                <p:nvPr/>
+              </p:nvSpPr>
+              <p:spPr>
+                <a:xfrm>
+                  <a:off x="3951390" y="2235359"/>
+                  <a:ext cx="642034" cy="339132"/>
+                </a:xfrm>
+                <a:prstGeom prst="rect">
+                  <a:avLst/>
+                </a:prstGeom>
+                <a:noFill/>
+              </p:spPr>
+              <p:txBody>
+                <a:bodyPr wrap="none" rtlCol="0">
+                  <a:spAutoFit/>
+                </a:bodyPr>
+                <a:lstStyle/>
+                <a:p>
+                  <a:pPr/>
+                  <a14:m>
+                    <m:oMathPara xmlns:m="http://schemas.openxmlformats.org/officeDocument/2006/math">
+                      <m:oMathParaPr>
+                        <m:jc m:val="centerGroup"/>
+                      </m:oMathParaPr>
+                      <m:oMath xmlns:m="http://schemas.openxmlformats.org/officeDocument/2006/math">
+                        <m:sSub>
+                          <m:sSubPr>
+                            <m:ctrlPr>
+                              <a:rPr lang="en-US" sz="1600" i="1" smtClean="0">
+                                <a:latin typeface="Cambria Math" panose="02040503050406030204" pitchFamily="18" charset="0"/>
+                                <a:ea typeface="Cambria Math" panose="02040503050406030204" pitchFamily="18" charset="0"/>
+                              </a:rPr>
+                            </m:ctrlPr>
+                          </m:sSubPr>
+                          <m:e>
+                            <m:acc>
+                              <m:accPr>
+                                <m:chr m:val="̅"/>
+                                <m:ctrlPr>
+                                  <a:rPr lang="en-US" sz="1600" i="1" smtClean="0">
+                                    <a:latin typeface="Cambria Math" panose="02040503050406030204" pitchFamily="18" charset="0"/>
+                                    <a:ea typeface="Cambria Math" panose="02040503050406030204" pitchFamily="18" charset="0"/>
+                                  </a:rPr>
+                                </m:ctrlPr>
+                              </m:accPr>
+                              <m:e>
+                                <m:r>
+                                  <a:rPr lang="en-US" sz="1600" i="1">
+                                    <a:latin typeface="Cambria Math" panose="02040503050406030204" pitchFamily="18" charset="0"/>
+                                    <a:ea typeface="Cambria Math" panose="02040503050406030204" pitchFamily="18" charset="0"/>
+                                  </a:rPr>
+                                  <m:t>∆</m:t>
+                                </m:r>
+                              </m:e>
+                            </m:acc>
+                          </m:e>
+                          <m:sub>
+                            <m:r>
+                              <m:rPr>
+                                <m:sty m:val="p"/>
+                              </m:rPr>
+                              <a:rPr lang="en-US" sz="1600" b="0" i="0" smtClean="0">
+                                <a:latin typeface="Cambria Math" panose="02040503050406030204" pitchFamily="18" charset="0"/>
+                                <a:ea typeface="Cambria Math" panose="02040503050406030204" pitchFamily="18" charset="0"/>
+                              </a:rPr>
+                              <m:t>GxE</m:t>
+                            </m:r>
+                          </m:sub>
+                        </m:sSub>
+                      </m:oMath>
+                    </m:oMathPara>
+                  </a14:m>
+                  <a:endParaRPr lang="en-US" sz="1600" dirty="0"/>
+                </a:p>
+              </p:txBody>
+            </p:sp>
+          </mc:Choice>
+          <mc:Fallback xmlns="">
+            <p:sp>
+              <p:nvSpPr>
+                <p:cNvPr id="124" name="TextBox 123">
+                  <a:extLst>
+                    <a:ext uri="{FF2B5EF4-FFF2-40B4-BE49-F238E27FC236}">
+                      <a16:creationId xmlns:a16="http://schemas.microsoft.com/office/drawing/2014/main" id="{8B12FBA6-7EA7-8748-BC05-05DDAF594E63}"/>
+                    </a:ext>
+                  </a:extLst>
+                </p:cNvPr>
+                <p:cNvSpPr txBox="1">
+                  <a:spLocks noRot="1" noChangeAspect="1" noMove="1" noResize="1" noEditPoints="1" noAdjustHandles="1" noChangeArrowheads="1" noChangeShapeType="1" noTextEdit="1"/>
+                </p:cNvSpPr>
+                <p:nvPr/>
+              </p:nvSpPr>
+              <p:spPr>
+                <a:xfrm>
+                  <a:off x="3951390" y="2235359"/>
+                  <a:ext cx="642034" cy="339132"/>
+                </a:xfrm>
+                <a:prstGeom prst="rect">
+                  <a:avLst/>
+                </a:prstGeom>
+                <a:blipFill>
+                  <a:blip r:embed="rId16"/>
+                  <a:stretch>
+                    <a:fillRect/>
+                  </a:stretch>
+                </a:blipFill>
+              </p:spPr>
+              <p:txBody>
+                <a:bodyPr/>
+                <a:lstStyle/>
+                <a:p>
+                  <a:r>
+                    <a:rPr lang="en-US">
+                      <a:noFill/>
+                    </a:rPr>
+                    <a:t> </a:t>
+                  </a:r>
+                </a:p>
+              </p:txBody>
+            </p:sp>
+          </mc:Fallback>
+        </mc:AlternateContent>
+        <p:sp>
+          <p:nvSpPr>
+            <p:cNvPr id="38" name="TextBox 37">
+              <a:extLst>
+                <a:ext uri="{FF2B5EF4-FFF2-40B4-BE49-F238E27FC236}">
+                  <a16:creationId xmlns:a16="http://schemas.microsoft.com/office/drawing/2014/main" id="{169AD104-5A71-D346-A175-2EFB4DE1FFDA}"/>
+                </a:ext>
+              </a:extLst>
+            </p:cNvPr>
+            <p:cNvSpPr txBox="1"/>
+            <p:nvPr/>
+          </p:nvSpPr>
+          <p:spPr>
+            <a:xfrm>
+              <a:off x="4442509" y="2271858"/>
+              <a:ext cx="980525" cy="461665"/>
+            </a:xfrm>
+            <a:prstGeom prst="rect">
+              <a:avLst/>
+            </a:prstGeom>
+            <a:noFill/>
+          </p:spPr>
+          <p:txBody>
+            <a:bodyPr wrap="none" rtlCol="0">
+              <a:spAutoFit/>
+            </a:bodyPr>
+            <a:lstStyle/>
+            <a:p>
+              <a:r>
+                <a:rPr lang="en-US" sz="1200" dirty="0">
+                  <a:latin typeface="Times" pitchFamily="2" charset="0"/>
+                </a:rPr>
+                <a:t>= 0.88; P = 0</a:t>
+              </a:r>
+            </a:p>
+            <a:p>
+              <a:endParaRPr lang="en-US" sz="1200" dirty="0">
+                <a:latin typeface="Times" pitchFamily="2" charset="0"/>
+              </a:endParaRPr>
+            </a:p>
+          </p:txBody>
+        </p:sp>
+      </p:grpSp>
+      <p:sp>
+        <p:nvSpPr>
+          <p:cNvPr id="39" name="TextBox 38">
+            <a:extLst>
+              <a:ext uri="{FF2B5EF4-FFF2-40B4-BE49-F238E27FC236}">
+                <a16:creationId xmlns:a16="http://schemas.microsoft.com/office/drawing/2014/main" id="{CC60E309-DFE7-CD49-8A4A-855AE3A4CD8E}"/>
+              </a:ext>
+            </a:extLst>
+          </p:cNvPr>
+          <p:cNvSpPr txBox="1"/>
+          <p:nvPr/>
+        </p:nvSpPr>
+        <p:spPr>
+          <a:xfrm>
+            <a:off x="416477" y="4562896"/>
+            <a:ext cx="2647648" cy="369332"/>
+          </a:xfrm>
+          <a:prstGeom prst="rect">
+            <a:avLst/>
+          </a:prstGeom>
+          <a:noFill/>
+          <a:ln>
+            <a:noFill/>
+          </a:ln>
+        </p:spPr>
+        <p:txBody>
+          <a:bodyPr wrap="none" rtlCol="0">
+            <a:spAutoFit/>
+          </a:bodyPr>
+          <a:lstStyle/>
+          <a:p>
+            <a:r>
+              <a:rPr lang="en-US" dirty="0">
+                <a:latin typeface="Times" pitchFamily="2" charset="0"/>
+              </a:rPr>
+              <a:t>Full Reciprocal Transplant</a:t>
+            </a:r>
+          </a:p>
+        </p:txBody>
+      </p:sp>
+      <p:cxnSp>
+        <p:nvCxnSpPr>
+          <p:cNvPr id="40" name="Straight Connector 39">
+            <a:extLst>
+              <a:ext uri="{FF2B5EF4-FFF2-40B4-BE49-F238E27FC236}">
+                <a16:creationId xmlns:a16="http://schemas.microsoft.com/office/drawing/2014/main" id="{1C1EBD2F-2282-0842-AAE1-EE8A31A26E94}"/>
+              </a:ext>
+            </a:extLst>
+          </p:cNvPr>
+          <p:cNvCxnSpPr/>
+          <p:nvPr/>
+        </p:nvCxnSpPr>
+        <p:spPr>
+          <a:xfrm>
+            <a:off x="221526" y="4499515"/>
+            <a:ext cx="6289779" cy="0"/>
+          </a:xfrm>
+          <a:prstGeom prst="line">
+            <a:avLst/>
+          </a:prstGeom>
+        </p:spPr>
+        <p:style>
+          <a:lnRef idx="1">
+            <a:schemeClr val="dk1"/>
+          </a:lnRef>
+          <a:fillRef idx="0">
+            <a:schemeClr val="dk1"/>
+          </a:fillRef>
+          <a:effectRef idx="0">
+            <a:schemeClr val="dk1"/>
+          </a:effectRef>
+          <a:fontRef idx="minor">
+            <a:schemeClr val="tx1"/>
+          </a:fontRef>
+        </p:style>
+      </p:cxnSp>
+      <p:grpSp>
+        <p:nvGrpSpPr>
+          <p:cNvPr id="41" name="Group 40">
+            <a:extLst>
+              <a:ext uri="{FF2B5EF4-FFF2-40B4-BE49-F238E27FC236}">
+                <a16:creationId xmlns:a16="http://schemas.microsoft.com/office/drawing/2014/main" id="{2FA72048-6476-1649-80A0-31C352F962DA}"/>
+              </a:ext>
+            </a:extLst>
+          </p:cNvPr>
+          <p:cNvGrpSpPr/>
+          <p:nvPr/>
+        </p:nvGrpSpPr>
+        <p:grpSpPr>
+          <a:xfrm>
+            <a:off x="4056414" y="6549092"/>
+            <a:ext cx="2634824" cy="695108"/>
+            <a:chOff x="3831122" y="5678279"/>
+            <a:chExt cx="2634824" cy="695108"/>
+          </a:xfrm>
+        </p:grpSpPr>
+        <p:sp>
+          <p:nvSpPr>
+            <p:cNvPr id="42" name="TextBox 41">
+              <a:extLst>
+                <a:ext uri="{FF2B5EF4-FFF2-40B4-BE49-F238E27FC236}">
+                  <a16:creationId xmlns:a16="http://schemas.microsoft.com/office/drawing/2014/main" id="{DC20FFA9-D326-8049-B287-2D6CD369FA41}"/>
+                </a:ext>
+              </a:extLst>
+            </p:cNvPr>
+            <p:cNvSpPr txBox="1"/>
+            <p:nvPr/>
+          </p:nvSpPr>
+          <p:spPr>
+            <a:xfrm>
+              <a:off x="3831122" y="5678279"/>
+              <a:ext cx="2634824" cy="461665"/>
+            </a:xfrm>
+            <a:prstGeom prst="rect">
+              <a:avLst/>
+            </a:prstGeom>
+            <a:noFill/>
+          </p:spPr>
+          <p:txBody>
+            <a:bodyPr wrap="none" rtlCol="0">
+              <a:spAutoFit/>
+            </a:bodyPr>
+            <a:lstStyle/>
+            <a:p>
+              <a:r>
+                <a:rPr lang="en-US" sz="1200" dirty="0" err="1">
+                  <a:latin typeface="Times" pitchFamily="2" charset="0"/>
+                </a:rPr>
+                <a:t>Cov</a:t>
+              </a:r>
+              <a:r>
+                <a:rPr lang="en-US" sz="1200" baseline="-25000" dirty="0" err="1">
+                  <a:latin typeface="Times" pitchFamily="2" charset="0"/>
+                </a:rPr>
+                <a:t>GE</a:t>
+              </a:r>
+              <a:r>
+                <a:rPr lang="en-US" sz="1200" dirty="0">
+                  <a:latin typeface="Times" pitchFamily="2" charset="0"/>
+                </a:rPr>
+                <a:t> = -0.82 (-0.91 - -0.05); P = 0.03</a:t>
+              </a:r>
+            </a:p>
+            <a:p>
+              <a:endParaRPr lang="en-US" sz="1200" dirty="0">
+                <a:latin typeface="Times" pitchFamily="2" charset="0"/>
+              </a:endParaRPr>
+            </a:p>
+          </p:txBody>
+        </p:sp>
+        <p:sp>
+          <p:nvSpPr>
+            <p:cNvPr id="43" name="TextBox 42">
+              <a:extLst>
+                <a:ext uri="{FF2B5EF4-FFF2-40B4-BE49-F238E27FC236}">
+                  <a16:creationId xmlns:a16="http://schemas.microsoft.com/office/drawing/2014/main" id="{7E6D1B9A-7052-2D4E-9BDC-7027442409F3}"/>
+                </a:ext>
+              </a:extLst>
+            </p:cNvPr>
+            <p:cNvSpPr txBox="1"/>
+            <p:nvPr/>
+          </p:nvSpPr>
+          <p:spPr>
+            <a:xfrm>
+              <a:off x="4324972" y="5911722"/>
+              <a:ext cx="1018997" cy="461665"/>
+            </a:xfrm>
+            <a:prstGeom prst="rect">
+              <a:avLst/>
+            </a:prstGeom>
+            <a:noFill/>
+          </p:spPr>
+          <p:txBody>
+            <a:bodyPr wrap="none" rtlCol="0">
+              <a:spAutoFit/>
+            </a:bodyPr>
+            <a:lstStyle/>
+            <a:p>
+              <a:r>
+                <a:rPr lang="en-US" sz="1200" dirty="0">
+                  <a:latin typeface="Times" pitchFamily="2" charset="0"/>
+                </a:rPr>
+                <a:t>= 0.72; P = 0</a:t>
+              </a:r>
+            </a:p>
+            <a:p>
+              <a:endParaRPr lang="en-US" sz="1200" dirty="0">
+                <a:latin typeface="Times" pitchFamily="2" charset="0"/>
+              </a:endParaRPr>
+            </a:p>
+          </p:txBody>
+        </p:sp>
+        <mc:AlternateContent xmlns:mc="http://schemas.openxmlformats.org/markup-compatibility/2006" xmlns:a14="http://schemas.microsoft.com/office/drawing/2010/main">
+          <mc:Choice Requires="a14">
+            <p:sp>
+              <p:nvSpPr>
+                <p:cNvPr id="44" name="TextBox 43">
+                  <a:extLst>
+                    <a:ext uri="{FF2B5EF4-FFF2-40B4-BE49-F238E27FC236}">
+                      <a16:creationId xmlns:a16="http://schemas.microsoft.com/office/drawing/2014/main" id="{3B8A2883-1033-0D42-BAF9-91BDB65CB516}"/>
+                    </a:ext>
+                  </a:extLst>
+                </p:cNvPr>
+                <p:cNvSpPr txBox="1"/>
+                <p:nvPr/>
+              </p:nvSpPr>
+              <p:spPr>
+                <a:xfrm>
+                  <a:off x="3833847" y="5884188"/>
+                  <a:ext cx="642034" cy="339132"/>
+                </a:xfrm>
+                <a:prstGeom prst="rect">
+                  <a:avLst/>
+                </a:prstGeom>
+                <a:noFill/>
+              </p:spPr>
+              <p:txBody>
+                <a:bodyPr wrap="none" rtlCol="0">
+                  <a:spAutoFit/>
+                </a:bodyPr>
+                <a:lstStyle/>
+                <a:p>
+                  <a:pPr/>
+                  <a14:m>
+                    <m:oMathPara xmlns:m="http://schemas.openxmlformats.org/officeDocument/2006/math">
+                      <m:oMathParaPr>
+                        <m:jc m:val="centerGroup"/>
+                      </m:oMathParaPr>
+                      <m:oMath xmlns:m="http://schemas.openxmlformats.org/officeDocument/2006/math">
+                        <m:sSub>
+                          <m:sSubPr>
+                            <m:ctrlPr>
+                              <a:rPr lang="en-US" sz="1600" i="1" smtClean="0">
+                                <a:latin typeface="Cambria Math" panose="02040503050406030204" pitchFamily="18" charset="0"/>
+                                <a:ea typeface="Cambria Math" panose="02040503050406030204" pitchFamily="18" charset="0"/>
+                              </a:rPr>
+                            </m:ctrlPr>
+                          </m:sSubPr>
+                          <m:e>
+                            <m:acc>
+                              <m:accPr>
+                                <m:chr m:val="̅"/>
+                                <m:ctrlPr>
+                                  <a:rPr lang="en-US" sz="1600" i="1" smtClean="0">
+                                    <a:latin typeface="Cambria Math" panose="02040503050406030204" pitchFamily="18" charset="0"/>
+                                    <a:ea typeface="Cambria Math" panose="02040503050406030204" pitchFamily="18" charset="0"/>
+                                  </a:rPr>
+                                </m:ctrlPr>
+                              </m:accPr>
+                              <m:e>
+                                <m:r>
+                                  <a:rPr lang="en-US" sz="1600" i="1">
+                                    <a:latin typeface="Cambria Math" panose="02040503050406030204" pitchFamily="18" charset="0"/>
+                                    <a:ea typeface="Cambria Math" panose="02040503050406030204" pitchFamily="18" charset="0"/>
+                                  </a:rPr>
+                                  <m:t>∆</m:t>
+                                </m:r>
+                              </m:e>
+                            </m:acc>
+                          </m:e>
+                          <m:sub>
+                            <m:r>
+                              <m:rPr>
+                                <m:sty m:val="p"/>
+                              </m:rPr>
+                              <a:rPr lang="en-US" sz="1600" b="0" i="0" smtClean="0">
+                                <a:latin typeface="Cambria Math" panose="02040503050406030204" pitchFamily="18" charset="0"/>
+                                <a:ea typeface="Cambria Math" panose="02040503050406030204" pitchFamily="18" charset="0"/>
+                              </a:rPr>
+                              <m:t>GxE</m:t>
+                            </m:r>
+                          </m:sub>
+                        </m:sSub>
+                      </m:oMath>
+                    </m:oMathPara>
+                  </a14:m>
+                  <a:endParaRPr lang="en-US" sz="1600" dirty="0"/>
+                </a:p>
+              </p:txBody>
+            </p:sp>
+          </mc:Choice>
+          <mc:Fallback xmlns="">
+            <p:sp>
+              <p:nvSpPr>
+                <p:cNvPr id="128" name="TextBox 127">
+                  <a:extLst>
+                    <a:ext uri="{FF2B5EF4-FFF2-40B4-BE49-F238E27FC236}">
+                      <a16:creationId xmlns:a16="http://schemas.microsoft.com/office/drawing/2014/main" id="{0C89FE68-7F68-D94A-9BDC-93638209B8D1}"/>
+                    </a:ext>
+                  </a:extLst>
+                </p:cNvPr>
+                <p:cNvSpPr txBox="1">
+                  <a:spLocks noRot="1" noChangeAspect="1" noMove="1" noResize="1" noEditPoints="1" noAdjustHandles="1" noChangeArrowheads="1" noChangeShapeType="1" noTextEdit="1"/>
+                </p:cNvSpPr>
+                <p:nvPr/>
+              </p:nvSpPr>
+              <p:spPr>
+                <a:xfrm>
+                  <a:off x="3833847" y="5884188"/>
+                  <a:ext cx="642034" cy="339132"/>
+                </a:xfrm>
+                <a:prstGeom prst="rect">
+                  <a:avLst/>
+                </a:prstGeom>
+                <a:blipFill>
+                  <a:blip r:embed="rId17"/>
+                  <a:stretch>
+                    <a:fillRect/>
+                  </a:stretch>
+                </a:blipFill>
+              </p:spPr>
+              <p:txBody>
+                <a:bodyPr/>
+                <a:lstStyle/>
+                <a:p>
+                  <a:r>
+                    <a:rPr lang="en-US">
+                      <a:noFill/>
+                    </a:rPr>
+                    <a:t> </a:t>
+                  </a:r>
+                </a:p>
+              </p:txBody>
+            </p:sp>
+          </mc:Fallback>
+        </mc:AlternateContent>
+      </p:grpSp>
+      <p:grpSp>
+        <p:nvGrpSpPr>
+          <p:cNvPr id="45" name="Group 44">
+            <a:extLst>
+              <a:ext uri="{FF2B5EF4-FFF2-40B4-BE49-F238E27FC236}">
+                <a16:creationId xmlns:a16="http://schemas.microsoft.com/office/drawing/2014/main" id="{F102B1BD-74C7-1E43-9203-A3D55A8E8561}"/>
+              </a:ext>
+            </a:extLst>
+          </p:cNvPr>
+          <p:cNvGrpSpPr/>
+          <p:nvPr/>
+        </p:nvGrpSpPr>
+        <p:grpSpPr>
+          <a:xfrm>
+            <a:off x="805271" y="5017479"/>
+            <a:ext cx="2583528" cy="699680"/>
+            <a:chOff x="760805" y="4031101"/>
+            <a:chExt cx="2583528" cy="699680"/>
+          </a:xfrm>
+          <a:noFill/>
+        </p:grpSpPr>
+        <p:sp>
+          <p:nvSpPr>
+            <p:cNvPr id="46" name="TextBox 45">
+              <a:extLst>
+                <a:ext uri="{FF2B5EF4-FFF2-40B4-BE49-F238E27FC236}">
+                  <a16:creationId xmlns:a16="http://schemas.microsoft.com/office/drawing/2014/main" id="{67C87E5F-ACAB-6640-8C3B-0E3E47AAEDE8}"/>
+                </a:ext>
+              </a:extLst>
+            </p:cNvPr>
+            <p:cNvSpPr txBox="1"/>
+            <p:nvPr/>
+          </p:nvSpPr>
+          <p:spPr>
+            <a:xfrm>
+              <a:off x="760805" y="4031101"/>
+              <a:ext cx="2583528" cy="461665"/>
+            </a:xfrm>
+            <a:prstGeom prst="rect">
+              <a:avLst/>
+            </a:prstGeom>
+            <a:grpFill/>
+          </p:spPr>
+          <p:txBody>
+            <a:bodyPr wrap="none" rtlCol="0">
+              <a:spAutoFit/>
+            </a:bodyPr>
+            <a:lstStyle/>
+            <a:p>
+              <a:r>
+                <a:rPr lang="en-US" sz="1200" dirty="0" err="1">
+                  <a:latin typeface="Times" pitchFamily="2" charset="0"/>
+                </a:rPr>
+                <a:t>Cov</a:t>
+              </a:r>
+              <a:r>
+                <a:rPr lang="en-US" sz="1200" baseline="-25000" dirty="0" err="1">
+                  <a:latin typeface="Times" pitchFamily="2" charset="0"/>
+                </a:rPr>
+                <a:t>GE</a:t>
+              </a:r>
+              <a:r>
+                <a:rPr lang="en-US" sz="1200" dirty="0">
+                  <a:latin typeface="Times" pitchFamily="2" charset="0"/>
+                </a:rPr>
+                <a:t> = 0.92 (0.69 – 0.97); P = 0.001</a:t>
+              </a:r>
+            </a:p>
+            <a:p>
+              <a:endParaRPr lang="en-US" sz="1200" dirty="0">
+                <a:latin typeface="Times" pitchFamily="2" charset="0"/>
+              </a:endParaRPr>
+            </a:p>
+          </p:txBody>
+        </p:sp>
+        <p:sp>
+          <p:nvSpPr>
+            <p:cNvPr id="47" name="TextBox 46">
+              <a:extLst>
+                <a:ext uri="{FF2B5EF4-FFF2-40B4-BE49-F238E27FC236}">
+                  <a16:creationId xmlns:a16="http://schemas.microsoft.com/office/drawing/2014/main" id="{FFA1ECE1-CB90-6745-B58F-8930750F6F2C}"/>
+                </a:ext>
+              </a:extLst>
+            </p:cNvPr>
+            <p:cNvSpPr txBox="1"/>
+            <p:nvPr/>
+          </p:nvSpPr>
+          <p:spPr>
+            <a:xfrm>
+              <a:off x="1264672" y="4269116"/>
+              <a:ext cx="1172885" cy="461665"/>
+            </a:xfrm>
+            <a:prstGeom prst="rect">
+              <a:avLst/>
+            </a:prstGeom>
+            <a:grpFill/>
+          </p:spPr>
+          <p:txBody>
+            <a:bodyPr wrap="none" rtlCol="0">
+              <a:spAutoFit/>
+            </a:bodyPr>
+            <a:lstStyle/>
+            <a:p>
+              <a:r>
+                <a:rPr lang="en-US" sz="1200" dirty="0">
+                  <a:latin typeface="Times" pitchFamily="2" charset="0"/>
+                </a:rPr>
+                <a:t>= 0.09; P = 0.98</a:t>
+              </a:r>
+            </a:p>
+            <a:p>
+              <a:endParaRPr lang="en-US" sz="1200" dirty="0">
+                <a:latin typeface="Times" pitchFamily="2" charset="0"/>
+              </a:endParaRPr>
+            </a:p>
+          </p:txBody>
+        </p:sp>
+        <mc:AlternateContent xmlns:mc="http://schemas.openxmlformats.org/markup-compatibility/2006" xmlns:a14="http://schemas.microsoft.com/office/drawing/2010/main">
+          <mc:Choice Requires="a14">
+            <p:sp>
+              <p:nvSpPr>
+                <p:cNvPr id="48" name="TextBox 47">
+                  <a:extLst>
+                    <a:ext uri="{FF2B5EF4-FFF2-40B4-BE49-F238E27FC236}">
+                      <a16:creationId xmlns:a16="http://schemas.microsoft.com/office/drawing/2014/main" id="{AC86EF32-2CEC-8F4D-84C1-62DC28983521}"/>
+                    </a:ext>
+                  </a:extLst>
+                </p:cNvPr>
+                <p:cNvSpPr txBox="1"/>
+                <p:nvPr/>
+              </p:nvSpPr>
+              <p:spPr>
+                <a:xfrm>
+                  <a:off x="764588" y="4241582"/>
+                  <a:ext cx="642034" cy="339132"/>
+                </a:xfrm>
+                <a:prstGeom prst="rect">
+                  <a:avLst/>
+                </a:prstGeom>
+                <a:grpFill/>
+              </p:spPr>
+              <p:txBody>
+                <a:bodyPr wrap="none" rtlCol="0">
+                  <a:spAutoFit/>
+                </a:bodyPr>
+                <a:lstStyle/>
+                <a:p>
+                  <a:pPr/>
+                  <a14:m>
+                    <m:oMathPara xmlns:m="http://schemas.openxmlformats.org/officeDocument/2006/math">
+                      <m:oMathParaPr>
+                        <m:jc m:val="centerGroup"/>
+                      </m:oMathParaPr>
+                      <m:oMath xmlns:m="http://schemas.openxmlformats.org/officeDocument/2006/math">
+                        <m:sSub>
+                          <m:sSubPr>
+                            <m:ctrlPr>
+                              <a:rPr lang="en-US" sz="1600" i="1" smtClean="0">
+                                <a:latin typeface="Cambria Math" panose="02040503050406030204" pitchFamily="18" charset="0"/>
+                                <a:ea typeface="Cambria Math" panose="02040503050406030204" pitchFamily="18" charset="0"/>
+                              </a:rPr>
+                            </m:ctrlPr>
+                          </m:sSubPr>
+                          <m:e>
+                            <m:acc>
+                              <m:accPr>
+                                <m:chr m:val="̅"/>
+                                <m:ctrlPr>
+                                  <a:rPr lang="en-US" sz="1600" i="1" smtClean="0">
+                                    <a:latin typeface="Cambria Math" panose="02040503050406030204" pitchFamily="18" charset="0"/>
+                                    <a:ea typeface="Cambria Math" panose="02040503050406030204" pitchFamily="18" charset="0"/>
+                                  </a:rPr>
+                                </m:ctrlPr>
+                              </m:accPr>
+                              <m:e>
+                                <m:r>
+                                  <a:rPr lang="en-US" sz="1600" i="1">
+                                    <a:latin typeface="Cambria Math" panose="02040503050406030204" pitchFamily="18" charset="0"/>
+                                    <a:ea typeface="Cambria Math" panose="02040503050406030204" pitchFamily="18" charset="0"/>
+                                  </a:rPr>
+                                  <m:t>∆</m:t>
+                                </m:r>
+                              </m:e>
+                            </m:acc>
+                          </m:e>
+                          <m:sub>
+                            <m:r>
+                              <m:rPr>
+                                <m:sty m:val="p"/>
+                              </m:rPr>
+                              <a:rPr lang="en-US" sz="1600" b="0" i="0" smtClean="0">
+                                <a:latin typeface="Cambria Math" panose="02040503050406030204" pitchFamily="18" charset="0"/>
+                                <a:ea typeface="Cambria Math" panose="02040503050406030204" pitchFamily="18" charset="0"/>
+                              </a:rPr>
+                              <m:t>GxE</m:t>
+                            </m:r>
+                          </m:sub>
+                        </m:sSub>
+                      </m:oMath>
+                    </m:oMathPara>
+                  </a14:m>
+                  <a:endParaRPr lang="en-US" sz="1600" dirty="0"/>
+                </a:p>
+              </p:txBody>
+            </p:sp>
+          </mc:Choice>
+          <mc:Fallback xmlns="">
+            <p:sp>
+              <p:nvSpPr>
+                <p:cNvPr id="138" name="TextBox 137">
+                  <a:extLst>
+                    <a:ext uri="{FF2B5EF4-FFF2-40B4-BE49-F238E27FC236}">
+                      <a16:creationId xmlns:a16="http://schemas.microsoft.com/office/drawing/2014/main" id="{41E976B3-438C-ED40-9D65-1B8E150CB2BB}"/>
+                    </a:ext>
+                  </a:extLst>
+                </p:cNvPr>
+                <p:cNvSpPr txBox="1">
+                  <a:spLocks noRot="1" noChangeAspect="1" noMove="1" noResize="1" noEditPoints="1" noAdjustHandles="1" noChangeArrowheads="1" noChangeShapeType="1" noTextEdit="1"/>
+                </p:cNvSpPr>
+                <p:nvPr/>
+              </p:nvSpPr>
+              <p:spPr>
+                <a:xfrm>
+                  <a:off x="764588" y="4241582"/>
+                  <a:ext cx="642034" cy="339132"/>
+                </a:xfrm>
+                <a:prstGeom prst="rect">
+                  <a:avLst/>
+                </a:prstGeom>
+                <a:blipFill>
+                  <a:blip r:embed="rId18"/>
+                  <a:stretch>
+                    <a:fillRect/>
+                  </a:stretch>
+                </a:blipFill>
+              </p:spPr>
+              <p:txBody>
+                <a:bodyPr/>
+                <a:lstStyle/>
+                <a:p>
+                  <a:r>
+                    <a:rPr lang="en-US">
+                      <a:noFill/>
+                    </a:rPr>
+                    <a:t> </a:t>
+                  </a:r>
+                </a:p>
+              </p:txBody>
+            </p:sp>
+          </mc:Fallback>
+        </mc:AlternateContent>
+      </p:grpSp>
+      <p:grpSp>
+        <p:nvGrpSpPr>
+          <p:cNvPr id="49" name="Group 48">
+            <a:extLst>
+              <a:ext uri="{FF2B5EF4-FFF2-40B4-BE49-F238E27FC236}">
+                <a16:creationId xmlns:a16="http://schemas.microsoft.com/office/drawing/2014/main" id="{463A2949-27CD-E544-ABFA-3861BBC20330}"/>
+              </a:ext>
+            </a:extLst>
+          </p:cNvPr>
+          <p:cNvGrpSpPr/>
+          <p:nvPr/>
+        </p:nvGrpSpPr>
+        <p:grpSpPr>
+          <a:xfrm>
+            <a:off x="805271" y="6556326"/>
+            <a:ext cx="2634824" cy="713038"/>
+            <a:chOff x="695274" y="5627543"/>
+            <a:chExt cx="2634824" cy="713038"/>
+          </a:xfrm>
+        </p:grpSpPr>
+        <p:sp>
+          <p:nvSpPr>
+            <p:cNvPr id="50" name="TextBox 49">
+              <a:extLst>
+                <a:ext uri="{FF2B5EF4-FFF2-40B4-BE49-F238E27FC236}">
+                  <a16:creationId xmlns:a16="http://schemas.microsoft.com/office/drawing/2014/main" id="{DF2C96DA-5A91-F94B-8F0F-C654911DCC78}"/>
+                </a:ext>
+              </a:extLst>
+            </p:cNvPr>
+            <p:cNvSpPr txBox="1"/>
+            <p:nvPr/>
+          </p:nvSpPr>
+          <p:spPr>
+            <a:xfrm>
+              <a:off x="1189616" y="5878916"/>
+              <a:ext cx="1211357" cy="461665"/>
+            </a:xfrm>
+            <a:prstGeom prst="rect">
+              <a:avLst/>
+            </a:prstGeom>
+            <a:noFill/>
+          </p:spPr>
+          <p:txBody>
+            <a:bodyPr wrap="none" rtlCol="0">
+              <a:spAutoFit/>
+            </a:bodyPr>
+            <a:lstStyle/>
+            <a:p>
+              <a:r>
+                <a:rPr lang="en-US" sz="1200" dirty="0">
+                  <a:latin typeface="Times" pitchFamily="2" charset="0"/>
+                </a:rPr>
+                <a:t>= 0.13; P = 0.95</a:t>
+              </a:r>
+            </a:p>
+            <a:p>
+              <a:endParaRPr lang="en-US" sz="1200" dirty="0">
+                <a:latin typeface="Times" pitchFamily="2" charset="0"/>
+              </a:endParaRPr>
+            </a:p>
+          </p:txBody>
+        </p:sp>
+        <mc:AlternateContent xmlns:mc="http://schemas.openxmlformats.org/markup-compatibility/2006" xmlns:a14="http://schemas.microsoft.com/office/drawing/2010/main">
+          <mc:Choice Requires="a14">
+            <p:sp>
+              <p:nvSpPr>
+                <p:cNvPr id="51" name="TextBox 50">
+                  <a:extLst>
+                    <a:ext uri="{FF2B5EF4-FFF2-40B4-BE49-F238E27FC236}">
+                      <a16:creationId xmlns:a16="http://schemas.microsoft.com/office/drawing/2014/main" id="{DC9BA08B-EA63-B047-AD1E-E91D66E347A5}"/>
+                    </a:ext>
+                  </a:extLst>
+                </p:cNvPr>
+                <p:cNvSpPr txBox="1"/>
+                <p:nvPr/>
+              </p:nvSpPr>
+              <p:spPr>
+                <a:xfrm>
+                  <a:off x="698497" y="5847542"/>
+                  <a:ext cx="642034" cy="339132"/>
+                </a:xfrm>
+                <a:prstGeom prst="rect">
+                  <a:avLst/>
+                </a:prstGeom>
+                <a:noFill/>
+              </p:spPr>
+              <p:txBody>
+                <a:bodyPr wrap="none" rtlCol="0">
+                  <a:spAutoFit/>
+                </a:bodyPr>
+                <a:lstStyle/>
+                <a:p>
+                  <a:pPr/>
+                  <a14:m>
+                    <m:oMathPara xmlns:m="http://schemas.openxmlformats.org/officeDocument/2006/math">
+                      <m:oMathParaPr>
+                        <m:jc m:val="centerGroup"/>
+                      </m:oMathParaPr>
+                      <m:oMath xmlns:m="http://schemas.openxmlformats.org/officeDocument/2006/math">
+                        <m:sSub>
+                          <m:sSubPr>
+                            <m:ctrlPr>
+                              <a:rPr lang="en-US" sz="1600" i="1" smtClean="0">
+                                <a:latin typeface="Cambria Math" panose="02040503050406030204" pitchFamily="18" charset="0"/>
+                                <a:ea typeface="Cambria Math" panose="02040503050406030204" pitchFamily="18" charset="0"/>
+                              </a:rPr>
+                            </m:ctrlPr>
+                          </m:sSubPr>
+                          <m:e>
+                            <m:acc>
+                              <m:accPr>
+                                <m:chr m:val="̅"/>
+                                <m:ctrlPr>
+                                  <a:rPr lang="en-US" sz="1600" i="1" smtClean="0">
+                                    <a:latin typeface="Cambria Math" panose="02040503050406030204" pitchFamily="18" charset="0"/>
+                                    <a:ea typeface="Cambria Math" panose="02040503050406030204" pitchFamily="18" charset="0"/>
+                                  </a:rPr>
+                                </m:ctrlPr>
+                              </m:accPr>
+                              <m:e>
+                                <m:r>
+                                  <a:rPr lang="en-US" sz="1600" i="1">
+                                    <a:latin typeface="Cambria Math" panose="02040503050406030204" pitchFamily="18" charset="0"/>
+                                    <a:ea typeface="Cambria Math" panose="02040503050406030204" pitchFamily="18" charset="0"/>
+                                  </a:rPr>
+                                  <m:t>∆</m:t>
+                                </m:r>
+                              </m:e>
+                            </m:acc>
+                          </m:e>
+                          <m:sub>
+                            <m:r>
+                              <m:rPr>
+                                <m:sty m:val="p"/>
+                              </m:rPr>
+                              <a:rPr lang="en-US" sz="1600" b="0" i="0" smtClean="0">
+                                <a:latin typeface="Cambria Math" panose="02040503050406030204" pitchFamily="18" charset="0"/>
+                                <a:ea typeface="Cambria Math" panose="02040503050406030204" pitchFamily="18" charset="0"/>
+                              </a:rPr>
+                              <m:t>GxE</m:t>
+                            </m:r>
+                          </m:sub>
+                        </m:sSub>
+                      </m:oMath>
+                    </m:oMathPara>
+                  </a14:m>
+                  <a:endParaRPr lang="en-US" sz="1600" dirty="0"/>
+                </a:p>
+              </p:txBody>
+            </p:sp>
+          </mc:Choice>
+          <mc:Fallback xmlns="">
+            <p:sp>
+              <p:nvSpPr>
+                <p:cNvPr id="132" name="TextBox 131">
+                  <a:extLst>
+                    <a:ext uri="{FF2B5EF4-FFF2-40B4-BE49-F238E27FC236}">
+                      <a16:creationId xmlns:a16="http://schemas.microsoft.com/office/drawing/2014/main" id="{1456A9A5-AA49-4E49-A87C-512248760018}"/>
+                    </a:ext>
+                  </a:extLst>
+                </p:cNvPr>
+                <p:cNvSpPr txBox="1">
+                  <a:spLocks noRot="1" noChangeAspect="1" noMove="1" noResize="1" noEditPoints="1" noAdjustHandles="1" noChangeArrowheads="1" noChangeShapeType="1" noTextEdit="1"/>
+                </p:cNvSpPr>
+                <p:nvPr/>
+              </p:nvSpPr>
+              <p:spPr>
+                <a:xfrm>
+                  <a:off x="698497" y="5847542"/>
+                  <a:ext cx="642034" cy="339132"/>
+                </a:xfrm>
+                <a:prstGeom prst="rect">
+                  <a:avLst/>
+                </a:prstGeom>
+                <a:blipFill>
+                  <a:blip r:embed="rId19"/>
+                  <a:stretch>
+                    <a:fillRect/>
+                  </a:stretch>
+                </a:blipFill>
+              </p:spPr>
+              <p:txBody>
+                <a:bodyPr/>
+                <a:lstStyle/>
+                <a:p>
+                  <a:r>
+                    <a:rPr lang="en-US">
+                      <a:noFill/>
+                    </a:rPr>
+                    <a:t> </a:t>
+                  </a:r>
+                </a:p>
+              </p:txBody>
+            </p:sp>
+          </mc:Fallback>
+        </mc:AlternateContent>
+        <p:sp>
+          <p:nvSpPr>
+            <p:cNvPr id="52" name="TextBox 51">
+              <a:extLst>
+                <a:ext uri="{FF2B5EF4-FFF2-40B4-BE49-F238E27FC236}">
+                  <a16:creationId xmlns:a16="http://schemas.microsoft.com/office/drawing/2014/main" id="{C8CA239E-A389-B542-BE9F-9D9083EE7334}"/>
+                </a:ext>
+              </a:extLst>
+            </p:cNvPr>
+            <p:cNvSpPr txBox="1"/>
+            <p:nvPr/>
+          </p:nvSpPr>
+          <p:spPr>
+            <a:xfrm>
+              <a:off x="695274" y="5627543"/>
+              <a:ext cx="2634824" cy="461665"/>
+            </a:xfrm>
+            <a:prstGeom prst="rect">
+              <a:avLst/>
+            </a:prstGeom>
+            <a:noFill/>
+          </p:spPr>
+          <p:txBody>
+            <a:bodyPr wrap="none" rtlCol="0">
+              <a:spAutoFit/>
+            </a:bodyPr>
+            <a:lstStyle/>
+            <a:p>
+              <a:r>
+                <a:rPr lang="en-US" sz="1200" dirty="0" err="1">
+                  <a:latin typeface="Times" pitchFamily="2" charset="0"/>
+                </a:rPr>
+                <a:t>Cov</a:t>
+              </a:r>
+              <a:r>
+                <a:rPr lang="en-US" sz="1200" baseline="-25000" dirty="0" err="1">
+                  <a:latin typeface="Times" pitchFamily="2" charset="0"/>
+                </a:rPr>
+                <a:t>GE</a:t>
+              </a:r>
+              <a:r>
+                <a:rPr lang="en-US" sz="1200" dirty="0">
+                  <a:latin typeface="Times" pitchFamily="2" charset="0"/>
+                </a:rPr>
+                <a:t> = -0.9 (-0.98 - -0.69); P = 0.005</a:t>
+              </a:r>
+            </a:p>
+            <a:p>
+              <a:endParaRPr lang="en-US" sz="1200" dirty="0">
+                <a:latin typeface="Times" pitchFamily="2" charset="0"/>
+              </a:endParaRPr>
+            </a:p>
+          </p:txBody>
+        </p:sp>
+      </p:grpSp>
+      <p:grpSp>
+        <p:nvGrpSpPr>
+          <p:cNvPr id="53" name="Group 52">
+            <a:extLst>
+              <a:ext uri="{FF2B5EF4-FFF2-40B4-BE49-F238E27FC236}">
+                <a16:creationId xmlns:a16="http://schemas.microsoft.com/office/drawing/2014/main" id="{939EF60B-F725-C94D-8901-426095F95A8F}"/>
+              </a:ext>
+            </a:extLst>
+          </p:cNvPr>
+          <p:cNvGrpSpPr/>
+          <p:nvPr/>
+        </p:nvGrpSpPr>
+        <p:grpSpPr>
+          <a:xfrm>
+            <a:off x="4058875" y="5006204"/>
+            <a:ext cx="2583528" cy="691315"/>
+            <a:chOff x="3881140" y="4019240"/>
+            <a:chExt cx="2583528" cy="691315"/>
+          </a:xfrm>
+        </p:grpSpPr>
+        <p:sp>
+          <p:nvSpPr>
+            <p:cNvPr id="54" name="TextBox 53">
+              <a:extLst>
+                <a:ext uri="{FF2B5EF4-FFF2-40B4-BE49-F238E27FC236}">
+                  <a16:creationId xmlns:a16="http://schemas.microsoft.com/office/drawing/2014/main" id="{08D96093-B25B-1A44-9E4A-36BF833FE895}"/>
+                </a:ext>
+              </a:extLst>
+            </p:cNvPr>
+            <p:cNvSpPr txBox="1"/>
+            <p:nvPr/>
+          </p:nvSpPr>
+          <p:spPr>
+            <a:xfrm>
+              <a:off x="3881140" y="4019240"/>
+              <a:ext cx="2583528" cy="461665"/>
+            </a:xfrm>
+            <a:prstGeom prst="rect">
+              <a:avLst/>
+            </a:prstGeom>
+            <a:noFill/>
+          </p:spPr>
+          <p:txBody>
+            <a:bodyPr wrap="none" rtlCol="0">
+              <a:spAutoFit/>
+            </a:bodyPr>
+            <a:lstStyle/>
+            <a:p>
+              <a:r>
+                <a:rPr lang="en-US" sz="1200" dirty="0" err="1">
+                  <a:latin typeface="Times" pitchFamily="2" charset="0"/>
+                </a:rPr>
+                <a:t>Cov</a:t>
+              </a:r>
+              <a:r>
+                <a:rPr lang="en-US" sz="1200" baseline="-25000" dirty="0" err="1">
+                  <a:latin typeface="Times" pitchFamily="2" charset="0"/>
+                </a:rPr>
+                <a:t>GE</a:t>
+              </a:r>
+              <a:r>
+                <a:rPr lang="en-US" sz="1200" dirty="0">
+                  <a:latin typeface="Times" pitchFamily="2" charset="0"/>
+                </a:rPr>
+                <a:t> = 0.94 (0.37 – 0.95); P = 0.002</a:t>
+              </a:r>
+            </a:p>
+            <a:p>
+              <a:endParaRPr lang="en-US" sz="1200" dirty="0">
+                <a:latin typeface="Times" pitchFamily="2" charset="0"/>
+              </a:endParaRPr>
+            </a:p>
+          </p:txBody>
+        </p:sp>
+        <p:sp>
+          <p:nvSpPr>
+            <p:cNvPr id="55" name="TextBox 54">
+              <a:extLst>
+                <a:ext uri="{FF2B5EF4-FFF2-40B4-BE49-F238E27FC236}">
+                  <a16:creationId xmlns:a16="http://schemas.microsoft.com/office/drawing/2014/main" id="{164DB7EA-9268-D74F-A03D-8BC08CA272D8}"/>
+                </a:ext>
+              </a:extLst>
+            </p:cNvPr>
+            <p:cNvSpPr txBox="1"/>
+            <p:nvPr/>
+          </p:nvSpPr>
+          <p:spPr>
+            <a:xfrm>
+              <a:off x="4375809" y="4248890"/>
+              <a:ext cx="980525" cy="461665"/>
+            </a:xfrm>
+            <a:prstGeom prst="rect">
+              <a:avLst/>
+            </a:prstGeom>
+            <a:noFill/>
+          </p:spPr>
+          <p:txBody>
+            <a:bodyPr wrap="none" rtlCol="0">
+              <a:spAutoFit/>
+            </a:bodyPr>
+            <a:lstStyle/>
+            <a:p>
+              <a:r>
+                <a:rPr lang="en-US" sz="1200" dirty="0">
+                  <a:latin typeface="Times" pitchFamily="2" charset="0"/>
+                </a:rPr>
+                <a:t>= 0.71; P = 0</a:t>
+              </a:r>
+            </a:p>
+            <a:p>
+              <a:endParaRPr lang="en-US" sz="1200" dirty="0">
+                <a:latin typeface="Times" pitchFamily="2" charset="0"/>
+              </a:endParaRPr>
+            </a:p>
+          </p:txBody>
+        </p:sp>
+        <mc:AlternateContent xmlns:mc="http://schemas.openxmlformats.org/markup-compatibility/2006" xmlns:a14="http://schemas.microsoft.com/office/drawing/2010/main">
+          <mc:Choice Requires="a14">
+            <p:sp>
+              <p:nvSpPr>
+                <p:cNvPr id="56" name="TextBox 55">
+                  <a:extLst>
+                    <a:ext uri="{FF2B5EF4-FFF2-40B4-BE49-F238E27FC236}">
+                      <a16:creationId xmlns:a16="http://schemas.microsoft.com/office/drawing/2014/main" id="{124AA339-045D-4249-829E-E305444A6FE4}"/>
+                    </a:ext>
+                  </a:extLst>
+                </p:cNvPr>
+                <p:cNvSpPr txBox="1"/>
+                <p:nvPr/>
+              </p:nvSpPr>
+              <p:spPr>
+                <a:xfrm>
+                  <a:off x="3884922" y="4221942"/>
+                  <a:ext cx="642034" cy="339132"/>
+                </a:xfrm>
+                <a:prstGeom prst="rect">
+                  <a:avLst/>
+                </a:prstGeom>
+                <a:noFill/>
+              </p:spPr>
+              <p:txBody>
+                <a:bodyPr wrap="none" rtlCol="0">
+                  <a:spAutoFit/>
+                </a:bodyPr>
+                <a:lstStyle/>
+                <a:p>
+                  <a:pPr/>
+                  <a14:m>
+                    <m:oMathPara xmlns:m="http://schemas.openxmlformats.org/officeDocument/2006/math">
+                      <m:oMathParaPr>
+                        <m:jc m:val="centerGroup"/>
+                      </m:oMathParaPr>
+                      <m:oMath xmlns:m="http://schemas.openxmlformats.org/officeDocument/2006/math">
+                        <m:sSub>
+                          <m:sSubPr>
+                            <m:ctrlPr>
+                              <a:rPr lang="en-US" sz="1600" i="1" smtClean="0">
+                                <a:latin typeface="Cambria Math" panose="02040503050406030204" pitchFamily="18" charset="0"/>
+                                <a:ea typeface="Cambria Math" panose="02040503050406030204" pitchFamily="18" charset="0"/>
+                              </a:rPr>
+                            </m:ctrlPr>
+                          </m:sSubPr>
+                          <m:e>
+                            <m:acc>
+                              <m:accPr>
+                                <m:chr m:val="̅"/>
+                                <m:ctrlPr>
+                                  <a:rPr lang="en-US" sz="1600" i="1" smtClean="0">
+                                    <a:latin typeface="Cambria Math" panose="02040503050406030204" pitchFamily="18" charset="0"/>
+                                    <a:ea typeface="Cambria Math" panose="02040503050406030204" pitchFamily="18" charset="0"/>
+                                  </a:rPr>
+                                </m:ctrlPr>
+                              </m:accPr>
+                              <m:e>
+                                <m:r>
+                                  <a:rPr lang="en-US" sz="1600" i="1">
+                                    <a:latin typeface="Cambria Math" panose="02040503050406030204" pitchFamily="18" charset="0"/>
+                                    <a:ea typeface="Cambria Math" panose="02040503050406030204" pitchFamily="18" charset="0"/>
+                                  </a:rPr>
+                                  <m:t>∆</m:t>
+                                </m:r>
+                              </m:e>
+                            </m:acc>
+                          </m:e>
+                          <m:sub>
+                            <m:r>
+                              <m:rPr>
+                                <m:sty m:val="p"/>
+                              </m:rPr>
+                              <a:rPr lang="en-US" sz="1600" b="0" i="0" smtClean="0">
+                                <a:latin typeface="Cambria Math" panose="02040503050406030204" pitchFamily="18" charset="0"/>
+                                <a:ea typeface="Cambria Math" panose="02040503050406030204" pitchFamily="18" charset="0"/>
+                              </a:rPr>
+                              <m:t>GxE</m:t>
+                            </m:r>
+                          </m:sub>
+                        </m:sSub>
+                      </m:oMath>
+                    </m:oMathPara>
+                  </a14:m>
+                  <a:endParaRPr lang="en-US" sz="1600" dirty="0"/>
+                </a:p>
+              </p:txBody>
+            </p:sp>
+          </mc:Choice>
+          <mc:Fallback xmlns="">
+            <p:sp>
+              <p:nvSpPr>
+                <p:cNvPr id="143" name="TextBox 142">
+                  <a:extLst>
+                    <a:ext uri="{FF2B5EF4-FFF2-40B4-BE49-F238E27FC236}">
+                      <a16:creationId xmlns:a16="http://schemas.microsoft.com/office/drawing/2014/main" id="{895D6AE7-6F7F-0A49-8C28-969A92797E89}"/>
+                    </a:ext>
+                  </a:extLst>
+                </p:cNvPr>
+                <p:cNvSpPr txBox="1">
+                  <a:spLocks noRot="1" noChangeAspect="1" noMove="1" noResize="1" noEditPoints="1" noAdjustHandles="1" noChangeArrowheads="1" noChangeShapeType="1" noTextEdit="1"/>
+                </p:cNvSpPr>
+                <p:nvPr/>
+              </p:nvSpPr>
+              <p:spPr>
+                <a:xfrm>
+                  <a:off x="3884922" y="4221942"/>
+                  <a:ext cx="642034" cy="339132"/>
+                </a:xfrm>
+                <a:prstGeom prst="rect">
+                  <a:avLst/>
+                </a:prstGeom>
+                <a:blipFill>
+                  <a:blip r:embed="rId20"/>
+                  <a:stretch>
+                    <a:fillRect/>
+                  </a:stretch>
+                </a:blipFill>
+              </p:spPr>
+              <p:txBody>
+                <a:bodyPr/>
+                <a:lstStyle/>
+                <a:p>
+                  <a:r>
+                    <a:rPr lang="en-US">
+                      <a:noFill/>
+                    </a:rPr>
+                    <a:t> </a:t>
+                  </a:r>
+                </a:p>
+              </p:txBody>
+            </p:sp>
+          </mc:Fallback>
+        </mc:AlternateContent>
+      </p:grpSp>
+      <p:cxnSp>
+        <p:nvCxnSpPr>
+          <p:cNvPr id="57" name="Straight Connector 56">
+            <a:extLst>
+              <a:ext uri="{FF2B5EF4-FFF2-40B4-BE49-F238E27FC236}">
+                <a16:creationId xmlns:a16="http://schemas.microsoft.com/office/drawing/2014/main" id="{59BB7858-9667-0747-9166-E78BA9509228}"/>
+              </a:ext>
+            </a:extLst>
+          </p:cNvPr>
+          <p:cNvCxnSpPr/>
+          <p:nvPr/>
+        </p:nvCxnSpPr>
+        <p:spPr>
+          <a:xfrm>
+            <a:off x="221527" y="8338047"/>
+            <a:ext cx="6289779" cy="0"/>
+          </a:xfrm>
+          <a:prstGeom prst="line">
+            <a:avLst/>
+          </a:prstGeom>
+        </p:spPr>
+        <p:style>
+          <a:lnRef idx="1">
+            <a:schemeClr val="dk1"/>
+          </a:lnRef>
+          <a:fillRef idx="0">
+            <a:schemeClr val="dk1"/>
+          </a:fillRef>
+          <a:effectRef idx="0">
+            <a:schemeClr val="dk1"/>
+          </a:effectRef>
+          <a:fontRef idx="minor">
+            <a:schemeClr val="tx1"/>
+          </a:fontRef>
+        </p:style>
+      </p:cxnSp>
+      <p:grpSp>
+        <p:nvGrpSpPr>
+          <p:cNvPr id="58" name="Group 57">
+            <a:extLst>
+              <a:ext uri="{FF2B5EF4-FFF2-40B4-BE49-F238E27FC236}">
+                <a16:creationId xmlns:a16="http://schemas.microsoft.com/office/drawing/2014/main" id="{0E6781B4-3D54-4D4A-9BBF-82A38693CC22}"/>
+              </a:ext>
+            </a:extLst>
+          </p:cNvPr>
+          <p:cNvGrpSpPr/>
+          <p:nvPr/>
+        </p:nvGrpSpPr>
+        <p:grpSpPr>
+          <a:xfrm>
+            <a:off x="4059637" y="8682146"/>
+            <a:ext cx="2319965" cy="695108"/>
+            <a:chOff x="3935949" y="7792127"/>
+            <a:chExt cx="2319965" cy="695108"/>
+          </a:xfrm>
+        </p:grpSpPr>
+        <p:sp>
+          <p:nvSpPr>
+            <p:cNvPr id="59" name="TextBox 58">
+              <a:extLst>
+                <a:ext uri="{FF2B5EF4-FFF2-40B4-BE49-F238E27FC236}">
+                  <a16:creationId xmlns:a16="http://schemas.microsoft.com/office/drawing/2014/main" id="{9316610F-B437-154B-B605-38E0156C80A4}"/>
+                </a:ext>
+              </a:extLst>
+            </p:cNvPr>
+            <p:cNvSpPr txBox="1"/>
+            <p:nvPr/>
+          </p:nvSpPr>
+          <p:spPr>
+            <a:xfrm>
+              <a:off x="3941691" y="7792127"/>
+              <a:ext cx="2314223" cy="461665"/>
+            </a:xfrm>
+            <a:prstGeom prst="rect">
+              <a:avLst/>
+            </a:prstGeom>
+            <a:noFill/>
+          </p:spPr>
+          <p:txBody>
+            <a:bodyPr wrap="none" rtlCol="0">
+              <a:spAutoFit/>
+            </a:bodyPr>
+            <a:lstStyle/>
+            <a:p>
+              <a:r>
+                <a:rPr lang="en-US" sz="1200" dirty="0" err="1">
+                  <a:latin typeface="Times" pitchFamily="2" charset="0"/>
+                </a:rPr>
+                <a:t>Cov</a:t>
+              </a:r>
+              <a:r>
+                <a:rPr lang="en-US" sz="1200" baseline="-25000" dirty="0" err="1">
+                  <a:latin typeface="Times" pitchFamily="2" charset="0"/>
+                </a:rPr>
+                <a:t>GE</a:t>
+              </a:r>
+              <a:r>
+                <a:rPr lang="en-US" sz="1200" dirty="0">
+                  <a:latin typeface="Times" pitchFamily="2" charset="0"/>
+                </a:rPr>
+                <a:t> = 0.95 (0.55 – 0.98); P = 0</a:t>
+              </a:r>
+            </a:p>
+            <a:p>
+              <a:endParaRPr lang="en-US" sz="1200" dirty="0">
+                <a:latin typeface="Times" pitchFamily="2" charset="0"/>
+              </a:endParaRPr>
+            </a:p>
+          </p:txBody>
+        </p:sp>
+        <p:sp>
+          <p:nvSpPr>
+            <p:cNvPr id="60" name="TextBox 59">
+              <a:extLst>
+                <a:ext uri="{FF2B5EF4-FFF2-40B4-BE49-F238E27FC236}">
+                  <a16:creationId xmlns:a16="http://schemas.microsoft.com/office/drawing/2014/main" id="{D8D41DEA-54F9-D142-B62C-80FFB3462139}"/>
+                </a:ext>
+              </a:extLst>
+            </p:cNvPr>
+            <p:cNvSpPr txBox="1"/>
+            <p:nvPr/>
+          </p:nvSpPr>
+          <p:spPr>
+            <a:xfrm>
+              <a:off x="4436036" y="8025570"/>
+              <a:ext cx="980525" cy="461665"/>
+            </a:xfrm>
+            <a:prstGeom prst="rect">
+              <a:avLst/>
+            </a:prstGeom>
+            <a:noFill/>
+          </p:spPr>
+          <p:txBody>
+            <a:bodyPr wrap="none" rtlCol="0">
+              <a:spAutoFit/>
+            </a:bodyPr>
+            <a:lstStyle/>
+            <a:p>
+              <a:r>
+                <a:rPr lang="en-US" sz="1200" dirty="0">
+                  <a:latin typeface="Times" pitchFamily="2" charset="0"/>
+                </a:rPr>
+                <a:t>= 0.74; P = 0</a:t>
+              </a:r>
+            </a:p>
+            <a:p>
+              <a:endParaRPr lang="en-US" sz="1200" dirty="0">
+                <a:latin typeface="Times" pitchFamily="2" charset="0"/>
+              </a:endParaRPr>
+            </a:p>
+          </p:txBody>
+        </p:sp>
+        <mc:AlternateContent xmlns:mc="http://schemas.openxmlformats.org/markup-compatibility/2006" xmlns:a14="http://schemas.microsoft.com/office/drawing/2010/main">
+          <mc:Choice Requires="a14">
+            <p:sp>
+              <p:nvSpPr>
+                <p:cNvPr id="61" name="TextBox 60">
+                  <a:extLst>
+                    <a:ext uri="{FF2B5EF4-FFF2-40B4-BE49-F238E27FC236}">
+                      <a16:creationId xmlns:a16="http://schemas.microsoft.com/office/drawing/2014/main" id="{0C01AE66-7D0D-7F4E-9863-4509E85BD7CB}"/>
+                    </a:ext>
+                  </a:extLst>
+                </p:cNvPr>
+                <p:cNvSpPr txBox="1"/>
+                <p:nvPr/>
+              </p:nvSpPr>
+              <p:spPr>
+                <a:xfrm>
+                  <a:off x="3935949" y="7998036"/>
+                  <a:ext cx="642034" cy="339132"/>
+                </a:xfrm>
+                <a:prstGeom prst="rect">
+                  <a:avLst/>
+                </a:prstGeom>
+                <a:noFill/>
+              </p:spPr>
+              <p:txBody>
+                <a:bodyPr wrap="none" rtlCol="0">
+                  <a:spAutoFit/>
+                </a:bodyPr>
+                <a:lstStyle/>
+                <a:p>
+                  <a:pPr/>
+                  <a14:m>
+                    <m:oMathPara xmlns:m="http://schemas.openxmlformats.org/officeDocument/2006/math">
+                      <m:oMathParaPr>
+                        <m:jc m:val="centerGroup"/>
+                      </m:oMathParaPr>
+                      <m:oMath xmlns:m="http://schemas.openxmlformats.org/officeDocument/2006/math">
+                        <m:sSub>
+                          <m:sSubPr>
+                            <m:ctrlPr>
+                              <a:rPr lang="en-US" sz="1600" i="1" smtClean="0">
+                                <a:latin typeface="Cambria Math" panose="02040503050406030204" pitchFamily="18" charset="0"/>
+                                <a:ea typeface="Cambria Math" panose="02040503050406030204" pitchFamily="18" charset="0"/>
+                              </a:rPr>
+                            </m:ctrlPr>
+                          </m:sSubPr>
+                          <m:e>
+                            <m:acc>
+                              <m:accPr>
+                                <m:chr m:val="̅"/>
+                                <m:ctrlPr>
+                                  <a:rPr lang="en-US" sz="1600" i="1" smtClean="0">
+                                    <a:latin typeface="Cambria Math" panose="02040503050406030204" pitchFamily="18" charset="0"/>
+                                    <a:ea typeface="Cambria Math" panose="02040503050406030204" pitchFamily="18" charset="0"/>
+                                  </a:rPr>
+                                </m:ctrlPr>
+                              </m:accPr>
+                              <m:e>
+                                <m:r>
+                                  <a:rPr lang="en-US" sz="1600" i="1">
+                                    <a:latin typeface="Cambria Math" panose="02040503050406030204" pitchFamily="18" charset="0"/>
+                                    <a:ea typeface="Cambria Math" panose="02040503050406030204" pitchFamily="18" charset="0"/>
+                                  </a:rPr>
+                                  <m:t>∆</m:t>
+                                </m:r>
+                              </m:e>
+                            </m:acc>
+                          </m:e>
+                          <m:sub>
+                            <m:r>
+                              <m:rPr>
+                                <m:sty m:val="p"/>
+                              </m:rPr>
+                              <a:rPr lang="en-US" sz="1600" b="0" i="0" smtClean="0">
+                                <a:latin typeface="Cambria Math" panose="02040503050406030204" pitchFamily="18" charset="0"/>
+                                <a:ea typeface="Cambria Math" panose="02040503050406030204" pitchFamily="18" charset="0"/>
+                              </a:rPr>
+                              <m:t>GxE</m:t>
+                            </m:r>
+                          </m:sub>
+                        </m:sSub>
+                      </m:oMath>
+                    </m:oMathPara>
+                  </a14:m>
+                  <a:endParaRPr lang="en-US" sz="1600" dirty="0"/>
+                </a:p>
+              </p:txBody>
+            </p:sp>
+          </mc:Choice>
+          <mc:Fallback xmlns="">
+            <p:sp>
+              <p:nvSpPr>
+                <p:cNvPr id="147" name="TextBox 146">
+                  <a:extLst>
+                    <a:ext uri="{FF2B5EF4-FFF2-40B4-BE49-F238E27FC236}">
+                      <a16:creationId xmlns:a16="http://schemas.microsoft.com/office/drawing/2014/main" id="{8F6201FE-7B75-7D4C-B104-66CBBD247F79}"/>
+                    </a:ext>
+                  </a:extLst>
+                </p:cNvPr>
+                <p:cNvSpPr txBox="1">
+                  <a:spLocks noRot="1" noChangeAspect="1" noMove="1" noResize="1" noEditPoints="1" noAdjustHandles="1" noChangeArrowheads="1" noChangeShapeType="1" noTextEdit="1"/>
+                </p:cNvSpPr>
+                <p:nvPr/>
+              </p:nvSpPr>
+              <p:spPr>
+                <a:xfrm>
+                  <a:off x="3935949" y="7998036"/>
+                  <a:ext cx="642034" cy="339132"/>
+                </a:xfrm>
+                <a:prstGeom prst="rect">
+                  <a:avLst/>
+                </a:prstGeom>
+                <a:blipFill>
+                  <a:blip r:embed="rId21"/>
+                  <a:stretch>
+                    <a:fillRect/>
+                  </a:stretch>
+                </a:blipFill>
+              </p:spPr>
+              <p:txBody>
+                <a:bodyPr/>
+                <a:lstStyle/>
+                <a:p>
+                  <a:r>
+                    <a:rPr lang="en-US">
+                      <a:noFill/>
+                    </a:rPr>
+                    <a:t> </a:t>
+                  </a:r>
+                </a:p>
+              </p:txBody>
+            </p:sp>
+          </mc:Fallback>
+        </mc:AlternateContent>
+      </p:grpSp>
+      <p:pic>
+        <p:nvPicPr>
+          <p:cNvPr id="62" name="Picture 61">
+            <a:extLst>
+              <a:ext uri="{FF2B5EF4-FFF2-40B4-BE49-F238E27FC236}">
+                <a16:creationId xmlns:a16="http://schemas.microsoft.com/office/drawing/2014/main" id="{2F49C3CD-9B6E-0445-B653-4BED47829C5B}"/>
+              </a:ext>
+            </a:extLst>
+          </p:cNvPr>
+          <p:cNvPicPr>
+            <a:picLocks noChangeAspect="1"/>
+          </p:cNvPicPr>
+          <p:nvPr/>
+        </p:nvPicPr>
+        <p:blipFill>
+          <a:blip r:embed="rId22"/>
+          <a:stretch>
+            <a:fillRect/>
+          </a:stretch>
+        </p:blipFill>
+        <p:spPr>
+          <a:xfrm>
+            <a:off x="411028" y="8692076"/>
+            <a:ext cx="2958353" cy="2286000"/>
+          </a:xfrm>
+          <a:prstGeom prst="rect">
+            <a:avLst/>
+          </a:prstGeom>
+        </p:spPr>
+      </p:pic>
+      <p:grpSp>
+        <p:nvGrpSpPr>
+          <p:cNvPr id="63" name="Group 62">
+            <a:extLst>
+              <a:ext uri="{FF2B5EF4-FFF2-40B4-BE49-F238E27FC236}">
+                <a16:creationId xmlns:a16="http://schemas.microsoft.com/office/drawing/2014/main" id="{9200098B-1932-2847-A4EB-9D0F9782BE30}"/>
+              </a:ext>
+            </a:extLst>
+          </p:cNvPr>
+          <p:cNvGrpSpPr/>
+          <p:nvPr/>
+        </p:nvGrpSpPr>
+        <p:grpSpPr>
+          <a:xfrm>
+            <a:off x="802596" y="8692076"/>
+            <a:ext cx="2583528" cy="695108"/>
+            <a:chOff x="626289" y="7766068"/>
+            <a:chExt cx="2583528" cy="695108"/>
+          </a:xfrm>
+        </p:grpSpPr>
+        <p:sp>
+          <p:nvSpPr>
+            <p:cNvPr id="64" name="TextBox 63">
+              <a:extLst>
+                <a:ext uri="{FF2B5EF4-FFF2-40B4-BE49-F238E27FC236}">
+                  <a16:creationId xmlns:a16="http://schemas.microsoft.com/office/drawing/2014/main" id="{328495E8-37AE-4442-ACE3-B6B485D79729}"/>
+                </a:ext>
+              </a:extLst>
+            </p:cNvPr>
+            <p:cNvSpPr txBox="1"/>
+            <p:nvPr/>
+          </p:nvSpPr>
+          <p:spPr>
+            <a:xfrm>
+              <a:off x="626289" y="7766068"/>
+              <a:ext cx="2583528" cy="461665"/>
+            </a:xfrm>
+            <a:prstGeom prst="rect">
+              <a:avLst/>
+            </a:prstGeom>
+            <a:noFill/>
+          </p:spPr>
+          <p:txBody>
+            <a:bodyPr wrap="none" rtlCol="0">
+              <a:spAutoFit/>
+            </a:bodyPr>
+            <a:lstStyle/>
+            <a:p>
+              <a:r>
+                <a:rPr lang="en-US" sz="1200" dirty="0" err="1">
+                  <a:latin typeface="Times" pitchFamily="2" charset="0"/>
+                </a:rPr>
+                <a:t>Cov</a:t>
+              </a:r>
+              <a:r>
+                <a:rPr lang="en-US" sz="1200" baseline="-25000" dirty="0" err="1">
+                  <a:latin typeface="Times" pitchFamily="2" charset="0"/>
+                </a:rPr>
+                <a:t>GE</a:t>
+              </a:r>
+              <a:r>
+                <a:rPr lang="en-US" sz="1200" dirty="0">
+                  <a:latin typeface="Times" pitchFamily="2" charset="0"/>
+                </a:rPr>
+                <a:t> = 0.91 (0.62 – 0.96); P = 0.004</a:t>
+              </a:r>
+            </a:p>
+            <a:p>
+              <a:endParaRPr lang="en-US" sz="1200" dirty="0">
+                <a:latin typeface="Times" pitchFamily="2" charset="0"/>
+              </a:endParaRPr>
+            </a:p>
+          </p:txBody>
+        </p:sp>
+        <p:sp>
+          <p:nvSpPr>
+            <p:cNvPr id="65" name="TextBox 64">
+              <a:extLst>
+                <a:ext uri="{FF2B5EF4-FFF2-40B4-BE49-F238E27FC236}">
+                  <a16:creationId xmlns:a16="http://schemas.microsoft.com/office/drawing/2014/main" id="{2579A5F2-469C-1147-8C4E-5945AA65AE31}"/>
+                </a:ext>
+              </a:extLst>
+            </p:cNvPr>
+            <p:cNvSpPr txBox="1"/>
+            <p:nvPr/>
+          </p:nvSpPr>
+          <p:spPr>
+            <a:xfrm>
+              <a:off x="1120631" y="7999511"/>
+              <a:ext cx="1172885" cy="461665"/>
+            </a:xfrm>
+            <a:prstGeom prst="rect">
+              <a:avLst/>
+            </a:prstGeom>
+            <a:noFill/>
+          </p:spPr>
+          <p:txBody>
+            <a:bodyPr wrap="none" rtlCol="0">
+              <a:spAutoFit/>
+            </a:bodyPr>
+            <a:lstStyle/>
+            <a:p>
+              <a:r>
+                <a:rPr lang="en-US" sz="1200" dirty="0">
+                  <a:latin typeface="Times" pitchFamily="2" charset="0"/>
+                </a:rPr>
+                <a:t>= 0.12; P = 0.63</a:t>
+              </a:r>
+            </a:p>
+            <a:p>
+              <a:endParaRPr lang="en-US" sz="1200" dirty="0">
+                <a:latin typeface="Times" pitchFamily="2" charset="0"/>
+              </a:endParaRPr>
+            </a:p>
+          </p:txBody>
+        </p:sp>
+        <mc:AlternateContent xmlns:mc="http://schemas.openxmlformats.org/markup-compatibility/2006" xmlns:a14="http://schemas.microsoft.com/office/drawing/2010/main">
+          <mc:Choice Requires="a14">
+            <p:sp>
+              <p:nvSpPr>
+                <p:cNvPr id="66" name="TextBox 65">
+                  <a:extLst>
+                    <a:ext uri="{FF2B5EF4-FFF2-40B4-BE49-F238E27FC236}">
+                      <a16:creationId xmlns:a16="http://schemas.microsoft.com/office/drawing/2014/main" id="{D52B0E5A-281D-1E44-8FB6-DAFBB4BE227C}"/>
+                    </a:ext>
+                  </a:extLst>
+                </p:cNvPr>
+                <p:cNvSpPr txBox="1"/>
+                <p:nvPr/>
+              </p:nvSpPr>
+              <p:spPr>
+                <a:xfrm>
+                  <a:off x="638477" y="7971977"/>
+                  <a:ext cx="642034" cy="339132"/>
+                </a:xfrm>
+                <a:prstGeom prst="rect">
+                  <a:avLst/>
+                </a:prstGeom>
+                <a:noFill/>
+              </p:spPr>
+              <p:txBody>
+                <a:bodyPr wrap="none" rtlCol="0">
+                  <a:spAutoFit/>
+                </a:bodyPr>
+                <a:lstStyle/>
+                <a:p>
+                  <a:pPr/>
+                  <a14:m>
+                    <m:oMathPara xmlns:m="http://schemas.openxmlformats.org/officeDocument/2006/math">
+                      <m:oMathParaPr>
+                        <m:jc m:val="centerGroup"/>
+                      </m:oMathParaPr>
+                      <m:oMath xmlns:m="http://schemas.openxmlformats.org/officeDocument/2006/math">
+                        <m:sSub>
+                          <m:sSubPr>
+                            <m:ctrlPr>
+                              <a:rPr lang="en-US" sz="1600" i="1" smtClean="0">
+                                <a:latin typeface="Cambria Math" panose="02040503050406030204" pitchFamily="18" charset="0"/>
+                                <a:ea typeface="Cambria Math" panose="02040503050406030204" pitchFamily="18" charset="0"/>
+                              </a:rPr>
+                            </m:ctrlPr>
+                          </m:sSubPr>
+                          <m:e>
+                            <m:acc>
+                              <m:accPr>
+                                <m:chr m:val="̅"/>
+                                <m:ctrlPr>
+                                  <a:rPr lang="en-US" sz="1600" i="1" smtClean="0">
+                                    <a:latin typeface="Cambria Math" panose="02040503050406030204" pitchFamily="18" charset="0"/>
+                                    <a:ea typeface="Cambria Math" panose="02040503050406030204" pitchFamily="18" charset="0"/>
+                                  </a:rPr>
+                                </m:ctrlPr>
+                              </m:accPr>
+                              <m:e>
+                                <m:r>
+                                  <a:rPr lang="en-US" sz="1600" i="1">
+                                    <a:latin typeface="Cambria Math" panose="02040503050406030204" pitchFamily="18" charset="0"/>
+                                    <a:ea typeface="Cambria Math" panose="02040503050406030204" pitchFamily="18" charset="0"/>
+                                  </a:rPr>
+                                  <m:t>∆</m:t>
+                                </m:r>
+                              </m:e>
+                            </m:acc>
+                          </m:e>
+                          <m:sub>
+                            <m:r>
+                              <m:rPr>
+                                <m:sty m:val="p"/>
+                              </m:rPr>
+                              <a:rPr lang="en-US" sz="1600" b="0" i="0" smtClean="0">
+                                <a:latin typeface="Cambria Math" panose="02040503050406030204" pitchFamily="18" charset="0"/>
+                                <a:ea typeface="Cambria Math" panose="02040503050406030204" pitchFamily="18" charset="0"/>
+                              </a:rPr>
+                              <m:t>GxE</m:t>
+                            </m:r>
+                          </m:sub>
+                        </m:sSub>
+                      </m:oMath>
+                    </m:oMathPara>
+                  </a14:m>
+                  <a:endParaRPr lang="en-US" sz="1600" dirty="0"/>
+                </a:p>
+              </p:txBody>
+            </p:sp>
+          </mc:Choice>
+          <mc:Fallback xmlns="">
+            <p:sp>
+              <p:nvSpPr>
+                <p:cNvPr id="150" name="TextBox 149">
+                  <a:extLst>
+                    <a:ext uri="{FF2B5EF4-FFF2-40B4-BE49-F238E27FC236}">
+                      <a16:creationId xmlns:a16="http://schemas.microsoft.com/office/drawing/2014/main" id="{233D9382-B7D7-8C4E-9B40-FDE5B694B1F5}"/>
+                    </a:ext>
+                  </a:extLst>
+                </p:cNvPr>
+                <p:cNvSpPr txBox="1">
+                  <a:spLocks noRot="1" noChangeAspect="1" noMove="1" noResize="1" noEditPoints="1" noAdjustHandles="1" noChangeArrowheads="1" noChangeShapeType="1" noTextEdit="1"/>
+                </p:cNvSpPr>
+                <p:nvPr/>
+              </p:nvSpPr>
+              <p:spPr>
+                <a:xfrm>
+                  <a:off x="638477" y="7971977"/>
+                  <a:ext cx="642034" cy="339132"/>
+                </a:xfrm>
+                <a:prstGeom prst="rect">
+                  <a:avLst/>
+                </a:prstGeom>
+                <a:blipFill>
+                  <a:blip r:embed="rId23"/>
+                  <a:stretch>
+                    <a:fillRect/>
+                  </a:stretch>
+                </a:blipFill>
+              </p:spPr>
+              <p:txBody>
+                <a:bodyPr/>
+                <a:lstStyle/>
+                <a:p>
+                  <a:r>
+                    <a:rPr lang="en-US">
+                      <a:noFill/>
+                    </a:rPr>
+                    <a:t> </a:t>
+                  </a:r>
+                </a:p>
+              </p:txBody>
+            </p:sp>
+          </mc:Fallback>
+        </mc:AlternateContent>
+      </p:grpSp>
+      <p:pic>
+        <p:nvPicPr>
+          <p:cNvPr id="67" name="Picture 66">
+            <a:extLst>
+              <a:ext uri="{FF2B5EF4-FFF2-40B4-BE49-F238E27FC236}">
+                <a16:creationId xmlns:a16="http://schemas.microsoft.com/office/drawing/2014/main" id="{84725CAD-49CD-4348-8049-8BAB8F9617F1}"/>
+              </a:ext>
+            </a:extLst>
+          </p:cNvPr>
+          <p:cNvPicPr>
+            <a:picLocks noChangeAspect="1"/>
+          </p:cNvPicPr>
+          <p:nvPr/>
+        </p:nvPicPr>
+        <p:blipFill>
+          <a:blip r:embed="rId24"/>
+          <a:stretch>
+            <a:fillRect/>
+          </a:stretch>
+        </p:blipFill>
+        <p:spPr>
+          <a:xfrm>
+            <a:off x="411029" y="10331990"/>
+            <a:ext cx="2958353" cy="2286000"/>
+          </a:xfrm>
+          <a:prstGeom prst="rect">
+            <a:avLst/>
+          </a:prstGeom>
+        </p:spPr>
+      </p:pic>
+      <p:grpSp>
+        <p:nvGrpSpPr>
+          <p:cNvPr id="68" name="Group 67">
+            <a:extLst>
+              <a:ext uri="{FF2B5EF4-FFF2-40B4-BE49-F238E27FC236}">
+                <a16:creationId xmlns:a16="http://schemas.microsoft.com/office/drawing/2014/main" id="{7B35723C-26B3-6F41-8A4C-EBBB03FD5F8B}"/>
+              </a:ext>
+            </a:extLst>
+          </p:cNvPr>
+          <p:cNvGrpSpPr/>
+          <p:nvPr/>
+        </p:nvGrpSpPr>
+        <p:grpSpPr>
+          <a:xfrm>
+            <a:off x="799827" y="10384800"/>
+            <a:ext cx="2660472" cy="686143"/>
+            <a:chOff x="630487" y="10384800"/>
+            <a:chExt cx="2660472" cy="686143"/>
+          </a:xfrm>
+        </p:grpSpPr>
+        <p:sp>
+          <p:nvSpPr>
+            <p:cNvPr id="69" name="TextBox 68">
+              <a:extLst>
+                <a:ext uri="{FF2B5EF4-FFF2-40B4-BE49-F238E27FC236}">
+                  <a16:creationId xmlns:a16="http://schemas.microsoft.com/office/drawing/2014/main" id="{3C28506C-CD89-F04C-B4B6-519E00F422DF}"/>
+                </a:ext>
+              </a:extLst>
+            </p:cNvPr>
+            <p:cNvSpPr txBox="1"/>
+            <p:nvPr/>
+          </p:nvSpPr>
+          <p:spPr>
+            <a:xfrm>
+              <a:off x="630487" y="10384800"/>
+              <a:ext cx="2660472" cy="461665"/>
+            </a:xfrm>
+            <a:prstGeom prst="rect">
+              <a:avLst/>
+            </a:prstGeom>
+            <a:noFill/>
+          </p:spPr>
+          <p:txBody>
+            <a:bodyPr wrap="none" rtlCol="0">
+              <a:spAutoFit/>
+            </a:bodyPr>
+            <a:lstStyle/>
+            <a:p>
+              <a:r>
+                <a:rPr lang="en-US" sz="1200" dirty="0" err="1">
+                  <a:latin typeface="Times" pitchFamily="2" charset="0"/>
+                </a:rPr>
+                <a:t>Cov</a:t>
+              </a:r>
+              <a:r>
+                <a:rPr lang="en-US" sz="1200" baseline="-25000" dirty="0" err="1">
+                  <a:latin typeface="Times" pitchFamily="2" charset="0"/>
+                </a:rPr>
+                <a:t>GE</a:t>
+              </a:r>
+              <a:r>
+                <a:rPr lang="en-US" sz="1200" dirty="0">
+                  <a:latin typeface="Times" pitchFamily="2" charset="0"/>
+                </a:rPr>
+                <a:t> = -0.79 (-0.92 – -0.34); P = 0.02</a:t>
+              </a:r>
+            </a:p>
+            <a:p>
+              <a:endParaRPr lang="en-US" sz="1200" dirty="0">
+                <a:latin typeface="Times" pitchFamily="2" charset="0"/>
+              </a:endParaRPr>
+            </a:p>
+          </p:txBody>
+        </p:sp>
+        <p:sp>
+          <p:nvSpPr>
+            <p:cNvPr id="70" name="TextBox 69">
+              <a:extLst>
+                <a:ext uri="{FF2B5EF4-FFF2-40B4-BE49-F238E27FC236}">
+                  <a16:creationId xmlns:a16="http://schemas.microsoft.com/office/drawing/2014/main" id="{561BC6B4-9047-AB43-BDCB-AF6BC83A9FD7}"/>
+                </a:ext>
+              </a:extLst>
+            </p:cNvPr>
+            <p:cNvSpPr txBox="1"/>
+            <p:nvPr/>
+          </p:nvSpPr>
+          <p:spPr>
+            <a:xfrm>
+              <a:off x="1124829" y="10609278"/>
+              <a:ext cx="1172885" cy="461665"/>
+            </a:xfrm>
+            <a:prstGeom prst="rect">
+              <a:avLst/>
+            </a:prstGeom>
+            <a:noFill/>
+          </p:spPr>
+          <p:txBody>
+            <a:bodyPr wrap="none" rtlCol="0">
+              <a:spAutoFit/>
+            </a:bodyPr>
+            <a:lstStyle/>
+            <a:p>
+              <a:r>
+                <a:rPr lang="en-US" sz="1200" dirty="0">
+                  <a:latin typeface="Times" pitchFamily="2" charset="0"/>
+                </a:rPr>
+                <a:t>= 0.20; P = 0.91</a:t>
+              </a:r>
+            </a:p>
+            <a:p>
+              <a:endParaRPr lang="en-US" sz="1200" dirty="0">
+                <a:latin typeface="Times" pitchFamily="2" charset="0"/>
+              </a:endParaRPr>
+            </a:p>
+          </p:txBody>
+        </p:sp>
+        <mc:AlternateContent xmlns:mc="http://schemas.openxmlformats.org/markup-compatibility/2006" xmlns:a14="http://schemas.microsoft.com/office/drawing/2010/main">
+          <mc:Choice Requires="a14">
+            <p:sp>
+              <p:nvSpPr>
+                <p:cNvPr id="71" name="TextBox 70">
+                  <a:extLst>
+                    <a:ext uri="{FF2B5EF4-FFF2-40B4-BE49-F238E27FC236}">
+                      <a16:creationId xmlns:a16="http://schemas.microsoft.com/office/drawing/2014/main" id="{8B06F02F-17B1-DE42-BBE6-80DA02F2020A}"/>
+                    </a:ext>
+                  </a:extLst>
+                </p:cNvPr>
+                <p:cNvSpPr txBox="1"/>
+                <p:nvPr/>
+              </p:nvSpPr>
+              <p:spPr>
+                <a:xfrm>
+                  <a:off x="642675" y="10590709"/>
+                  <a:ext cx="642034" cy="339132"/>
+                </a:xfrm>
+                <a:prstGeom prst="rect">
+                  <a:avLst/>
+                </a:prstGeom>
+                <a:noFill/>
+              </p:spPr>
+              <p:txBody>
+                <a:bodyPr wrap="none" rtlCol="0">
+                  <a:spAutoFit/>
+                </a:bodyPr>
+                <a:lstStyle/>
+                <a:p>
+                  <a:pPr/>
+                  <a14:m>
+                    <m:oMathPara xmlns:m="http://schemas.openxmlformats.org/officeDocument/2006/math">
+                      <m:oMathParaPr>
+                        <m:jc m:val="centerGroup"/>
+                      </m:oMathParaPr>
+                      <m:oMath xmlns:m="http://schemas.openxmlformats.org/officeDocument/2006/math">
+                        <m:sSub>
+                          <m:sSubPr>
+                            <m:ctrlPr>
+                              <a:rPr lang="en-US" sz="1600" i="1" smtClean="0">
+                                <a:latin typeface="Cambria Math" panose="02040503050406030204" pitchFamily="18" charset="0"/>
+                                <a:ea typeface="Cambria Math" panose="02040503050406030204" pitchFamily="18" charset="0"/>
+                              </a:rPr>
+                            </m:ctrlPr>
+                          </m:sSubPr>
+                          <m:e>
+                            <m:acc>
+                              <m:accPr>
+                                <m:chr m:val="̅"/>
+                                <m:ctrlPr>
+                                  <a:rPr lang="en-US" sz="1600" i="1" smtClean="0">
+                                    <a:latin typeface="Cambria Math" panose="02040503050406030204" pitchFamily="18" charset="0"/>
+                                    <a:ea typeface="Cambria Math" panose="02040503050406030204" pitchFamily="18" charset="0"/>
+                                  </a:rPr>
+                                </m:ctrlPr>
+                              </m:accPr>
+                              <m:e>
+                                <m:r>
+                                  <a:rPr lang="en-US" sz="1600" i="1">
+                                    <a:latin typeface="Cambria Math" panose="02040503050406030204" pitchFamily="18" charset="0"/>
+                                    <a:ea typeface="Cambria Math" panose="02040503050406030204" pitchFamily="18" charset="0"/>
+                                  </a:rPr>
+                                  <m:t>∆</m:t>
+                                </m:r>
+                              </m:e>
+                            </m:acc>
+                          </m:e>
+                          <m:sub>
+                            <m:r>
+                              <m:rPr>
+                                <m:sty m:val="p"/>
+                              </m:rPr>
+                              <a:rPr lang="en-US" sz="1600" b="0" i="0" smtClean="0">
+                                <a:latin typeface="Cambria Math" panose="02040503050406030204" pitchFamily="18" charset="0"/>
+                                <a:ea typeface="Cambria Math" panose="02040503050406030204" pitchFamily="18" charset="0"/>
+                              </a:rPr>
+                              <m:t>GxE</m:t>
+                            </m:r>
+                          </m:sub>
+                        </m:sSub>
+                      </m:oMath>
+                    </m:oMathPara>
+                  </a14:m>
+                  <a:endParaRPr lang="en-US" sz="1600" dirty="0"/>
+                </a:p>
+              </p:txBody>
+            </p:sp>
+          </mc:Choice>
+          <mc:Fallback xmlns="">
+            <p:sp>
+              <p:nvSpPr>
+                <p:cNvPr id="153" name="TextBox 152">
+                  <a:extLst>
+                    <a:ext uri="{FF2B5EF4-FFF2-40B4-BE49-F238E27FC236}">
+                      <a16:creationId xmlns:a16="http://schemas.microsoft.com/office/drawing/2014/main" id="{5AA7DA52-DCDD-374E-9E87-D036B2BDA6D0}"/>
+                    </a:ext>
+                  </a:extLst>
+                </p:cNvPr>
+                <p:cNvSpPr txBox="1">
+                  <a:spLocks noRot="1" noChangeAspect="1" noMove="1" noResize="1" noEditPoints="1" noAdjustHandles="1" noChangeArrowheads="1" noChangeShapeType="1" noTextEdit="1"/>
+                </p:cNvSpPr>
+                <p:nvPr/>
+              </p:nvSpPr>
+              <p:spPr>
+                <a:xfrm>
+                  <a:off x="642675" y="10590709"/>
+                  <a:ext cx="642034" cy="339132"/>
+                </a:xfrm>
+                <a:prstGeom prst="rect">
+                  <a:avLst/>
+                </a:prstGeom>
+                <a:blipFill>
+                  <a:blip r:embed="rId25"/>
+                  <a:stretch>
+                    <a:fillRect/>
+                  </a:stretch>
+                </a:blipFill>
+              </p:spPr>
+              <p:txBody>
+                <a:bodyPr/>
+                <a:lstStyle/>
+                <a:p>
+                  <a:r>
+                    <a:rPr lang="en-US">
+                      <a:noFill/>
+                    </a:rPr>
+                    <a:t> </a:t>
+                  </a:r>
+                </a:p>
+              </p:txBody>
+            </p:sp>
+          </mc:Fallback>
+        </mc:AlternateContent>
+      </p:grpSp>
+      <p:pic>
+        <p:nvPicPr>
+          <p:cNvPr id="72" name="Picture 71">
+            <a:extLst>
+              <a:ext uri="{FF2B5EF4-FFF2-40B4-BE49-F238E27FC236}">
+                <a16:creationId xmlns:a16="http://schemas.microsoft.com/office/drawing/2014/main" id="{F9E22016-44ED-E346-93F3-1BC46B97C2C5}"/>
+              </a:ext>
+            </a:extLst>
+          </p:cNvPr>
+          <p:cNvPicPr>
+            <a:picLocks noChangeAspect="1"/>
+          </p:cNvPicPr>
+          <p:nvPr/>
+        </p:nvPicPr>
+        <p:blipFill>
+          <a:blip r:embed="rId26"/>
+          <a:stretch>
+            <a:fillRect/>
+          </a:stretch>
+        </p:blipFill>
+        <p:spPr>
+          <a:xfrm>
+            <a:off x="3668793" y="10331990"/>
+            <a:ext cx="2958353" cy="2286000"/>
+          </a:xfrm>
+          <a:prstGeom prst="rect">
+            <a:avLst/>
+          </a:prstGeom>
+        </p:spPr>
+      </p:pic>
+      <p:grpSp>
+        <p:nvGrpSpPr>
+          <p:cNvPr id="73" name="Group 72">
+            <a:extLst>
+              <a:ext uri="{FF2B5EF4-FFF2-40B4-BE49-F238E27FC236}">
+                <a16:creationId xmlns:a16="http://schemas.microsoft.com/office/drawing/2014/main" id="{22C8873E-A312-CB43-87D7-DFFEB0926D78}"/>
+              </a:ext>
+            </a:extLst>
+          </p:cNvPr>
+          <p:cNvGrpSpPr/>
+          <p:nvPr/>
+        </p:nvGrpSpPr>
+        <p:grpSpPr>
+          <a:xfrm>
+            <a:off x="4062098" y="10366578"/>
+            <a:ext cx="2666214" cy="677178"/>
+            <a:chOff x="4062098" y="10366578"/>
+            <a:chExt cx="2666214" cy="677178"/>
+          </a:xfrm>
+        </p:grpSpPr>
+        <p:sp>
+          <p:nvSpPr>
+            <p:cNvPr id="74" name="TextBox 73">
+              <a:extLst>
+                <a:ext uri="{FF2B5EF4-FFF2-40B4-BE49-F238E27FC236}">
+                  <a16:creationId xmlns:a16="http://schemas.microsoft.com/office/drawing/2014/main" id="{2632C77D-3320-9B4C-9F18-7F8E8D7BAD5B}"/>
+                </a:ext>
+              </a:extLst>
+            </p:cNvPr>
+            <p:cNvSpPr txBox="1"/>
+            <p:nvPr/>
+          </p:nvSpPr>
+          <p:spPr>
+            <a:xfrm>
+              <a:off x="4067840" y="10366578"/>
+              <a:ext cx="2660472" cy="461665"/>
+            </a:xfrm>
+            <a:prstGeom prst="rect">
+              <a:avLst/>
+            </a:prstGeom>
+            <a:noFill/>
+          </p:spPr>
+          <p:txBody>
+            <a:bodyPr wrap="none" rtlCol="0">
+              <a:spAutoFit/>
+            </a:bodyPr>
+            <a:lstStyle/>
+            <a:p>
+              <a:r>
+                <a:rPr lang="en-US" sz="1200" dirty="0" err="1">
+                  <a:latin typeface="Times" pitchFamily="2" charset="0"/>
+                </a:rPr>
+                <a:t>Cov</a:t>
+              </a:r>
+              <a:r>
+                <a:rPr lang="en-US" sz="1200" baseline="-25000" dirty="0" err="1">
+                  <a:latin typeface="Times" pitchFamily="2" charset="0"/>
+                </a:rPr>
+                <a:t>GE</a:t>
+              </a:r>
+              <a:r>
+                <a:rPr lang="en-US" sz="1200" dirty="0">
+                  <a:latin typeface="Times" pitchFamily="2" charset="0"/>
+                </a:rPr>
+                <a:t> = -0.81 (-0.96 – -0.47); P = 0.01</a:t>
+              </a:r>
+            </a:p>
+            <a:p>
+              <a:endParaRPr lang="en-US" sz="1200" dirty="0">
+                <a:latin typeface="Times" pitchFamily="2" charset="0"/>
+              </a:endParaRPr>
+            </a:p>
+          </p:txBody>
+        </p:sp>
+        <p:sp>
+          <p:nvSpPr>
+            <p:cNvPr id="75" name="TextBox 74">
+              <a:extLst>
+                <a:ext uri="{FF2B5EF4-FFF2-40B4-BE49-F238E27FC236}">
+                  <a16:creationId xmlns:a16="http://schemas.microsoft.com/office/drawing/2014/main" id="{BA450889-3210-614A-A4D0-DCFF6E143973}"/>
+                </a:ext>
+              </a:extLst>
+            </p:cNvPr>
+            <p:cNvSpPr txBox="1"/>
+            <p:nvPr/>
+          </p:nvSpPr>
+          <p:spPr>
+            <a:xfrm>
+              <a:off x="4562182" y="10582091"/>
+              <a:ext cx="980525" cy="461665"/>
+            </a:xfrm>
+            <a:prstGeom prst="rect">
+              <a:avLst/>
+            </a:prstGeom>
+            <a:noFill/>
+          </p:spPr>
+          <p:txBody>
+            <a:bodyPr wrap="none" rtlCol="0">
+              <a:spAutoFit/>
+            </a:bodyPr>
+            <a:lstStyle/>
+            <a:p>
+              <a:r>
+                <a:rPr lang="en-US" sz="1200" dirty="0">
+                  <a:latin typeface="Times" pitchFamily="2" charset="0"/>
+                </a:rPr>
+                <a:t>= 0.92; P = 0</a:t>
+              </a:r>
+            </a:p>
+            <a:p>
+              <a:endParaRPr lang="en-US" sz="1200" dirty="0">
+                <a:latin typeface="Times" pitchFamily="2" charset="0"/>
+              </a:endParaRPr>
+            </a:p>
+          </p:txBody>
+        </p:sp>
+        <mc:AlternateContent xmlns:mc="http://schemas.openxmlformats.org/markup-compatibility/2006" xmlns:a14="http://schemas.microsoft.com/office/drawing/2010/main">
+          <mc:Choice Requires="a14">
+            <p:sp>
+              <p:nvSpPr>
+                <p:cNvPr id="76" name="TextBox 75">
+                  <a:extLst>
+                    <a:ext uri="{FF2B5EF4-FFF2-40B4-BE49-F238E27FC236}">
+                      <a16:creationId xmlns:a16="http://schemas.microsoft.com/office/drawing/2014/main" id="{16594F21-9E7D-244C-9E14-86180C558A0D}"/>
+                    </a:ext>
+                  </a:extLst>
+                </p:cNvPr>
+                <p:cNvSpPr txBox="1"/>
+                <p:nvPr/>
+              </p:nvSpPr>
+              <p:spPr>
+                <a:xfrm>
+                  <a:off x="4062098" y="10572487"/>
+                  <a:ext cx="642034" cy="339132"/>
+                </a:xfrm>
+                <a:prstGeom prst="rect">
+                  <a:avLst/>
+                </a:prstGeom>
+                <a:noFill/>
+              </p:spPr>
+              <p:txBody>
+                <a:bodyPr wrap="none" rtlCol="0">
+                  <a:spAutoFit/>
+                </a:bodyPr>
+                <a:lstStyle/>
+                <a:p>
+                  <a:pPr/>
+                  <a14:m>
+                    <m:oMathPara xmlns:m="http://schemas.openxmlformats.org/officeDocument/2006/math">
+                      <m:oMathParaPr>
+                        <m:jc m:val="centerGroup"/>
+                      </m:oMathParaPr>
+                      <m:oMath xmlns:m="http://schemas.openxmlformats.org/officeDocument/2006/math">
+                        <m:sSub>
+                          <m:sSubPr>
+                            <m:ctrlPr>
+                              <a:rPr lang="en-US" sz="1600" i="1" smtClean="0">
+                                <a:latin typeface="Cambria Math" panose="02040503050406030204" pitchFamily="18" charset="0"/>
+                                <a:ea typeface="Cambria Math" panose="02040503050406030204" pitchFamily="18" charset="0"/>
+                              </a:rPr>
+                            </m:ctrlPr>
+                          </m:sSubPr>
+                          <m:e>
+                            <m:acc>
+                              <m:accPr>
+                                <m:chr m:val="̅"/>
+                                <m:ctrlPr>
+                                  <a:rPr lang="en-US" sz="1600" i="1" smtClean="0">
+                                    <a:latin typeface="Cambria Math" panose="02040503050406030204" pitchFamily="18" charset="0"/>
+                                    <a:ea typeface="Cambria Math" panose="02040503050406030204" pitchFamily="18" charset="0"/>
+                                  </a:rPr>
+                                </m:ctrlPr>
+                              </m:accPr>
+                              <m:e>
+                                <m:r>
+                                  <a:rPr lang="en-US" sz="1600" i="1">
+                                    <a:latin typeface="Cambria Math" panose="02040503050406030204" pitchFamily="18" charset="0"/>
+                                    <a:ea typeface="Cambria Math" panose="02040503050406030204" pitchFamily="18" charset="0"/>
+                                  </a:rPr>
+                                  <m:t>∆</m:t>
+                                </m:r>
+                              </m:e>
+                            </m:acc>
+                          </m:e>
+                          <m:sub>
+                            <m:r>
+                              <m:rPr>
+                                <m:sty m:val="p"/>
+                              </m:rPr>
+                              <a:rPr lang="en-US" sz="1600" b="0" i="0" smtClean="0">
+                                <a:latin typeface="Cambria Math" panose="02040503050406030204" pitchFamily="18" charset="0"/>
+                                <a:ea typeface="Cambria Math" panose="02040503050406030204" pitchFamily="18" charset="0"/>
+                              </a:rPr>
+                              <m:t>GxE</m:t>
+                            </m:r>
+                          </m:sub>
+                        </m:sSub>
+                      </m:oMath>
+                    </m:oMathPara>
+                  </a14:m>
+                  <a:endParaRPr lang="en-US" sz="1600" dirty="0"/>
+                </a:p>
+              </p:txBody>
+            </p:sp>
+          </mc:Choice>
+          <mc:Fallback xmlns="">
+            <p:sp>
+              <p:nvSpPr>
+                <p:cNvPr id="157" name="TextBox 156">
+                  <a:extLst>
+                    <a:ext uri="{FF2B5EF4-FFF2-40B4-BE49-F238E27FC236}">
+                      <a16:creationId xmlns:a16="http://schemas.microsoft.com/office/drawing/2014/main" id="{4AE2C63E-0792-584D-B507-B4FD50652CD4}"/>
+                    </a:ext>
+                  </a:extLst>
+                </p:cNvPr>
+                <p:cNvSpPr txBox="1">
+                  <a:spLocks noRot="1" noChangeAspect="1" noMove="1" noResize="1" noEditPoints="1" noAdjustHandles="1" noChangeArrowheads="1" noChangeShapeType="1" noTextEdit="1"/>
+                </p:cNvSpPr>
+                <p:nvPr/>
+              </p:nvSpPr>
+              <p:spPr>
+                <a:xfrm>
+                  <a:off x="4062098" y="10572487"/>
+                  <a:ext cx="642034" cy="339132"/>
+                </a:xfrm>
+                <a:prstGeom prst="rect">
+                  <a:avLst/>
+                </a:prstGeom>
+                <a:blipFill>
+                  <a:blip r:embed="rId27"/>
+                  <a:stretch>
+                    <a:fillRect/>
+                  </a:stretch>
+                </a:blipFill>
+              </p:spPr>
+              <p:txBody>
+                <a:bodyPr/>
+                <a:lstStyle/>
+                <a:p>
+                  <a:r>
+                    <a:rPr lang="en-US">
+                      <a:noFill/>
+                    </a:rPr>
+                    <a:t> </a:t>
+                  </a:r>
+                </a:p>
+              </p:txBody>
+            </p:sp>
+          </mc:Fallback>
+        </mc:AlternateContent>
+      </p:grpSp>
+      <p:pic>
+        <p:nvPicPr>
+          <p:cNvPr id="77" name="Picture 76">
+            <a:extLst>
+              <a:ext uri="{FF2B5EF4-FFF2-40B4-BE49-F238E27FC236}">
+                <a16:creationId xmlns:a16="http://schemas.microsoft.com/office/drawing/2014/main" id="{2D3E9D33-55E2-D44F-9DAE-708C8FE6A19C}"/>
+              </a:ext>
+            </a:extLst>
+          </p:cNvPr>
+          <p:cNvPicPr>
+            <a:picLocks noChangeAspect="1"/>
+          </p:cNvPicPr>
+          <p:nvPr/>
+        </p:nvPicPr>
+        <p:blipFill rotWithShape="1">
+          <a:blip r:embed="rId28"/>
+          <a:srcRect l="24260" t="83461" r="8612" b="6022"/>
+          <a:stretch/>
+        </p:blipFill>
+        <p:spPr>
+          <a:xfrm>
+            <a:off x="4522004" y="4643526"/>
+            <a:ext cx="1985910" cy="240409"/>
+          </a:xfrm>
+          <a:prstGeom prst="rect">
+            <a:avLst/>
+          </a:prstGeom>
+          <a:ln>
+            <a:solidFill>
+              <a:schemeClr val="tx1"/>
+            </a:solidFill>
+          </a:ln>
+        </p:spPr>
+      </p:pic>
+      <p:pic>
+        <p:nvPicPr>
+          <p:cNvPr id="78" name="Picture 77">
+            <a:extLst>
+              <a:ext uri="{FF2B5EF4-FFF2-40B4-BE49-F238E27FC236}">
+                <a16:creationId xmlns:a16="http://schemas.microsoft.com/office/drawing/2014/main" id="{FB6B2AA2-599C-4E4D-AB78-3E3023F38401}"/>
+              </a:ext>
+            </a:extLst>
+          </p:cNvPr>
+          <p:cNvPicPr>
+            <a:picLocks noChangeAspect="1"/>
+          </p:cNvPicPr>
+          <p:nvPr/>
+        </p:nvPicPr>
+        <p:blipFill rotWithShape="1">
+          <a:blip r:embed="rId29"/>
+          <a:srcRect l="23360" t="87104" r="8756" b="6457"/>
+          <a:stretch/>
+        </p:blipFill>
+        <p:spPr>
+          <a:xfrm>
+            <a:off x="4503066" y="8446723"/>
+            <a:ext cx="2008239" cy="147201"/>
+          </a:xfrm>
+          <a:prstGeom prst="rect">
+            <a:avLst/>
+          </a:prstGeom>
+          <a:ln>
+            <a:solidFill>
+              <a:schemeClr val="tx1"/>
+            </a:solidFill>
+          </a:ln>
+        </p:spPr>
+      </p:pic>
+      <p:sp>
+        <p:nvSpPr>
+          <p:cNvPr id="79" name="TextBox 78">
+            <a:extLst>
+              <a:ext uri="{FF2B5EF4-FFF2-40B4-BE49-F238E27FC236}">
+                <a16:creationId xmlns:a16="http://schemas.microsoft.com/office/drawing/2014/main" id="{10ED34B7-ECC7-AC4E-844F-CF6E3C5040D9}"/>
+              </a:ext>
+            </a:extLst>
+          </p:cNvPr>
+          <p:cNvSpPr txBox="1"/>
+          <p:nvPr/>
+        </p:nvSpPr>
+        <p:spPr>
+          <a:xfrm>
+            <a:off x="-109483" y="4562479"/>
+            <a:ext cx="609909" cy="369332"/>
+          </a:xfrm>
+          <a:prstGeom prst="rect">
+            <a:avLst/>
+          </a:prstGeom>
+          <a:noFill/>
+          <a:ln>
+            <a:noFill/>
+          </a:ln>
+        </p:spPr>
+        <p:txBody>
+          <a:bodyPr wrap="square" rtlCol="0">
+            <a:spAutoFit/>
+          </a:bodyPr>
+          <a:lstStyle/>
+          <a:p>
+            <a:pPr algn="ctr"/>
+            <a:r>
+              <a:rPr lang="en-US" dirty="0">
+                <a:latin typeface="Times" pitchFamily="2" charset="0"/>
+              </a:rPr>
+              <a:t>B</a:t>
+            </a:r>
+          </a:p>
+        </p:txBody>
+      </p:sp>
+      <p:sp>
+        <p:nvSpPr>
+          <p:cNvPr id="80" name="TextBox 79">
+            <a:extLst>
+              <a:ext uri="{FF2B5EF4-FFF2-40B4-BE49-F238E27FC236}">
+                <a16:creationId xmlns:a16="http://schemas.microsoft.com/office/drawing/2014/main" id="{57E48ED9-D02C-CC4F-8AD9-00374D57D420}"/>
+              </a:ext>
+            </a:extLst>
+          </p:cNvPr>
+          <p:cNvSpPr txBox="1"/>
+          <p:nvPr/>
+        </p:nvSpPr>
+        <p:spPr>
+          <a:xfrm>
+            <a:off x="-101865" y="312892"/>
+            <a:ext cx="609909" cy="369332"/>
+          </a:xfrm>
+          <a:prstGeom prst="rect">
+            <a:avLst/>
+          </a:prstGeom>
+          <a:noFill/>
+          <a:ln>
+            <a:noFill/>
+          </a:ln>
+        </p:spPr>
+        <p:txBody>
+          <a:bodyPr wrap="square" rtlCol="0">
+            <a:spAutoFit/>
+          </a:bodyPr>
+          <a:lstStyle/>
+          <a:p>
+            <a:pPr algn="ctr"/>
+            <a:r>
+              <a:rPr lang="en-US" dirty="0">
+                <a:latin typeface="Times" pitchFamily="2" charset="0"/>
+              </a:rPr>
+              <a:t>A</a:t>
+            </a:r>
+          </a:p>
+        </p:txBody>
+      </p:sp>
+      <p:sp>
+        <p:nvSpPr>
+          <p:cNvPr id="81" name="TextBox 80">
+            <a:extLst>
+              <a:ext uri="{FF2B5EF4-FFF2-40B4-BE49-F238E27FC236}">
+                <a16:creationId xmlns:a16="http://schemas.microsoft.com/office/drawing/2014/main" id="{79D6B755-584E-8548-A069-EF2B48A3CE51}"/>
+              </a:ext>
+            </a:extLst>
+          </p:cNvPr>
+          <p:cNvSpPr txBox="1"/>
+          <p:nvPr/>
+        </p:nvSpPr>
+        <p:spPr>
+          <a:xfrm>
+            <a:off x="-112925" y="8356677"/>
+            <a:ext cx="609909" cy="369332"/>
+          </a:xfrm>
+          <a:prstGeom prst="rect">
+            <a:avLst/>
+          </a:prstGeom>
+          <a:noFill/>
+          <a:ln>
+            <a:noFill/>
+          </a:ln>
+        </p:spPr>
+        <p:txBody>
+          <a:bodyPr wrap="square" rtlCol="0">
+            <a:spAutoFit/>
+          </a:bodyPr>
+          <a:lstStyle/>
+          <a:p>
+            <a:pPr algn="ctr"/>
+            <a:r>
+              <a:rPr lang="en-US" dirty="0">
+                <a:latin typeface="Times" pitchFamily="2" charset="0"/>
+              </a:rPr>
+              <a:t>C</a:t>
+            </a:r>
+          </a:p>
+        </p:txBody>
+      </p:sp>
+    </p:spTree>
+    <p:extLst>
+      <p:ext uri="{BB962C8B-B14F-4D97-AF65-F5344CB8AC3E}">
+        <p14:creationId xmlns:p14="http://schemas.microsoft.com/office/powerpoint/2010/main" val="466342574"/>
+      </p:ext>
+    </p:extLst>
+  </p:cSld>
+  <p:clrMapOvr>
+    <a:masterClrMapping/>
+  </p:clrMapOvr>
+</p:sld>
+</file>
+
 <file path=ppt/theme/theme1.xml><?xml version="1.0" encoding="utf-8"?>
 <a:theme xmlns:a="http://schemas.openxmlformats.org/drawingml/2006/main" name="Office Theme">
   <a:themeElements>
@@ -6259,4 +10839,299 @@
     </a:ext>
   </a:extLst>
 </a:theme>
+</file>
+
+<file path=ppt/theme/theme2.xml><?xml version="1.0" encoding="utf-8"?>
+<a:theme xmlns:a="http://schemas.openxmlformats.org/drawingml/2006/main" name="Office Theme">
+  <a:themeElements>
+    <a:clrScheme name="Office">
+      <a:dk1>
+        <a:sysClr val="windowText" lastClr="000000"/>
+      </a:dk1>
+      <a:lt1>
+        <a:sysClr val="window" lastClr="FFFFFF"/>
+      </a:lt1>
+      <a:dk2>
+        <a:srgbClr val="44546A"/>
+      </a:dk2>
+      <a:lt2>
+        <a:srgbClr val="E7E6E6"/>
+      </a:lt2>
+      <a:accent1>
+        <a:srgbClr val="4472C4"/>
+      </a:accent1>
+      <a:accent2>
+        <a:srgbClr val="ED7D31"/>
+      </a:accent2>
+      <a:accent3>
+        <a:srgbClr val="A5A5A5"/>
+      </a:accent3>
+      <a:accent4>
+        <a:srgbClr val="FFC000"/>
+      </a:accent4>
+      <a:accent5>
+        <a:srgbClr val="5B9BD5"/>
+      </a:accent5>
+      <a:accent6>
+        <a:srgbClr val="70AD47"/>
+      </a:accent6>
+      <a:hlink>
+        <a:srgbClr val="0563C1"/>
+      </a:hlink>
+      <a:folHlink>
+        <a:srgbClr val="954F72"/>
+      </a:folHlink>
+    </a:clrScheme>
+    <a:fontScheme name="Office">
+      <a:majorFont>
+        <a:latin typeface="Calibri Light" panose="020F0302020204030204"/>
+        <a:ea typeface=""/>
+        <a:cs typeface=""/>
+        <a:font script="Jpan" typeface="游ゴシック Light"/>
+        <a:font script="Hang" typeface="맑은 고딕"/>
+        <a:font script="Hans" typeface="等线 Light"/>
+        <a:font script="Hant" typeface="新細明體"/>
+        <a:font script="Arab" typeface="Times New Roman"/>
+        <a:font script="Hebr" typeface="Times New Roman"/>
+        <a:font script="Thai" typeface="Angsana New"/>
+        <a:font script="Ethi" typeface="Nyala"/>
+        <a:font script="Beng" typeface="Vrinda"/>
+        <a:font script="Gujr" typeface="Shruti"/>
+        <a:font script="Khmr" typeface="MoolBoran"/>
+        <a:font script="Knda" typeface="Tunga"/>
+        <a:font script="Guru" typeface="Raavi"/>
+        <a:font script="Cans" typeface="Euphemia"/>
+        <a:font script="Cher" typeface="Plantagenet Cherokee"/>
+        <a:font script="Yiii" typeface="Microsoft Yi Baiti"/>
+        <a:font script="Tibt" typeface="Microsoft Himalaya"/>
+        <a:font script="Thaa" typeface="MV Boli"/>
+        <a:font script="Deva" typeface="Mangal"/>
+        <a:font script="Telu" typeface="Gautami"/>
+        <a:font script="Taml" typeface="Latha"/>
+        <a:font script="Syrc" typeface="Estrangelo Edessa"/>
+        <a:font script="Orya" typeface="Kalinga"/>
+        <a:font script="Mlym" typeface="Kartika"/>
+        <a:font script="Laoo" typeface="DokChampa"/>
+        <a:font script="Sinh" typeface="Iskoola Pota"/>
+        <a:font script="Mong" typeface="Mongolian Baiti"/>
+        <a:font script="Viet" typeface="Times New Roman"/>
+        <a:font script="Uigh" typeface="Microsoft Uighur"/>
+        <a:font script="Geor" typeface="Sylfaen"/>
+        <a:font script="Armn" typeface="Arial"/>
+        <a:font script="Bugi" typeface="Leelawadee UI"/>
+        <a:font script="Bopo" typeface="Microsoft JhengHei"/>
+        <a:font script="Java" typeface="Javanese Text"/>
+        <a:font script="Lisu" typeface="Segoe UI"/>
+        <a:font script="Mymr" typeface="Myanmar Text"/>
+        <a:font script="Nkoo" typeface="Ebrima"/>
+        <a:font script="Olck" typeface="Nirmala UI"/>
+        <a:font script="Osma" typeface="Ebrima"/>
+        <a:font script="Phag" typeface="Phagspa"/>
+        <a:font script="Syrn" typeface="Estrangelo Edessa"/>
+        <a:font script="Syrj" typeface="Estrangelo Edessa"/>
+        <a:font script="Syre" typeface="Estrangelo Edessa"/>
+        <a:font script="Sora" typeface="Nirmala UI"/>
+        <a:font script="Tale" typeface="Microsoft Tai Le"/>
+        <a:font script="Talu" typeface="Microsoft New Tai Lue"/>
+        <a:font script="Tfng" typeface="Ebrima"/>
+      </a:majorFont>
+      <a:minorFont>
+        <a:latin typeface="Calibri" panose="020F0502020204030204"/>
+        <a:ea typeface=""/>
+        <a:cs typeface=""/>
+        <a:font script="Jpan" typeface="游ゴシック"/>
+        <a:font script="Hang" typeface="맑은 고딕"/>
+        <a:font script="Hans" typeface="等线"/>
+        <a:font script="Hant" typeface="新細明體"/>
+        <a:font script="Arab" typeface="Arial"/>
+        <a:font script="Hebr" typeface="Arial"/>
+        <a:font script="Thai" typeface="Cordia New"/>
+        <a:font script="Ethi" typeface="Nyala"/>
+        <a:font script="Beng" typeface="Vrinda"/>
+        <a:font script="Gujr" typeface="Shruti"/>
+        <a:font script="Khmr" typeface="DaunPenh"/>
+        <a:font script="Knda" typeface="Tunga"/>
+        <a:font script="Guru" typeface="Raavi"/>
+        <a:font script="Cans" typeface="Euphemia"/>
+        <a:font script="Cher" typeface="Plantagenet Cherokee"/>
+        <a:font script="Yiii" typeface="Microsoft Yi Baiti"/>
+        <a:font script="Tibt" typeface="Microsoft Himalaya"/>
+        <a:font script="Thaa" typeface="MV Boli"/>
+        <a:font script="Deva" typeface="Mangal"/>
+        <a:font script="Telu" typeface="Gautami"/>
+        <a:font script="Taml" typeface="Latha"/>
+        <a:font script="Syrc" typeface="Estrangelo Edessa"/>
+        <a:font script="Orya" typeface="Kalinga"/>
+        <a:font script="Mlym" typeface="Kartika"/>
+        <a:font script="Laoo" typeface="DokChampa"/>
+        <a:font script="Sinh" typeface="Iskoola Pota"/>
+        <a:font script="Mong" typeface="Mongolian Baiti"/>
+        <a:font script="Viet" typeface="Arial"/>
+        <a:font script="Uigh" typeface="Microsoft Uighur"/>
+        <a:font script="Geor" typeface="Sylfaen"/>
+        <a:font script="Armn" typeface="Arial"/>
+        <a:font script="Bugi" typeface="Leelawadee UI"/>
+        <a:font script="Bopo" typeface="Microsoft JhengHei"/>
+        <a:font script="Java" typeface="Javanese Text"/>
+        <a:font script="Lisu" typeface="Segoe UI"/>
+        <a:font script="Mymr" typeface="Myanmar Text"/>
+        <a:font script="Nkoo" typeface="Ebrima"/>
+        <a:font script="Olck" typeface="Nirmala UI"/>
+        <a:font script="Osma" typeface="Ebrima"/>
+        <a:font script="Phag" typeface="Phagspa"/>
+        <a:font script="Syrn" typeface="Estrangelo Edessa"/>
+        <a:font script="Syrj" typeface="Estrangelo Edessa"/>
+        <a:font script="Syre" typeface="Estrangelo Edessa"/>
+        <a:font script="Sora" typeface="Nirmala UI"/>
+        <a:font script="Tale" typeface="Microsoft Tai Le"/>
+        <a:font script="Talu" typeface="Microsoft New Tai Lue"/>
+        <a:font script="Tfng" typeface="Ebrima"/>
+      </a:minorFont>
+    </a:fontScheme>
+    <a:fmtScheme name="Office">
+      <a:fillStyleLst>
+        <a:solidFill>
+          <a:schemeClr val="phClr"/>
+        </a:solidFill>
+        <a:gradFill rotWithShape="1">
+          <a:gsLst>
+            <a:gs pos="0">
+              <a:schemeClr val="phClr">
+                <a:lumMod val="110000"/>
+                <a:satMod val="105000"/>
+                <a:tint val="67000"/>
+              </a:schemeClr>
+            </a:gs>
+            <a:gs pos="50000">
+              <a:schemeClr val="phClr">
+                <a:lumMod val="105000"/>
+                <a:satMod val="103000"/>
+                <a:tint val="73000"/>
+              </a:schemeClr>
+            </a:gs>
+            <a:gs pos="100000">
+              <a:schemeClr val="phClr">
+                <a:lumMod val="105000"/>
+                <a:satMod val="109000"/>
+                <a:tint val="81000"/>
+              </a:schemeClr>
+            </a:gs>
+          </a:gsLst>
+          <a:lin ang="5400000" scaled="0"/>
+        </a:gradFill>
+        <a:gradFill rotWithShape="1">
+          <a:gsLst>
+            <a:gs pos="0">
+              <a:schemeClr val="phClr">
+                <a:satMod val="103000"/>
+                <a:lumMod val="102000"/>
+                <a:tint val="94000"/>
+              </a:schemeClr>
+            </a:gs>
+            <a:gs pos="50000">
+              <a:schemeClr val="phClr">
+                <a:satMod val="110000"/>
+                <a:lumMod val="100000"/>
+                <a:shade val="100000"/>
+              </a:schemeClr>
+            </a:gs>
+            <a:gs pos="100000">
+              <a:schemeClr val="phClr">
+                <a:lumMod val="99000"/>
+                <a:satMod val="120000"/>
+                <a:shade val="78000"/>
+              </a:schemeClr>
+            </a:gs>
+          </a:gsLst>
+          <a:lin ang="5400000" scaled="0"/>
+        </a:gradFill>
+      </a:fillStyleLst>
+      <a:lnStyleLst>
+        <a:ln w="6350" cap="flat" cmpd="sng" algn="ctr">
+          <a:solidFill>
+            <a:schemeClr val="phClr"/>
+          </a:solidFill>
+          <a:prstDash val="solid"/>
+          <a:miter lim="800000"/>
+        </a:ln>
+        <a:ln w="12700" cap="flat" cmpd="sng" algn="ctr">
+          <a:solidFill>
+            <a:schemeClr val="phClr"/>
+          </a:solidFill>
+          <a:prstDash val="solid"/>
+          <a:miter lim="800000"/>
+        </a:ln>
+        <a:ln w="19050" cap="flat" cmpd="sng" algn="ctr">
+          <a:solidFill>
+            <a:schemeClr val="phClr"/>
+          </a:solidFill>
+          <a:prstDash val="solid"/>
+          <a:miter lim="800000"/>
+        </a:ln>
+      </a:lnStyleLst>
+      <a:effectStyleLst>
+        <a:effectStyle>
+          <a:effectLst/>
+        </a:effectStyle>
+        <a:effectStyle>
+          <a:effectLst/>
+        </a:effectStyle>
+        <a:effectStyle>
+          <a:effectLst>
+            <a:outerShdw blurRad="57150" dist="19050" dir="5400000" algn="ctr" rotWithShape="0">
+              <a:srgbClr val="000000">
+                <a:alpha val="63000"/>
+              </a:srgbClr>
+            </a:outerShdw>
+          </a:effectLst>
+        </a:effectStyle>
+      </a:effectStyleLst>
+      <a:bgFillStyleLst>
+        <a:solidFill>
+          <a:schemeClr val="phClr"/>
+        </a:solidFill>
+        <a:solidFill>
+          <a:schemeClr val="phClr">
+            <a:tint val="95000"/>
+            <a:satMod val="170000"/>
+          </a:schemeClr>
+        </a:solidFill>
+        <a:gradFill rotWithShape="1">
+          <a:gsLst>
+            <a:gs pos="0">
+              <a:schemeClr val="phClr">
+                <a:tint val="93000"/>
+                <a:satMod val="150000"/>
+                <a:shade val="98000"/>
+                <a:lumMod val="102000"/>
+              </a:schemeClr>
+            </a:gs>
+            <a:gs pos="50000">
+              <a:schemeClr val="phClr">
+                <a:tint val="98000"/>
+                <a:satMod val="130000"/>
+                <a:shade val="90000"/>
+                <a:lumMod val="103000"/>
+              </a:schemeClr>
+            </a:gs>
+            <a:gs pos="100000">
+              <a:schemeClr val="phClr">
+                <a:shade val="63000"/>
+                <a:satMod val="120000"/>
+              </a:schemeClr>
+            </a:gs>
+          </a:gsLst>
+          <a:lin ang="5400000" scaled="0"/>
+        </a:gradFill>
+      </a:bgFillStyleLst>
+    </a:fmtScheme>
+  </a:themeElements>
+  <a:objectDefaults/>
+  <a:extraClrSchemeLst/>
+  <a:extLst>
+    <a:ext uri="{05A4C25C-085E-4340-85A3-A5531E510DB2}">
+      <thm15:themeFamily xmlns:thm15="http://schemas.microsoft.com/office/thememl/2012/main" name="Office Theme" id="{62F939B6-93AF-4DB8-9C6B-D6C7DFDC589F}" vid="{4A3C46E8-61CC-4603-A589-7422A47A8E4A}"/>
+    </a:ext>
+  </a:extLst>
+</a:theme>
 </file>
--- a/results/Sim_3.10.21/CGV_Figs.pptx
+++ b/results/Sim_3.10.21/CGV_Figs.pptx
@@ -5,7 +5,7 @@
     <p:sldMasterId id="2147483660" r:id="rId1"/>
   </p:sldMasterIdLst>
   <p:notesMasterIdLst>
-    <p:notesMasterId r:id="rId9"/>
+    <p:notesMasterId r:id="rId10"/>
   </p:notesMasterIdLst>
   <p:sldIdLst>
     <p:sldId id="256" r:id="rId2"/>
@@ -15,6 +15,7 @@
     <p:sldId id="260" r:id="rId6"/>
     <p:sldId id="261" r:id="rId7"/>
     <p:sldId id="262" r:id="rId8"/>
+    <p:sldId id="263" r:id="rId9"/>
   </p:sldIdLst>
   <p:sldSz cx="6858000" cy="12192000"/>
   <p:notesSz cx="6858000" cy="9144000"/>
@@ -10571,6 +10572,95 @@
     <p:extLst>
       <p:ext uri="{BB962C8B-B14F-4D97-AF65-F5344CB8AC3E}">
         <p14:creationId xmlns:p14="http://schemas.microsoft.com/office/powerpoint/2010/main" val="466342574"/>
+      </p:ext>
+    </p:extLst>
+  </p:cSld>
+  <p:clrMapOvr>
+    <a:masterClrMapping/>
+  </p:clrMapOvr>
+</p:sld>
+</file>
+
+<file path=ppt/slides/slide8.xml><?xml version="1.0" encoding="utf-8"?>
+<p:sld xmlns:a="http://schemas.openxmlformats.org/drawingml/2006/main" xmlns:r="http://schemas.openxmlformats.org/officeDocument/2006/relationships" xmlns:p="http://schemas.openxmlformats.org/presentationml/2006/main">
+  <p:cSld>
+    <p:spTree>
+      <p:nvGrpSpPr>
+        <p:cNvPr id="1" name=""/>
+        <p:cNvGrpSpPr/>
+        <p:nvPr/>
+      </p:nvGrpSpPr>
+      <p:grpSpPr>
+        <a:xfrm>
+          <a:off x="0" y="0"/>
+          <a:ext cx="0" cy="0"/>
+          <a:chOff x="0" y="0"/>
+          <a:chExt cx="0" cy="0"/>
+        </a:xfrm>
+      </p:grpSpPr>
+      <p:pic>
+        <p:nvPicPr>
+          <p:cNvPr id="9" name="Picture 8">
+            <a:extLst>
+              <a:ext uri="{FF2B5EF4-FFF2-40B4-BE49-F238E27FC236}">
+                <a16:creationId xmlns:a16="http://schemas.microsoft.com/office/drawing/2014/main" id="{2D336AA9-0826-F442-9A0B-A9A933B20BDD}"/>
+              </a:ext>
+            </a:extLst>
+          </p:cNvPr>
+          <p:cNvPicPr>
+            <a:picLocks noChangeAspect="1"/>
+          </p:cNvPicPr>
+          <p:nvPr/>
+        </p:nvPicPr>
+        <p:blipFill>
+          <a:blip r:embed="rId2"/>
+          <a:stretch>
+            <a:fillRect/>
+          </a:stretch>
+        </p:blipFill>
+        <p:spPr>
+          <a:xfrm>
+            <a:off x="-8626" y="4014107"/>
+            <a:ext cx="6858000" cy="4163786"/>
+          </a:xfrm>
+          <a:prstGeom prst="rect">
+            <a:avLst/>
+          </a:prstGeom>
+        </p:spPr>
+      </p:pic>
+      <p:pic>
+        <p:nvPicPr>
+          <p:cNvPr id="7" name="Picture 6">
+            <a:extLst>
+              <a:ext uri="{FF2B5EF4-FFF2-40B4-BE49-F238E27FC236}">
+                <a16:creationId xmlns:a16="http://schemas.microsoft.com/office/drawing/2014/main" id="{9109FFD5-026C-9A44-A51D-02F3E6C25AAD}"/>
+              </a:ext>
+            </a:extLst>
+          </p:cNvPr>
+          <p:cNvPicPr>
+            <a:picLocks noChangeAspect="1"/>
+          </p:cNvPicPr>
+          <p:nvPr/>
+        </p:nvPicPr>
+        <p:blipFill rotWithShape="1">
+          <a:blip r:embed="rId3"/>
+          <a:srcRect l="69858" t="42902" r="2188" b="38730"/>
+          <a:stretch/>
+        </p:blipFill>
+        <p:spPr>
+          <a:xfrm>
+            <a:off x="5435526" y="6840747"/>
+            <a:ext cx="1422474" cy="722227"/>
+          </a:xfrm>
+          <a:prstGeom prst="rect">
+            <a:avLst/>
+          </a:prstGeom>
+        </p:spPr>
+      </p:pic>
+    </p:spTree>
+    <p:extLst>
+      <p:ext uri="{BB962C8B-B14F-4D97-AF65-F5344CB8AC3E}">
+        <p14:creationId xmlns:p14="http://schemas.microsoft.com/office/powerpoint/2010/main" val="1150053511"/>
       </p:ext>
     </p:extLst>
   </p:cSld>

--- a/results/Sim_3.10.21/CGV_Figs.pptx
+++ b/results/Sim_3.10.21/CGV_Figs.pptx
@@ -5,7 +5,7 @@
     <p:sldMasterId id="2147483660" r:id="rId1"/>
   </p:sldMasterIdLst>
   <p:notesMasterIdLst>
-    <p:notesMasterId r:id="rId10"/>
+    <p:notesMasterId r:id="rId11"/>
   </p:notesMasterIdLst>
   <p:sldIdLst>
     <p:sldId id="256" r:id="rId2"/>
@@ -16,6 +16,7 @@
     <p:sldId id="261" r:id="rId7"/>
     <p:sldId id="262" r:id="rId8"/>
     <p:sldId id="263" r:id="rId9"/>
+    <p:sldId id="264" r:id="rId10"/>
   </p:sldIdLst>
   <p:sldSz cx="6858000" cy="12192000"/>
   <p:notesSz cx="6858000" cy="9144000"/>
@@ -4197,7 +4198,7 @@
         </p:blipFill>
         <p:spPr>
           <a:xfrm>
-            <a:off x="0" y="2707440"/>
+            <a:off x="29028" y="2706184"/>
             <a:ext cx="6858000" cy="6858000"/>
           </a:xfrm>
           <a:prstGeom prst="rect">
@@ -4220,7 +4221,7 @@
         <p:spPr>
           <a:xfrm>
             <a:off x="675384" y="3313039"/>
-            <a:ext cx="1481496" cy="646331"/>
+            <a:ext cx="1654620" cy="646331"/>
           </a:xfrm>
           <a:prstGeom prst="rect">
             <a:avLst/>
@@ -4255,7 +4256,7 @@
               <a:rPr lang="en-US" dirty="0">
                 <a:latin typeface="Times" pitchFamily="2" charset="0"/>
               </a:rPr>
-              <a:t>= -0.42</a:t>
+              <a:t>= -0.42 *</a:t>
             </a:r>
           </a:p>
           <a:p>
@@ -4271,8 +4272,8 @@
           </a:p>
         </p:txBody>
       </p:sp>
-      <mc:AlternateContent xmlns:mc="http://schemas.openxmlformats.org/markup-compatibility/2006" xmlns:a14="http://schemas.microsoft.com/office/drawing/2010/main">
-        <mc:Choice Requires="a14">
+      <mc:AlternateContent xmlns:mc="http://schemas.openxmlformats.org/markup-compatibility/2006">
+        <mc:Choice xmlns:a14="http://schemas.microsoft.com/office/drawing/2010/main" Requires="a14">
           <p:sp>
             <p:nvSpPr>
               <p:cNvPr id="14" name="TextBox 13">
@@ -4355,12 +4356,14 @@
                     </m:oMath>
                   </m:oMathPara>
                 </a14:m>
-                <a:endParaRPr lang="en-US" dirty="0"/>
+                <a:endParaRPr lang="en-US" dirty="0">
+                  <a:latin typeface="Times" pitchFamily="2" charset="0"/>
+                </a:endParaRPr>
               </a:p>
             </p:txBody>
           </p:sp>
         </mc:Choice>
-        <mc:Fallback xmlns="">
+        <mc:Fallback>
           <p:sp>
             <p:nvSpPr>
               <p:cNvPr id="14" name="TextBox 13">
@@ -4468,7 +4471,7 @@
         <p:spPr>
           <a:xfrm>
             <a:off x="823685" y="6709798"/>
-            <a:ext cx="1481496" cy="369332"/>
+            <a:ext cx="1654620" cy="369332"/>
           </a:xfrm>
           <a:prstGeom prst="rect">
             <a:avLst/>
@@ -4503,7 +4506,7 @@
               <a:rPr lang="en-US" dirty="0">
                 <a:latin typeface="Times" pitchFamily="2" charset="0"/>
               </a:rPr>
-              <a:t>= -0.38</a:t>
+              <a:t>= -0.38 *</a:t>
             </a:r>
             <a:endParaRPr lang="en-US" baseline="-25000" dirty="0">
               <a:latin typeface="Times" pitchFamily="2" charset="0"/>
@@ -4511,8 +4514,8 @@
           </a:p>
         </p:txBody>
       </p:sp>
-      <mc:AlternateContent xmlns:mc="http://schemas.openxmlformats.org/markup-compatibility/2006" xmlns:a14="http://schemas.microsoft.com/office/drawing/2010/main">
-        <mc:Choice Requires="a14">
+      <mc:AlternateContent xmlns:mc="http://schemas.openxmlformats.org/markup-compatibility/2006">
+        <mc:Choice xmlns:a14="http://schemas.microsoft.com/office/drawing/2010/main" Requires="a14">
           <p:sp>
             <p:nvSpPr>
               <p:cNvPr id="17" name="TextBox 16">
@@ -4595,12 +4598,14 @@
                     </m:oMath>
                   </m:oMathPara>
                 </a14:m>
-                <a:endParaRPr lang="en-US" dirty="0"/>
+                <a:endParaRPr lang="en-US" dirty="0">
+                  <a:latin typeface="Times" pitchFamily="2" charset="0"/>
+                </a:endParaRPr>
               </a:p>
             </p:txBody>
           </p:sp>
         </mc:Choice>
-        <mc:Fallback xmlns="">
+        <mc:Fallback>
           <p:sp>
             <p:nvSpPr>
               <p:cNvPr id="17" name="TextBox 16">
@@ -4699,7 +4704,7 @@
         </p:nvSpPr>
         <p:spPr>
           <a:xfrm>
-            <a:off x="4168883" y="6806713"/>
+            <a:off x="4166095" y="6706122"/>
             <a:ext cx="1404552" cy="369332"/>
           </a:xfrm>
           <a:prstGeom prst="rect">
@@ -4743,8 +4748,8 @@
           </a:p>
         </p:txBody>
       </p:sp>
-      <mc:AlternateContent xmlns:mc="http://schemas.openxmlformats.org/markup-compatibility/2006" xmlns:a14="http://schemas.microsoft.com/office/drawing/2010/main">
-        <mc:Choice Requires="a14">
+      <mc:AlternateContent xmlns:mc="http://schemas.openxmlformats.org/markup-compatibility/2006">
+        <mc:Choice xmlns:a14="http://schemas.microsoft.com/office/drawing/2010/main" Requires="a14">
           <p:sp>
             <p:nvSpPr>
               <p:cNvPr id="24" name="TextBox 23">
@@ -4759,7 +4764,7 @@
             </p:nvSpPr>
             <p:spPr>
               <a:xfrm>
-                <a:off x="4245228" y="7145267"/>
+                <a:off x="4238911" y="7047930"/>
                 <a:ext cx="516102" cy="277576"/>
               </a:xfrm>
               <a:prstGeom prst="rect">
@@ -4827,12 +4832,14 @@
                     </m:oMath>
                   </m:oMathPara>
                 </a14:m>
-                <a:endParaRPr lang="en-US" dirty="0"/>
+                <a:endParaRPr lang="en-US" dirty="0">
+                  <a:latin typeface="Times" pitchFamily="2" charset="0"/>
+                </a:endParaRPr>
               </a:p>
             </p:txBody>
           </p:sp>
         </mc:Choice>
-        <mc:Fallback xmlns="">
+        <mc:Fallback>
           <p:sp>
             <p:nvSpPr>
               <p:cNvPr id="24" name="TextBox 23">
@@ -4849,7 +4856,7 @@
             </p:nvSpPr>
             <p:spPr>
               <a:xfrm>
-                <a:off x="4245228" y="7145267"/>
+                <a:off x="4238911" y="7047930"/>
                 <a:ext cx="516102" cy="277576"/>
               </a:xfrm>
               <a:prstGeom prst="rect">
@@ -4858,7 +4865,7 @@
               <a:blipFill>
                 <a:blip r:embed="rId5"/>
                 <a:stretch>
-                  <a:fillRect l="-9756" r="-4878" b="-13043"/>
+                  <a:fillRect l="-9524" r="-4762" b="-17391"/>
                 </a:stretch>
               </a:blipFill>
             </p:spPr>
@@ -4891,7 +4898,7 @@
         </p:nvSpPr>
         <p:spPr>
           <a:xfrm>
-            <a:off x="4675919" y="7147753"/>
+            <a:off x="4727306" y="7047298"/>
             <a:ext cx="776175" cy="369332"/>
           </a:xfrm>
           <a:prstGeom prst="rect">
@@ -5058,7 +5065,7 @@
         </p:nvGrpSpPr>
         <p:grpSpPr>
           <a:xfrm>
-            <a:off x="2305181" y="9386602"/>
+            <a:off x="2256496" y="9402122"/>
             <a:ext cx="2970432" cy="400110"/>
             <a:chOff x="824988" y="6747790"/>
             <a:chExt cx="2970432" cy="400110"/>
@@ -5216,9 +5223,7 @@
             </a:prstGeom>
             <a:noFill/>
             <a:ln>
-              <a:solidFill>
-                <a:schemeClr val="tx1"/>
-              </a:solidFill>
+              <a:noFill/>
             </a:ln>
           </p:spPr>
           <p:style>
@@ -5388,7 +5393,7 @@
         </p:nvGrpSpPr>
         <p:grpSpPr>
           <a:xfrm>
-            <a:off x="2511515" y="3075602"/>
+            <a:off x="2349773" y="3402574"/>
             <a:ext cx="1819110" cy="418008"/>
             <a:chOff x="855075" y="3817194"/>
             <a:chExt cx="1819110" cy="418008"/>
@@ -5416,9 +5421,7 @@
             </a:prstGeom>
             <a:noFill/>
             <a:ln>
-              <a:solidFill>
-                <a:schemeClr val="tx1"/>
-              </a:solidFill>
+              <a:noFill/>
             </a:ln>
           </p:spPr>
           <p:style>
@@ -5634,7 +5637,7 @@
             <a:avLst/>
           </a:prstGeom>
           <a:noFill/>
-          <a:ln w="38100">
+          <a:ln w="19050">
             <a:solidFill>
               <a:srgbClr val="3CBB75"/>
             </a:solidFill>
@@ -5686,7 +5689,7 @@
             <a:avLst/>
           </a:prstGeom>
           <a:noFill/>
-          <a:ln w="38100">
+          <a:ln w="19050">
             <a:solidFill>
               <a:srgbClr val="3CBB75"/>
             </a:solidFill>
@@ -5738,7 +5741,7 @@
             <a:avLst/>
           </a:prstGeom>
           <a:noFill/>
-          <a:ln w="38100">
+          <a:ln w="19050">
             <a:solidFill>
               <a:srgbClr val="3CBB75"/>
             </a:solidFill>
@@ -5790,7 +5793,7 @@
             <a:avLst/>
           </a:prstGeom>
           <a:noFill/>
-          <a:ln w="38100">
+          <a:ln w="19050">
             <a:solidFill>
               <a:srgbClr val="443681"/>
             </a:solidFill>
@@ -5842,7 +5845,7 @@
             <a:avLst/>
           </a:prstGeom>
           <a:noFill/>
-          <a:ln w="38100">
+          <a:ln w="19050">
             <a:solidFill>
               <a:srgbClr val="443681"/>
             </a:solidFill>
@@ -5894,7 +5897,7 @@
             <a:avLst/>
           </a:prstGeom>
           <a:noFill/>
-          <a:ln w="38100">
+          <a:ln w="19050">
             <a:solidFill>
               <a:srgbClr val="443681"/>
             </a:solidFill>
@@ -10661,6 +10664,36 @@
     <p:extLst>
       <p:ext uri="{BB962C8B-B14F-4D97-AF65-F5344CB8AC3E}">
         <p14:creationId xmlns:p14="http://schemas.microsoft.com/office/powerpoint/2010/main" val="1150053511"/>
+      </p:ext>
+    </p:extLst>
+  </p:cSld>
+  <p:clrMapOvr>
+    <a:masterClrMapping/>
+  </p:clrMapOvr>
+</p:sld>
+</file>
+
+<file path=ppt/slides/slide9.xml><?xml version="1.0" encoding="utf-8"?>
+<p:sld xmlns:a="http://schemas.openxmlformats.org/drawingml/2006/main" xmlns:r="http://schemas.openxmlformats.org/officeDocument/2006/relationships" xmlns:p="http://schemas.openxmlformats.org/presentationml/2006/main">
+  <p:cSld>
+    <p:spTree>
+      <p:nvGrpSpPr>
+        <p:cNvPr id="1" name=""/>
+        <p:cNvGrpSpPr/>
+        <p:nvPr/>
+      </p:nvGrpSpPr>
+      <p:grpSpPr>
+        <a:xfrm>
+          <a:off x="0" y="0"/>
+          <a:ext cx="0" cy="0"/>
+          <a:chOff x="0" y="0"/>
+          <a:chExt cx="0" cy="0"/>
+        </a:xfrm>
+      </p:grpSpPr>
+    </p:spTree>
+    <p:extLst>
+      <p:ext uri="{BB962C8B-B14F-4D97-AF65-F5344CB8AC3E}">
+        <p14:creationId xmlns:p14="http://schemas.microsoft.com/office/powerpoint/2010/main" val="3295488885"/>
       </p:ext>
     </p:extLst>
   </p:cSld>
